--- a/Presentations/NASA/NASA presentation.pptx
+++ b/Presentations/NASA/NASA presentation.pptx
@@ -19,7 +19,8 @@
     <p:sldId id="269" r:id="rId13"/>
     <p:sldId id="270" r:id="rId14"/>
     <p:sldId id="271" r:id="rId15"/>
-    <p:sldId id="272" r:id="rId16"/>
+    <p:sldId id="273" r:id="rId16"/>
+    <p:sldId id="272" r:id="rId17"/>
   </p:sldIdLst>
   <p:sldSz cx="12192000" cy="6858000"/>
   <p:notesSz cx="6858000" cy="9144000"/>
@@ -367,7 +368,7 @@
             <a:fld id="{B61BEF0D-F0BB-DE4B-95CE-6DB70DBA9567}" type="datetimeFigureOut">
               <a:rPr lang="en-US" dirty="0"/>
               <a:pPr/>
-              <a:t>4/30/2018</a:t>
+              <a:t>5/11/2018</a:t>
             </a:fld>
             <a:endParaRPr lang="en-US" dirty="0"/>
           </a:p>
@@ -698,7 +699,7 @@
             <a:fld id="{B61BEF0D-F0BB-DE4B-95CE-6DB70DBA9567}" type="datetimeFigureOut">
               <a:rPr lang="en-US" dirty="0"/>
               <a:pPr/>
-              <a:t>4/30/2018</a:t>
+              <a:t>5/11/2018</a:t>
             </a:fld>
             <a:endParaRPr lang="en-US" dirty="0"/>
           </a:p>
@@ -973,7 +974,7 @@
             <a:fld id="{B61BEF0D-F0BB-DE4B-95CE-6DB70DBA9567}" type="datetimeFigureOut">
               <a:rPr lang="en-US" dirty="0"/>
               <a:pPr/>
-              <a:t>4/30/2018</a:t>
+              <a:t>5/11/2018</a:t>
             </a:fld>
             <a:endParaRPr lang="en-US" dirty="0"/>
           </a:p>
@@ -1538,7 +1539,7 @@
             <a:fld id="{B61BEF0D-F0BB-DE4B-95CE-6DB70DBA9567}" type="datetimeFigureOut">
               <a:rPr lang="en-US" dirty="0"/>
               <a:pPr/>
-              <a:t>4/30/2018</a:t>
+              <a:t>5/11/2018</a:t>
             </a:fld>
             <a:endParaRPr lang="en-US" dirty="0"/>
           </a:p>
@@ -1813,7 +1814,7 @@
             <a:fld id="{B61BEF0D-F0BB-DE4B-95CE-6DB70DBA9567}" type="datetimeFigureOut">
               <a:rPr lang="en-US" dirty="0"/>
               <a:pPr/>
-              <a:t>4/30/2018</a:t>
+              <a:t>5/11/2018</a:t>
             </a:fld>
             <a:endParaRPr lang="en-US" dirty="0"/>
           </a:p>
@@ -2372,7 +2373,7 @@
             <a:fld id="{B61BEF0D-F0BB-DE4B-95CE-6DB70DBA9567}" type="datetimeFigureOut">
               <a:rPr lang="en-US" dirty="0"/>
               <a:pPr/>
-              <a:t>4/30/2018</a:t>
+              <a:t>5/11/2018</a:t>
             </a:fld>
             <a:endParaRPr lang="en-US" dirty="0"/>
           </a:p>
@@ -2696,7 +2697,7 @@
             <a:fld id="{B61BEF0D-F0BB-DE4B-95CE-6DB70DBA9567}" type="datetimeFigureOut">
               <a:rPr lang="en-US" dirty="0"/>
               <a:pPr/>
-              <a:t>4/30/2018</a:t>
+              <a:t>5/11/2018</a:t>
             </a:fld>
             <a:endParaRPr lang="en-US" dirty="0"/>
           </a:p>
@@ -2870,7 +2871,7 @@
             <a:fld id="{B61BEF0D-F0BB-DE4B-95CE-6DB70DBA9567}" type="datetimeFigureOut">
               <a:rPr lang="en-US" dirty="0"/>
               <a:pPr/>
-              <a:t>4/30/2018</a:t>
+              <a:t>5/11/2018</a:t>
             </a:fld>
             <a:endParaRPr lang="en-US" dirty="0"/>
           </a:p>
@@ -3105,7 +3106,7 @@
             <a:fld id="{B61BEF0D-F0BB-DE4B-95CE-6DB70DBA9567}" type="datetimeFigureOut">
               <a:rPr lang="en-US" dirty="0"/>
               <a:pPr/>
-              <a:t>4/30/2018</a:t>
+              <a:t>5/11/2018</a:t>
             </a:fld>
             <a:endParaRPr lang="en-US" dirty="0"/>
           </a:p>
@@ -3302,7 +3303,7 @@
             <a:fld id="{B61BEF0D-F0BB-DE4B-95CE-6DB70DBA9567}" type="datetimeFigureOut">
               <a:rPr lang="en-US" dirty="0"/>
               <a:pPr/>
-              <a:t>4/30/2018</a:t>
+              <a:t>5/11/2018</a:t>
             </a:fld>
             <a:endParaRPr lang="en-US" dirty="0"/>
           </a:p>
@@ -3575,7 +3576,7 @@
             <a:fld id="{B61BEF0D-F0BB-DE4B-95CE-6DB70DBA9567}" type="datetimeFigureOut">
               <a:rPr lang="en-US" dirty="0"/>
               <a:pPr/>
-              <a:t>4/30/2018</a:t>
+              <a:t>5/11/2018</a:t>
             </a:fld>
             <a:endParaRPr lang="en-US" dirty="0"/>
           </a:p>
@@ -3838,7 +3839,7 @@
             <a:fld id="{B61BEF0D-F0BB-DE4B-95CE-6DB70DBA9567}" type="datetimeFigureOut">
               <a:rPr lang="en-US" dirty="0"/>
               <a:pPr/>
-              <a:t>4/30/2018</a:t>
+              <a:t>5/11/2018</a:t>
             </a:fld>
             <a:endParaRPr lang="en-US" dirty="0"/>
           </a:p>
@@ -4209,7 +4210,7 @@
             <a:fld id="{B61BEF0D-F0BB-DE4B-95CE-6DB70DBA9567}" type="datetimeFigureOut">
               <a:rPr lang="en-US" dirty="0"/>
               <a:pPr/>
-              <a:t>4/30/2018</a:t>
+              <a:t>5/11/2018</a:t>
             </a:fld>
             <a:endParaRPr lang="en-US" dirty="0"/>
           </a:p>
@@ -4354,7 +4355,7 @@
             <a:fld id="{B61BEF0D-F0BB-DE4B-95CE-6DB70DBA9567}" type="datetimeFigureOut">
               <a:rPr lang="en-US" dirty="0"/>
               <a:pPr/>
-              <a:t>4/30/2018</a:t>
+              <a:t>5/11/2018</a:t>
             </a:fld>
             <a:endParaRPr lang="en-US" dirty="0"/>
           </a:p>
@@ -4476,7 +4477,7 @@
             <a:fld id="{B61BEF0D-F0BB-DE4B-95CE-6DB70DBA9567}" type="datetimeFigureOut">
               <a:rPr lang="en-US" dirty="0"/>
               <a:pPr/>
-              <a:t>4/30/2018</a:t>
+              <a:t>5/11/2018</a:t>
             </a:fld>
             <a:endParaRPr lang="en-US" dirty="0"/>
           </a:p>
@@ -4758,7 +4759,7 @@
             <a:fld id="{B61BEF0D-F0BB-DE4B-95CE-6DB70DBA9567}" type="datetimeFigureOut">
               <a:rPr lang="en-US" dirty="0"/>
               <a:pPr/>
-              <a:t>4/30/2018</a:t>
+              <a:t>5/11/2018</a:t>
             </a:fld>
             <a:endParaRPr lang="en-US" dirty="0"/>
           </a:p>
@@ -5079,7 +5080,7 @@
             <a:fld id="{B61BEF0D-F0BB-DE4B-95CE-6DB70DBA9567}" type="datetimeFigureOut">
               <a:rPr lang="en-US" dirty="0"/>
               <a:pPr/>
-              <a:t>4/30/2018</a:t>
+              <a:t>5/11/2018</a:t>
             </a:fld>
             <a:endParaRPr lang="en-US" dirty="0"/>
           </a:p>
@@ -5290,7 +5291,7 @@
             <a:fld id="{B61BEF0D-F0BB-DE4B-95CE-6DB70DBA9567}" type="datetimeFigureOut">
               <a:rPr lang="en-US" dirty="0"/>
               <a:pPr/>
-              <a:t>4/30/2018</a:t>
+              <a:t>5/11/2018</a:t>
             </a:fld>
             <a:endParaRPr lang="en-US" dirty="0"/>
           </a:p>
@@ -6074,8 +6075,8 @@
           </a:p>
         </p:txBody>
       </p:sp>
-      <mc:AlternateContent xmlns:mc="http://schemas.openxmlformats.org/markup-compatibility/2006">
-        <mc:Choice xmlns:a14="http://schemas.microsoft.com/office/drawing/2010/main" Requires="a14">
+      <mc:AlternateContent xmlns:mc="http://schemas.openxmlformats.org/markup-compatibility/2006" xmlns:a14="http://schemas.microsoft.com/office/drawing/2010/main">
+        <mc:Choice Requires="a14">
           <p:sp>
             <p:nvSpPr>
               <p:cNvPr id="3" name="Content Placeholder 2">
@@ -6159,7 +6160,9 @@
                 <a14:m>
                   <m:oMath xmlns:m="http://schemas.openxmlformats.org/officeDocument/2006/math">
                     <m:r>
-                      <a:rPr lang="en-US" sz="2800" i="1"/>
+                      <a:rPr lang="en-US" sz="2800" i="1">
+                        <a:latin typeface="Cambria Math" panose="02040503050406030204" pitchFamily="18" charset="0"/>
+                      </a:rPr>
                       <m:t>°</m:t>
                     </m:r>
                   </m:oMath>
@@ -6178,7 +6181,7 @@
             </p:txBody>
           </p:sp>
         </mc:Choice>
-        <mc:Fallback>
+        <mc:Fallback xmlns="">
           <p:sp>
             <p:nvSpPr>
               <p:cNvPr id="3" name="Content Placeholder 2">
@@ -7049,6 +7052,128 @@
 </file>
 
 <file path=ppt/slides/slide15.xml><?xml version="1.0" encoding="utf-8"?>
+<p:sld xmlns:a="http://schemas.openxmlformats.org/drawingml/2006/main" xmlns:r="http://schemas.openxmlformats.org/officeDocument/2006/relationships" xmlns:p="http://schemas.openxmlformats.org/presentationml/2006/main">
+  <p:cSld>
+    <p:spTree>
+      <p:nvGrpSpPr>
+        <p:cNvPr id="1" name=""/>
+        <p:cNvGrpSpPr/>
+        <p:nvPr/>
+      </p:nvGrpSpPr>
+      <p:grpSpPr>
+        <a:xfrm>
+          <a:off x="0" y="0"/>
+          <a:ext cx="0" cy="0"/>
+          <a:chOff x="0" y="0"/>
+          <a:chExt cx="0" cy="0"/>
+        </a:xfrm>
+      </p:grpSpPr>
+      <p:sp>
+        <p:nvSpPr>
+          <p:cNvPr id="2" name="Title 1">
+            <a:extLst>
+              <a:ext uri="{FF2B5EF4-FFF2-40B4-BE49-F238E27FC236}">
+                <a16:creationId xmlns:a16="http://schemas.microsoft.com/office/drawing/2014/main" id="{BDAC53BE-2491-43F4-9D2F-E1A24BC4BDD4}"/>
+              </a:ext>
+            </a:extLst>
+          </p:cNvPr>
+          <p:cNvSpPr>
+            <a:spLocks noGrp="1"/>
+          </p:cNvSpPr>
+          <p:nvPr>
+            <p:ph type="title"/>
+          </p:nvPr>
+        </p:nvSpPr>
+        <p:spPr/>
+        <p:txBody>
+          <a:bodyPr/>
+          <a:lstStyle/>
+          <a:p>
+            <a:r>
+              <a:rPr lang="en-US" dirty="0"/>
+              <a:t>Optimization</a:t>
+            </a:r>
+          </a:p>
+        </p:txBody>
+      </p:sp>
+      <p:sp>
+        <p:nvSpPr>
+          <p:cNvPr id="3" name="Content Placeholder 2">
+            <a:extLst>
+              <a:ext uri="{FF2B5EF4-FFF2-40B4-BE49-F238E27FC236}">
+                <a16:creationId xmlns:a16="http://schemas.microsoft.com/office/drawing/2014/main" id="{1AAFE501-D212-416C-AEBD-FB115692A2B0}"/>
+              </a:ext>
+            </a:extLst>
+          </p:cNvPr>
+          <p:cNvSpPr>
+            <a:spLocks noGrp="1"/>
+          </p:cNvSpPr>
+          <p:nvPr>
+            <p:ph idx="1"/>
+          </p:nvPr>
+        </p:nvSpPr>
+        <p:spPr/>
+        <p:txBody>
+          <a:bodyPr>
+            <a:normAutofit/>
+          </a:bodyPr>
+          <a:lstStyle/>
+          <a:p>
+            <a:r>
+              <a:rPr lang="en-US" sz="2800" dirty="0"/>
+              <a:t>Split the data</a:t>
+            </a:r>
+          </a:p>
+          <a:p>
+            <a:pPr lvl="1"/>
+            <a:r>
+              <a:rPr lang="en-US" sz="2600" dirty="0"/>
+              <a:t>75% training</a:t>
+            </a:r>
+          </a:p>
+          <a:p>
+            <a:pPr lvl="2"/>
+            <a:r>
+              <a:rPr lang="en-US" sz="2400" dirty="0"/>
+              <a:t>Fit the classifier</a:t>
+            </a:r>
+          </a:p>
+          <a:p>
+            <a:pPr lvl="1"/>
+            <a:r>
+              <a:rPr lang="en-US" sz="2600" dirty="0"/>
+              <a:t>25% testing</a:t>
+            </a:r>
+          </a:p>
+          <a:p>
+            <a:pPr lvl="2"/>
+            <a:r>
+              <a:rPr lang="en-US" sz="2400" dirty="0"/>
+              <a:t>Get predictions</a:t>
+            </a:r>
+          </a:p>
+          <a:p>
+            <a:r>
+              <a:rPr lang="en-US" sz="2800" dirty="0"/>
+              <a:t>Compare</a:t>
+            </a:r>
+          </a:p>
+        </p:txBody>
+      </p:sp>
+    </p:spTree>
+    <p:extLst>
+      <p:ext uri="{BB962C8B-B14F-4D97-AF65-F5344CB8AC3E}">
+        <p14:creationId xmlns:p14="http://schemas.microsoft.com/office/powerpoint/2010/main" val="1409234782"/>
+      </p:ext>
+    </p:extLst>
+  </p:cSld>
+  <p:clrMapOvr>
+    <a:masterClrMapping/>
+  </p:clrMapOvr>
+</p:sld>
+</file>
+
+<file path=ppt/slides/slide16.xml><?xml version="1.0" encoding="utf-8"?>
 <p:sld xmlns:a="http://schemas.openxmlformats.org/drawingml/2006/main" xmlns:r="http://schemas.openxmlformats.org/officeDocument/2006/relationships" xmlns:p="http://schemas.openxmlformats.org/presentationml/2006/main">
   <p:cSld>
     <p:spTree>
@@ -10505,7 +10630,7 @@
           <a:graphicData uri="http://schemas.openxmlformats.org/presentationml/2006/ole">
             <mc:AlternateContent xmlns:mc="http://schemas.openxmlformats.org/markup-compatibility/2006">
               <mc:Choice xmlns:v="urn:schemas-microsoft-com:vml" Requires="v">
-                <p:oleObj spid="_x0000_s3105" name="Equation" r:id="rId3" imgW="114120" imgH="177480" progId="Equation.DSMT4">
+                <p:oleObj spid="_x0000_s3113" name="Equation" r:id="rId3" imgW="114120" imgH="177480" progId="Equation.DSMT4">
                   <p:embed/>
                 </p:oleObj>
               </mc:Choice>
@@ -10568,7 +10693,7 @@
           <a:graphicData uri="http://schemas.openxmlformats.org/presentationml/2006/ole">
             <mc:AlternateContent xmlns:mc="http://schemas.openxmlformats.org/markup-compatibility/2006">
               <mc:Choice xmlns:v="urn:schemas-microsoft-com:vml" Requires="v">
-                <p:oleObj spid="_x0000_s3106" name="Equation" r:id="rId5" imgW="914400" imgH="198720" progId="Equation.DSMT4">
+                <p:oleObj spid="_x0000_s3114" name="Equation" r:id="rId5" imgW="914400" imgH="198720" progId="Equation.DSMT4">
                   <p:embed/>
                 </p:oleObj>
               </mc:Choice>
@@ -10697,7 +10822,7 @@
           <a:graphicData uri="http://schemas.openxmlformats.org/presentationml/2006/ole">
             <mc:AlternateContent xmlns:mc="http://schemas.openxmlformats.org/markup-compatibility/2006">
               <mc:Choice xmlns:v="urn:schemas-microsoft-com:vml" Requires="v">
-                <p:oleObj spid="_x0000_s2088" name="Equation" r:id="rId3" imgW="2603160" imgH="1422360" progId="Equation.DSMT4">
+                <p:oleObj spid="_x0000_s2096" name="Equation" r:id="rId3" imgW="2603160" imgH="1422360" progId="Equation.DSMT4">
                   <p:embed/>
                 </p:oleObj>
               </mc:Choice>
@@ -10766,7 +10891,7 @@
           <a:graphicData uri="http://schemas.openxmlformats.org/presentationml/2006/ole">
             <mc:AlternateContent xmlns:mc="http://schemas.openxmlformats.org/markup-compatibility/2006">
               <mc:Choice xmlns:v="urn:schemas-microsoft-com:vml" Requires="v">
-                <p:oleObj spid="_x0000_s2089" name="Equation" r:id="rId5" imgW="457200" imgH="914400" progId="Equation.DSMT4">
+                <p:oleObj spid="_x0000_s2097" name="Equation" r:id="rId5" imgW="457200" imgH="914400" progId="Equation.DSMT4">
                   <p:embed/>
                 </p:oleObj>
               </mc:Choice>

--- a/Presentations/NASA/NASA presentation.pptx
+++ b/Presentations/NASA/NASA presentation.pptx
@@ -7239,7 +7239,7 @@
             <p:ph idx="1"/>
             <p:extLst>
               <p:ext uri="{D42A27DB-BD31-4B8C-83A1-F6EECF244321}">
-                <p14:modId xmlns:p14="http://schemas.microsoft.com/office/powerpoint/2010/main" val="2696930003"/>
+                <p14:modId xmlns:p14="http://schemas.microsoft.com/office/powerpoint/2010/main" val="2313551879"/>
               </p:ext>
             </p:extLst>
           </p:nvPr>
@@ -7328,7 +7328,7 @@
                       <a:pPr algn="ctr"/>
                       <a:r>
                         <a:rPr lang="en-US" sz="1750" dirty="0"/>
-                        <a:t>84.374%</a:t>
+                        <a:t>86.94%</a:t>
                       </a:r>
                     </a:p>
                   </a:txBody>
@@ -7363,7 +7363,7 @@
                       <a:pPr algn="ctr"/>
                       <a:r>
                         <a:rPr lang="en-US" sz="1750" dirty="0"/>
-                        <a:t>79.264%</a:t>
+                        <a:t>83.03%</a:t>
                       </a:r>
                     </a:p>
                   </a:txBody>
@@ -7398,7 +7398,7 @@
                       <a:pPr algn="ctr"/>
                       <a:r>
                         <a:rPr lang="en-US" sz="1750" dirty="0"/>
-                        <a:t>74.108%</a:t>
+                        <a:t>78.70%</a:t>
                       </a:r>
                     </a:p>
                   </a:txBody>
@@ -7433,7 +7433,7 @@
                       <a:pPr algn="ctr"/>
                       <a:r>
                         <a:rPr lang="en-US" sz="1750" dirty="0"/>
-                        <a:t>73.521%</a:t>
+                        <a:t>78.32%</a:t>
                       </a:r>
                     </a:p>
                   </a:txBody>
@@ -7468,7 +7468,7 @@
                       <a:pPr algn="ctr"/>
                       <a:r>
                         <a:rPr lang="en-US" sz="1750" dirty="0"/>
-                        <a:t>73.196%</a:t>
+                        <a:t>78.31%</a:t>
                       </a:r>
                     </a:p>
                   </a:txBody>
@@ -7503,7 +7503,7 @@
                       <a:pPr algn="ctr"/>
                       <a:r>
                         <a:rPr lang="en-US" sz="1750" dirty="0"/>
-                        <a:t>65.593%</a:t>
+                        <a:t>70.97%</a:t>
                       </a:r>
                     </a:p>
                   </a:txBody>
@@ -7521,10 +7521,26 @@
                     <a:bodyPr/>
                     <a:lstStyle/>
                     <a:p>
-                      <a:pPr algn="ctr"/>
+                      <a:pPr marL="0" marR="0" lvl="0" indent="0" algn="ctr" defTabSz="457200" rtl="0" eaLnBrk="1" fontAlgn="auto" latinLnBrk="0" hangingPunct="1">
+                        <a:lnSpc>
+                          <a:spcPct val="100000"/>
+                        </a:lnSpc>
+                        <a:spcBef>
+                          <a:spcPts val="0"/>
+                        </a:spcBef>
+                        <a:spcAft>
+                          <a:spcPts val="0"/>
+                        </a:spcAft>
+                        <a:buClrTx/>
+                        <a:buSzTx/>
+                        <a:buFontTx/>
+                        <a:buNone/>
+                        <a:tabLst/>
+                        <a:defRPr/>
+                      </a:pPr>
                       <a:r>
                         <a:rPr lang="en-US" sz="1750" dirty="0"/>
-                        <a:t>Length vs Spring</a:t>
+                        <a:t>Initial Angle vs Length</a:t>
                       </a:r>
                     </a:p>
                   </a:txBody>
@@ -7538,7 +7554,7 @@
                       <a:pPr algn="ctr"/>
                       <a:r>
                         <a:rPr lang="en-US" sz="1750" dirty="0"/>
-                        <a:t>59.245%</a:t>
+                        <a:t>65.95%</a:t>
                       </a:r>
                     </a:p>
                   </a:txBody>
@@ -7556,10 +7572,26 @@
                     <a:bodyPr/>
                     <a:lstStyle/>
                     <a:p>
-                      <a:pPr algn="ctr"/>
+                      <a:pPr marL="0" marR="0" lvl="0" indent="0" algn="ctr" defTabSz="457200" rtl="0" eaLnBrk="1" fontAlgn="auto" latinLnBrk="0" hangingPunct="1">
+                        <a:lnSpc>
+                          <a:spcPct val="100000"/>
+                        </a:lnSpc>
+                        <a:spcBef>
+                          <a:spcPts val="0"/>
+                        </a:spcBef>
+                        <a:spcAft>
+                          <a:spcPts val="0"/>
+                        </a:spcAft>
+                        <a:buClrTx/>
+                        <a:buSzTx/>
+                        <a:buFontTx/>
+                        <a:buNone/>
+                        <a:tabLst/>
+                        <a:defRPr/>
+                      </a:pPr>
                       <a:r>
                         <a:rPr lang="en-US" sz="1750" dirty="0"/>
-                        <a:t>Length vs Gravity</a:t>
+                        <a:t>Length vs Spring</a:t>
                       </a:r>
                     </a:p>
                   </a:txBody>
@@ -7573,7 +7605,7 @@
                       <a:pPr algn="ctr"/>
                       <a:r>
                         <a:rPr lang="en-US" sz="1750" dirty="0"/>
-                        <a:t>59.159%</a:t>
+                        <a:t>65.84%</a:t>
                       </a:r>
                     </a:p>
                   </a:txBody>
@@ -7591,10 +7623,26 @@
                     <a:bodyPr/>
                     <a:lstStyle/>
                     <a:p>
-                      <a:pPr algn="ctr"/>
+                      <a:pPr marL="0" marR="0" lvl="0" indent="0" algn="ctr" defTabSz="457200" rtl="0" eaLnBrk="1" fontAlgn="auto" latinLnBrk="0" hangingPunct="1">
+                        <a:lnSpc>
+                          <a:spcPct val="100000"/>
+                        </a:lnSpc>
+                        <a:spcBef>
+                          <a:spcPts val="0"/>
+                        </a:spcBef>
+                        <a:spcAft>
+                          <a:spcPts val="0"/>
+                        </a:spcAft>
+                        <a:buClrTx/>
+                        <a:buSzTx/>
+                        <a:buFontTx/>
+                        <a:buNone/>
+                        <a:tabLst/>
+                        <a:defRPr/>
+                      </a:pPr>
                       <a:r>
                         <a:rPr lang="en-US" sz="1750" dirty="0"/>
-                        <a:t>Initial Stretch vs Spring</a:t>
+                        <a:t>Length vs Gravity</a:t>
                       </a:r>
                     </a:p>
                   </a:txBody>
@@ -7608,7 +7656,7 @@
                       <a:pPr algn="ctr"/>
                       <a:r>
                         <a:rPr lang="en-US" sz="1750" dirty="0"/>
-                        <a:t>59.155%</a:t>
+                        <a:t>65.81%</a:t>
                       </a:r>
                     </a:p>
                   </a:txBody>
@@ -7620,16 +7668,32 @@
                   </a:ext>
                 </a:extLst>
               </a:tr>
-              <a:tr h="342155">
+              <a:tr h="0">
                 <a:tc>
                   <a:txBody>
                     <a:bodyPr/>
                     <a:lstStyle/>
                     <a:p>
-                      <a:pPr algn="ctr"/>
+                      <a:pPr marL="0" marR="0" lvl="0" indent="0" algn="ctr" defTabSz="457200" rtl="0" eaLnBrk="1" fontAlgn="auto" latinLnBrk="0" hangingPunct="1">
+                        <a:lnSpc>
+                          <a:spcPct val="100000"/>
+                        </a:lnSpc>
+                        <a:spcBef>
+                          <a:spcPts val="0"/>
+                        </a:spcBef>
+                        <a:spcAft>
+                          <a:spcPts val="0"/>
+                        </a:spcAft>
+                        <a:buClrTx/>
+                        <a:buSzTx/>
+                        <a:buFontTx/>
+                        <a:buNone/>
+                        <a:tabLst/>
+                        <a:defRPr/>
+                      </a:pPr>
                       <a:r>
                         <a:rPr lang="en-US" sz="1750" dirty="0"/>
-                        <a:t>Initial Angle vs Length</a:t>
+                        <a:t>Initial Angle vs Initial Stretch</a:t>
                       </a:r>
                     </a:p>
                   </a:txBody>
@@ -7643,7 +7707,7 @@
                       <a:pPr algn="ctr"/>
                       <a:r>
                         <a:rPr lang="en-US" sz="1750" dirty="0"/>
-                        <a:t>59.144%</a:t>
+                        <a:t>65.50%</a:t>
                       </a:r>
                     </a:p>
                   </a:txBody>
@@ -7661,10 +7725,26 @@
                     <a:bodyPr/>
                     <a:lstStyle/>
                     <a:p>
-                      <a:pPr algn="ctr"/>
+                      <a:pPr marL="0" marR="0" lvl="0" indent="0" algn="ctr" defTabSz="457200" rtl="0" eaLnBrk="1" fontAlgn="auto" latinLnBrk="0" hangingPunct="1">
+                        <a:lnSpc>
+                          <a:spcPct val="100000"/>
+                        </a:lnSpc>
+                        <a:spcBef>
+                          <a:spcPts val="0"/>
+                        </a:spcBef>
+                        <a:spcAft>
+                          <a:spcPts val="0"/>
+                        </a:spcAft>
+                        <a:buClrTx/>
+                        <a:buSzTx/>
+                        <a:buFontTx/>
+                        <a:buNone/>
+                        <a:tabLst/>
+                        <a:defRPr/>
+                      </a:pPr>
                       <a:r>
                         <a:rPr lang="en-US" sz="1750" dirty="0"/>
-                        <a:t>Initial Angle vs Initial Stretch</a:t>
+                        <a:t>Initial Stretch vs Spring</a:t>
                       </a:r>
                     </a:p>
                   </a:txBody>
@@ -7678,7 +7758,7 @@
                       <a:pPr algn="ctr"/>
                       <a:r>
                         <a:rPr lang="en-US" sz="1750" dirty="0"/>
-                        <a:t>59.129%</a:t>
+                        <a:t>65.18%</a:t>
                       </a:r>
                     </a:p>
                   </a:txBody>
@@ -7696,7 +7776,23 @@
                     <a:bodyPr/>
                     <a:lstStyle/>
                     <a:p>
-                      <a:pPr algn="ctr"/>
+                      <a:pPr marL="0" marR="0" lvl="0" indent="0" algn="ctr" defTabSz="457200" rtl="0" eaLnBrk="1" fontAlgn="auto" latinLnBrk="0" hangingPunct="1">
+                        <a:lnSpc>
+                          <a:spcPct val="100000"/>
+                        </a:lnSpc>
+                        <a:spcBef>
+                          <a:spcPts val="0"/>
+                        </a:spcBef>
+                        <a:spcAft>
+                          <a:spcPts val="0"/>
+                        </a:spcAft>
+                        <a:buClrTx/>
+                        <a:buSzTx/>
+                        <a:buFontTx/>
+                        <a:buNone/>
+                        <a:tabLst/>
+                        <a:defRPr/>
+                      </a:pPr>
                       <a:r>
                         <a:rPr lang="en-US" sz="1750" dirty="0"/>
                         <a:t>Initial Stretch vs Gravity</a:t>
@@ -7713,7 +7809,7 @@
                       <a:pPr algn="ctr"/>
                       <a:r>
                         <a:rPr lang="en-US" sz="1750" dirty="0"/>
-                        <a:t>57.850%</a:t>
+                        <a:t>65.11%</a:t>
                       </a:r>
                     </a:p>
                   </a:txBody>
@@ -7731,10 +7827,26 @@
                     <a:bodyPr/>
                     <a:lstStyle/>
                     <a:p>
-                      <a:pPr algn="ctr"/>
+                      <a:pPr marL="0" marR="0" lvl="0" indent="0" algn="ctr" defTabSz="457200" rtl="0" eaLnBrk="1" fontAlgn="auto" latinLnBrk="0" hangingPunct="1">
+                        <a:lnSpc>
+                          <a:spcPct val="100000"/>
+                        </a:lnSpc>
+                        <a:spcBef>
+                          <a:spcPts val="0"/>
+                        </a:spcBef>
+                        <a:spcAft>
+                          <a:spcPts val="0"/>
+                        </a:spcAft>
+                        <a:buClrTx/>
+                        <a:buSzTx/>
+                        <a:buFontTx/>
+                        <a:buNone/>
+                        <a:tabLst/>
+                        <a:defRPr/>
+                      </a:pPr>
                       <a:r>
                         <a:rPr lang="en-US" sz="1750" dirty="0"/>
-                        <a:t>Initial Angle vs Gravity</a:t>
+                        <a:t>Initial Angle vs Spring</a:t>
                       </a:r>
                     </a:p>
                   </a:txBody>
@@ -7748,7 +7860,7 @@
                       <a:pPr algn="ctr"/>
                       <a:r>
                         <a:rPr lang="en-US" sz="1750" dirty="0"/>
-                        <a:t>52.774%</a:t>
+                        <a:t>58.56%</a:t>
                       </a:r>
                     </a:p>
                   </a:txBody>
@@ -7766,10 +7878,26 @@
                     <a:bodyPr/>
                     <a:lstStyle/>
                     <a:p>
-                      <a:pPr algn="ctr"/>
+                      <a:pPr marL="0" marR="0" lvl="0" indent="0" algn="ctr" defTabSz="457200" rtl="0" eaLnBrk="1" fontAlgn="auto" latinLnBrk="0" hangingPunct="1">
+                        <a:lnSpc>
+                          <a:spcPct val="100000"/>
+                        </a:lnSpc>
+                        <a:spcBef>
+                          <a:spcPts val="0"/>
+                        </a:spcBef>
+                        <a:spcAft>
+                          <a:spcPts val="0"/>
+                        </a:spcAft>
+                        <a:buClrTx/>
+                        <a:buSzTx/>
+                        <a:buFontTx/>
+                        <a:buNone/>
+                        <a:tabLst/>
+                        <a:defRPr/>
+                      </a:pPr>
                       <a:r>
                         <a:rPr lang="en-US" sz="1750" dirty="0"/>
-                        <a:t>Initial Angle vs Spring</a:t>
+                        <a:t>Initial Angle vs Gravity</a:t>
                       </a:r>
                     </a:p>
                   </a:txBody>
@@ -7783,7 +7911,7 @@
                       <a:pPr algn="ctr"/>
                       <a:r>
                         <a:rPr lang="en-US" sz="1750" dirty="0"/>
-                        <a:t>52.759%</a:t>
+                        <a:t>58.53%</a:t>
                       </a:r>
                     </a:p>
                   </a:txBody>
@@ -7818,7 +7946,7 @@
                       <a:pPr algn="ctr"/>
                       <a:r>
                         <a:rPr lang="en-US" sz="1750" dirty="0"/>
-                        <a:t>52.049%</a:t>
+                        <a:t>57.94%</a:t>
                       </a:r>
                     </a:p>
                   </a:txBody>
@@ -10630,7 +10758,7 @@
           <a:graphicData uri="http://schemas.openxmlformats.org/presentationml/2006/ole">
             <mc:AlternateContent xmlns:mc="http://schemas.openxmlformats.org/markup-compatibility/2006">
               <mc:Choice xmlns:v="urn:schemas-microsoft-com:vml" Requires="v">
-                <p:oleObj spid="_x0000_s3113" name="Equation" r:id="rId3" imgW="114120" imgH="177480" progId="Equation.DSMT4">
+                <p:oleObj spid="_x0000_s3129" name="Equation" r:id="rId3" imgW="114120" imgH="177480" progId="Equation.DSMT4">
                   <p:embed/>
                 </p:oleObj>
               </mc:Choice>
@@ -10693,7 +10821,7 @@
           <a:graphicData uri="http://schemas.openxmlformats.org/presentationml/2006/ole">
             <mc:AlternateContent xmlns:mc="http://schemas.openxmlformats.org/markup-compatibility/2006">
               <mc:Choice xmlns:v="urn:schemas-microsoft-com:vml" Requires="v">
-                <p:oleObj spid="_x0000_s3114" name="Equation" r:id="rId5" imgW="914400" imgH="198720" progId="Equation.DSMT4">
+                <p:oleObj spid="_x0000_s3130" name="Equation" r:id="rId5" imgW="914400" imgH="198720" progId="Equation.DSMT4">
                   <p:embed/>
                 </p:oleObj>
               </mc:Choice>
@@ -10822,7 +10950,7 @@
           <a:graphicData uri="http://schemas.openxmlformats.org/presentationml/2006/ole">
             <mc:AlternateContent xmlns:mc="http://schemas.openxmlformats.org/markup-compatibility/2006">
               <mc:Choice xmlns:v="urn:schemas-microsoft-com:vml" Requires="v">
-                <p:oleObj spid="_x0000_s2096" name="Equation" r:id="rId3" imgW="2603160" imgH="1422360" progId="Equation.DSMT4">
+                <p:oleObj spid="_x0000_s2112" name="Equation" r:id="rId3" imgW="2603160" imgH="1422360" progId="Equation.DSMT4">
                   <p:embed/>
                 </p:oleObj>
               </mc:Choice>
@@ -10891,7 +11019,7 @@
           <a:graphicData uri="http://schemas.openxmlformats.org/presentationml/2006/ole">
             <mc:AlternateContent xmlns:mc="http://schemas.openxmlformats.org/markup-compatibility/2006">
               <mc:Choice xmlns:v="urn:schemas-microsoft-com:vml" Requires="v">
-                <p:oleObj spid="_x0000_s2097" name="Equation" r:id="rId5" imgW="457200" imgH="914400" progId="Equation.DSMT4">
+                <p:oleObj spid="_x0000_s2113" name="Equation" r:id="rId5" imgW="457200" imgH="914400" progId="Equation.DSMT4">
                   <p:embed/>
                 </p:oleObj>
               </mc:Choice>

--- a/Presentations/NASA/NASA presentation.pptx
+++ b/Presentations/NASA/NASA presentation.pptx
@@ -7,20 +7,22 @@
   <p:sldIdLst>
     <p:sldId id="256" r:id="rId2"/>
     <p:sldId id="262" r:id="rId3"/>
-    <p:sldId id="263" r:id="rId4"/>
-    <p:sldId id="266" r:id="rId5"/>
-    <p:sldId id="264" r:id="rId6"/>
-    <p:sldId id="260" r:id="rId7"/>
-    <p:sldId id="258" r:id="rId8"/>
-    <p:sldId id="259" r:id="rId9"/>
-    <p:sldId id="261" r:id="rId10"/>
-    <p:sldId id="267" r:id="rId11"/>
-    <p:sldId id="268" r:id="rId12"/>
-    <p:sldId id="269" r:id="rId13"/>
-    <p:sldId id="270" r:id="rId14"/>
-    <p:sldId id="271" r:id="rId15"/>
-    <p:sldId id="273" r:id="rId16"/>
-    <p:sldId id="272" r:id="rId17"/>
+    <p:sldId id="266" r:id="rId4"/>
+    <p:sldId id="264" r:id="rId5"/>
+    <p:sldId id="258" r:id="rId6"/>
+    <p:sldId id="259" r:id="rId7"/>
+    <p:sldId id="261" r:id="rId8"/>
+    <p:sldId id="267" r:id="rId9"/>
+    <p:sldId id="268" r:id="rId10"/>
+    <p:sldId id="269" r:id="rId11"/>
+    <p:sldId id="270" r:id="rId12"/>
+    <p:sldId id="273" r:id="rId13"/>
+    <p:sldId id="274" r:id="rId14"/>
+    <p:sldId id="275" r:id="rId15"/>
+    <p:sldId id="272" r:id="rId16"/>
+    <p:sldId id="277" r:id="rId17"/>
+    <p:sldId id="276" r:id="rId18"/>
+    <p:sldId id="278" r:id="rId19"/>
   </p:sldIdLst>
   <p:sldSz cx="12192000" cy="6858000"/>
   <p:notesSz cx="6858000" cy="9144000"/>
@@ -5878,7 +5880,7 @@
           <a:p>
             <a:r>
               <a:rPr lang="en-US" dirty="0"/>
-              <a:t>April 26, 2018</a:t>
+              <a:t>May 16, 2018</a:t>
             </a:r>
           </a:p>
         </p:txBody>
@@ -5897,6 +5899,274 @@
 </file>
 
 <file path=ppt/slides/slide10.xml><?xml version="1.0" encoding="utf-8"?>
+<p:sld xmlns:a="http://schemas.openxmlformats.org/drawingml/2006/main" xmlns:r="http://schemas.openxmlformats.org/officeDocument/2006/relationships" xmlns:p="http://schemas.openxmlformats.org/presentationml/2006/main">
+  <p:cSld>
+    <p:spTree>
+      <p:nvGrpSpPr>
+        <p:cNvPr id="1" name=""/>
+        <p:cNvGrpSpPr/>
+        <p:nvPr/>
+      </p:nvGrpSpPr>
+      <p:grpSpPr>
+        <a:xfrm>
+          <a:off x="0" y="0"/>
+          <a:ext cx="0" cy="0"/>
+          <a:chOff x="0" y="0"/>
+          <a:chExt cx="0" cy="0"/>
+        </a:xfrm>
+      </p:grpSpPr>
+      <p:sp>
+        <p:nvSpPr>
+          <p:cNvPr id="2" name="Title 1">
+            <a:extLst>
+              <a:ext uri="{FF2B5EF4-FFF2-40B4-BE49-F238E27FC236}">
+                <a16:creationId xmlns:a16="http://schemas.microsoft.com/office/drawing/2014/main" id="{83A7C37E-3A45-4C23-AAC0-0C880C5D5475}"/>
+              </a:ext>
+            </a:extLst>
+          </p:cNvPr>
+          <p:cNvSpPr>
+            <a:spLocks noGrp="1"/>
+          </p:cNvSpPr>
+          <p:nvPr>
+            <p:ph type="title"/>
+          </p:nvPr>
+        </p:nvSpPr>
+        <p:spPr>
+          <a:xfrm>
+            <a:off x="685801" y="609600"/>
+            <a:ext cx="10131425" cy="1456267"/>
+          </a:xfrm>
+        </p:spPr>
+        <p:txBody>
+          <a:bodyPr/>
+          <a:lstStyle/>
+          <a:p>
+            <a:r>
+              <a:rPr lang="en-US" dirty="0"/>
+              <a:t>KDE</a:t>
+            </a:r>
+          </a:p>
+        </p:txBody>
+      </p:sp>
+      <p:sp>
+        <p:nvSpPr>
+          <p:cNvPr id="3" name="Content Placeholder 2">
+            <a:extLst>
+              <a:ext uri="{FF2B5EF4-FFF2-40B4-BE49-F238E27FC236}">
+                <a16:creationId xmlns:a16="http://schemas.microsoft.com/office/drawing/2014/main" id="{7DAD0780-5B0B-4BB8-90E7-16A4B137FF0C}"/>
+              </a:ext>
+            </a:extLst>
+          </p:cNvPr>
+          <p:cNvSpPr>
+            <a:spLocks noGrp="1"/>
+          </p:cNvSpPr>
+          <p:nvPr>
+            <p:ph idx="1"/>
+          </p:nvPr>
+        </p:nvSpPr>
+        <p:spPr/>
+        <p:txBody>
+          <a:bodyPr/>
+          <a:lstStyle/>
+          <a:p>
+            <a:endParaRPr lang="en-US"/>
+          </a:p>
+        </p:txBody>
+      </p:sp>
+      <p:pic>
+        <p:nvPicPr>
+          <p:cNvPr id="4" name="Content Placeholder 4" descr="A close up of a map&#10;&#10;Description generated with high confidence">
+            <a:extLst>
+              <a:ext uri="{FF2B5EF4-FFF2-40B4-BE49-F238E27FC236}">
+                <a16:creationId xmlns:a16="http://schemas.microsoft.com/office/drawing/2014/main" id="{680C3850-5AD3-461D-AE57-D66A5CFDA5B8}"/>
+              </a:ext>
+            </a:extLst>
+          </p:cNvPr>
+          <p:cNvPicPr>
+            <a:picLocks noChangeAspect="1"/>
+          </p:cNvPicPr>
+          <p:nvPr/>
+        </p:nvPicPr>
+        <p:blipFill>
+          <a:blip r:embed="rId2"/>
+          <a:stretch>
+            <a:fillRect/>
+          </a:stretch>
+        </p:blipFill>
+        <p:spPr>
+          <a:xfrm>
+            <a:off x="578950" y="1629201"/>
+            <a:ext cx="3471417" cy="2479583"/>
+          </a:xfrm>
+          <a:prstGeom prst="rect">
+            <a:avLst/>
+          </a:prstGeom>
+        </p:spPr>
+      </p:pic>
+      <p:pic>
+        <p:nvPicPr>
+          <p:cNvPr id="5" name="Picture 4" descr="A close up of a map&#10;&#10;Description generated with high confidence">
+            <a:extLst>
+              <a:ext uri="{FF2B5EF4-FFF2-40B4-BE49-F238E27FC236}">
+                <a16:creationId xmlns:a16="http://schemas.microsoft.com/office/drawing/2014/main" id="{C1E8806A-4DA2-4283-B351-69AF5CCE45E7}"/>
+              </a:ext>
+            </a:extLst>
+          </p:cNvPr>
+          <p:cNvPicPr>
+            <a:picLocks noChangeAspect="1"/>
+          </p:cNvPicPr>
+          <p:nvPr/>
+        </p:nvPicPr>
+        <p:blipFill>
+          <a:blip r:embed="rId3"/>
+          <a:stretch>
+            <a:fillRect/>
+          </a:stretch>
+        </p:blipFill>
+        <p:spPr>
+          <a:xfrm>
+            <a:off x="4360291" y="1629202"/>
+            <a:ext cx="3471417" cy="2479583"/>
+          </a:xfrm>
+          <a:prstGeom prst="rect">
+            <a:avLst/>
+          </a:prstGeom>
+        </p:spPr>
+      </p:pic>
+      <p:pic>
+        <p:nvPicPr>
+          <p:cNvPr id="6" name="Picture 5" descr="A close up of a map&#10;&#10;Description generated with high confidence">
+            <a:extLst>
+              <a:ext uri="{FF2B5EF4-FFF2-40B4-BE49-F238E27FC236}">
+                <a16:creationId xmlns:a16="http://schemas.microsoft.com/office/drawing/2014/main" id="{907BEA22-D4A2-4DD8-AAAA-B72605DE5633}"/>
+              </a:ext>
+            </a:extLst>
+          </p:cNvPr>
+          <p:cNvPicPr>
+            <a:picLocks noChangeAspect="1"/>
+          </p:cNvPicPr>
+          <p:nvPr/>
+        </p:nvPicPr>
+        <p:blipFill>
+          <a:blip r:embed="rId4"/>
+          <a:stretch>
+            <a:fillRect/>
+          </a:stretch>
+        </p:blipFill>
+        <p:spPr>
+          <a:xfrm>
+            <a:off x="8141632" y="1629202"/>
+            <a:ext cx="3471417" cy="2479583"/>
+          </a:xfrm>
+          <a:prstGeom prst="rect">
+            <a:avLst/>
+          </a:prstGeom>
+        </p:spPr>
+      </p:pic>
+      <p:pic>
+        <p:nvPicPr>
+          <p:cNvPr id="7" name="Picture 6" descr="A close up of a device&#10;&#10;Description generated with high confidence">
+            <a:extLst>
+              <a:ext uri="{FF2B5EF4-FFF2-40B4-BE49-F238E27FC236}">
+                <a16:creationId xmlns:a16="http://schemas.microsoft.com/office/drawing/2014/main" id="{1F397E25-3A7C-44D2-B92A-45867C4A9F44}"/>
+              </a:ext>
+            </a:extLst>
+          </p:cNvPr>
+          <p:cNvPicPr>
+            <a:picLocks noChangeAspect="1"/>
+          </p:cNvPicPr>
+          <p:nvPr/>
+        </p:nvPicPr>
+        <p:blipFill>
+          <a:blip r:embed="rId5"/>
+          <a:stretch>
+            <a:fillRect/>
+          </a:stretch>
+        </p:blipFill>
+        <p:spPr>
+          <a:xfrm>
+            <a:off x="578949" y="4218815"/>
+            <a:ext cx="3471417" cy="2479584"/>
+          </a:xfrm>
+          <a:prstGeom prst="rect">
+            <a:avLst/>
+          </a:prstGeom>
+        </p:spPr>
+      </p:pic>
+      <p:pic>
+        <p:nvPicPr>
+          <p:cNvPr id="8" name="Picture 7" descr="A close up of a device&#10;&#10;Description generated with high confidence">
+            <a:extLst>
+              <a:ext uri="{FF2B5EF4-FFF2-40B4-BE49-F238E27FC236}">
+                <a16:creationId xmlns:a16="http://schemas.microsoft.com/office/drawing/2014/main" id="{52F426F5-7846-49BC-A9E7-7CD7219EC11D}"/>
+              </a:ext>
+            </a:extLst>
+          </p:cNvPr>
+          <p:cNvPicPr>
+            <a:picLocks noChangeAspect="1"/>
+          </p:cNvPicPr>
+          <p:nvPr/>
+        </p:nvPicPr>
+        <p:blipFill>
+          <a:blip r:embed="rId6"/>
+          <a:stretch>
+            <a:fillRect/>
+          </a:stretch>
+        </p:blipFill>
+        <p:spPr>
+          <a:xfrm>
+            <a:off x="4360291" y="4218815"/>
+            <a:ext cx="3471418" cy="2479584"/>
+          </a:xfrm>
+          <a:prstGeom prst="rect">
+            <a:avLst/>
+          </a:prstGeom>
+        </p:spPr>
+      </p:pic>
+      <p:pic>
+        <p:nvPicPr>
+          <p:cNvPr id="9" name="Picture 8" descr="A close up of a map&#10;&#10;Description generated with high confidence">
+            <a:extLst>
+              <a:ext uri="{FF2B5EF4-FFF2-40B4-BE49-F238E27FC236}">
+                <a16:creationId xmlns:a16="http://schemas.microsoft.com/office/drawing/2014/main" id="{07900509-961E-4DA0-AD6D-328620FA74A0}"/>
+              </a:ext>
+            </a:extLst>
+          </p:cNvPr>
+          <p:cNvPicPr>
+            <a:picLocks noChangeAspect="1"/>
+          </p:cNvPicPr>
+          <p:nvPr/>
+        </p:nvPicPr>
+        <p:blipFill>
+          <a:blip r:embed="rId7"/>
+          <a:stretch>
+            <a:fillRect/>
+          </a:stretch>
+        </p:blipFill>
+        <p:spPr>
+          <a:xfrm>
+            <a:off x="8141631" y="4218815"/>
+            <a:ext cx="3471418" cy="2479584"/>
+          </a:xfrm>
+          <a:prstGeom prst="rect">
+            <a:avLst/>
+          </a:prstGeom>
+        </p:spPr>
+      </p:pic>
+    </p:spTree>
+    <p:extLst>
+      <p:ext uri="{BB962C8B-B14F-4D97-AF65-F5344CB8AC3E}">
+        <p14:creationId xmlns:p14="http://schemas.microsoft.com/office/powerpoint/2010/main" val="2853754580"/>
+      </p:ext>
+    </p:extLst>
+  </p:cSld>
+  <p:clrMapOvr>
+    <a:masterClrMapping/>
+  </p:clrMapOvr>
+</p:sld>
+</file>
+
+<file path=ppt/slides/slide11.xml><?xml version="1.0" encoding="utf-8"?>
 <p:sld xmlns:a="http://schemas.openxmlformats.org/drawingml/2006/main" xmlns:r="http://schemas.openxmlformats.org/officeDocument/2006/relationships" xmlns:p="http://schemas.openxmlformats.org/presentationml/2006/main">
   <p:cSld>
     <p:bg>
@@ -5926,10 +6196,55 @@
       </p:grpSpPr>
       <p:pic>
         <p:nvPicPr>
-          <p:cNvPr id="7" name="Picture 6" descr="A close up of text on a white background&#10;&#10;Description generated with very high confidence">
+          <p:cNvPr id="9" name="Picture 8">
             <a:extLst>
               <a:ext uri="{FF2B5EF4-FFF2-40B4-BE49-F238E27FC236}">
-                <a16:creationId xmlns:a16="http://schemas.microsoft.com/office/drawing/2014/main" id="{C50B0945-28E9-45EC-A023-B9904498D72B}"/>
+                <a16:creationId xmlns:a16="http://schemas.microsoft.com/office/drawing/2014/main" id="{6AF6706C-CF07-43A1-BCC4-CBA5D33820DA}"/>
+              </a:ext>
+              <a:ext uri="{C183D7F6-B498-43B3-948B-1728B52AA6E4}">
+                <adec:decorative xmlns:adec="http://schemas.microsoft.com/office/drawing/2017/decorative" val="1"/>
+              </a:ext>
+            </a:extLst>
+          </p:cNvPr>
+          <p:cNvPicPr>
+            <a:picLocks noGrp="1" noRot="1" noChangeAspect="1" noMove="1" noResize="1" noEditPoints="1" noAdjustHandles="1" noChangeArrowheads="1" noChangeShapeType="1" noCrop="1"/>
+          </p:cNvPicPr>
+          <p:nvPr>
+            <p:extLst>
+              <p:ext uri="{386F3935-93C4-4BCD-93E2-E3B085C9AB24}">
+                <p16:designElem xmlns:p16="http://schemas.microsoft.com/office/powerpoint/2015/main" val="1"/>
+              </p:ext>
+            </p:extLst>
+          </p:nvPr>
+        </p:nvPicPr>
+        <p:blipFill>
+          <a:blip r:embed="rId3">
+            <a:extLst>
+              <a:ext uri="{28A0092B-C50C-407E-A947-70E740481C1C}">
+                <a14:useLocalDpi xmlns:a14="http://schemas.microsoft.com/office/drawing/2010/main" val="0"/>
+              </a:ext>
+            </a:extLst>
+          </a:blip>
+          <a:stretch>
+            <a:fillRect/>
+          </a:stretch>
+        </p:blipFill>
+        <p:spPr>
+          <a:xfrm>
+            <a:off x="0" y="0"/>
+            <a:ext cx="12188825" cy="6856214"/>
+          </a:xfrm>
+          <a:prstGeom prst="rect">
+            <a:avLst/>
+          </a:prstGeom>
+        </p:spPr>
+      </p:pic>
+      <p:pic>
+        <p:nvPicPr>
+          <p:cNvPr id="4" name="Picture 3">
+            <a:extLst>
+              <a:ext uri="{FF2B5EF4-FFF2-40B4-BE49-F238E27FC236}">
+                <a16:creationId xmlns:a16="http://schemas.microsoft.com/office/drawing/2014/main" id="{B0584C6C-275F-4BB6-8069-8DE0389331F4}"/>
               </a:ext>
             </a:extLst>
           </p:cNvPr>
@@ -5938,20 +6253,19 @@
           </p:cNvPicPr>
           <p:nvPr/>
         </p:nvPicPr>
-        <p:blipFill>
-          <a:blip r:embed="rId3"/>
-          <a:stretch>
-            <a:fillRect/>
-          </a:stretch>
+        <p:blipFill rotWithShape="1">
+          <a:blip r:embed="rId4"/>
+          <a:srcRect l="4287" t="9044" r="47450" b="44026"/>
+          <a:stretch/>
         </p:blipFill>
         <p:spPr>
           <a:xfrm>
-            <a:off x="5934695" y="2607011"/>
-            <a:ext cx="4039102" cy="2019551"/>
+            <a:off x="6400800" y="1218283"/>
+            <a:ext cx="5147736" cy="5005536"/>
           </a:xfrm>
           <a:prstGeom prst="roundRect">
             <a:avLst>
-              <a:gd name="adj" fmla="val 7306"/>
+              <a:gd name="adj" fmla="val 4380"/>
             </a:avLst>
           </a:prstGeom>
           <a:ln w="50800" cap="sq" cmpd="dbl">
@@ -5982,12 +6296,127 @@
           </a:effectLst>
         </p:spPr>
       </p:pic>
+      <p:sp>
+        <p:nvSpPr>
+          <p:cNvPr id="2" name="Title 1">
+            <a:extLst>
+              <a:ext uri="{FF2B5EF4-FFF2-40B4-BE49-F238E27FC236}">
+                <a16:creationId xmlns:a16="http://schemas.microsoft.com/office/drawing/2014/main" id="{0249A08A-E4E0-4A77-A5D9-8AB959E36217}"/>
+              </a:ext>
+            </a:extLst>
+          </p:cNvPr>
+          <p:cNvSpPr>
+            <a:spLocks noGrp="1"/>
+          </p:cNvSpPr>
+          <p:nvPr>
+            <p:ph type="title"/>
+          </p:nvPr>
+        </p:nvSpPr>
+        <p:spPr>
+          <a:xfrm>
+            <a:off x="643464" y="639097"/>
+            <a:ext cx="4789678" cy="3746634"/>
+          </a:xfrm>
+        </p:spPr>
+        <p:txBody>
+          <a:bodyPr vert="horz" lIns="91440" tIns="45720" rIns="91440" bIns="45720" rtlCol="0" anchor="b">
+            <a:normAutofit/>
+          </a:bodyPr>
+          <a:lstStyle/>
+          <a:p>
+            <a:pPr algn="r"/>
+            <a:r>
+              <a:rPr lang="en-US" sz="4800"/>
+              <a:t>K-Nearest neighbors</a:t>
+            </a:r>
+          </a:p>
+        </p:txBody>
+      </p:sp>
+      <p:sp>
+        <p:nvSpPr>
+          <p:cNvPr id="3" name="Content Placeholder 2">
+            <a:extLst>
+              <a:ext uri="{FF2B5EF4-FFF2-40B4-BE49-F238E27FC236}">
+                <a16:creationId xmlns:a16="http://schemas.microsoft.com/office/drawing/2014/main" id="{8417F6A7-0482-49B3-81F1-68C098B0C38F}"/>
+              </a:ext>
+            </a:extLst>
+          </p:cNvPr>
+          <p:cNvSpPr>
+            <a:spLocks noGrp="1"/>
+          </p:cNvSpPr>
+          <p:nvPr>
+            <p:ph idx="1"/>
+          </p:nvPr>
+        </p:nvSpPr>
+        <p:spPr>
+          <a:xfrm>
+            <a:off x="643464" y="4385732"/>
+            <a:ext cx="4813437" cy="1838087"/>
+          </a:xfrm>
+        </p:spPr>
+        <p:txBody>
+          <a:bodyPr vert="horz" lIns="91440" tIns="45720" rIns="91440" bIns="45720" rtlCol="0" anchor="t">
+            <a:normAutofit/>
+          </a:bodyPr>
+          <a:lstStyle/>
+          <a:p>
+            <a:pPr marL="0" indent="0" algn="r">
+              <a:buNone/>
+            </a:pPr>
+            <a:r>
+              <a:rPr lang="en-US" cap="all"/>
+              <a:t>What is the k-nearest neighbor method?</a:t>
+            </a:r>
+          </a:p>
+        </p:txBody>
+      </p:sp>
+    </p:spTree>
+    <p:extLst>
+      <p:ext uri="{BB962C8B-B14F-4D97-AF65-F5344CB8AC3E}">
+        <p14:creationId xmlns:p14="http://schemas.microsoft.com/office/powerpoint/2010/main" val="385276301"/>
+      </p:ext>
+    </p:extLst>
+  </p:cSld>
+  <p:clrMapOvr>
+    <a:masterClrMapping/>
+  </p:clrMapOvr>
+</p:sld>
+</file>
+
+<file path=ppt/slides/slide12.xml><?xml version="1.0" encoding="utf-8"?>
+<p:sld xmlns:a="http://schemas.openxmlformats.org/drawingml/2006/main" xmlns:r="http://schemas.openxmlformats.org/officeDocument/2006/relationships" xmlns:p="http://schemas.openxmlformats.org/presentationml/2006/main">
+  <p:cSld>
+    <p:bg>
+      <p:bgPr>
+        <a:blipFill>
+          <a:blip r:embed="rId2">
+            <a:extLst/>
+          </a:blip>
+          <a:stretch/>
+        </a:blipFill>
+        <a:effectLst/>
+      </p:bgPr>
+    </p:bg>
+    <p:spTree>
+      <p:nvGrpSpPr>
+        <p:cNvPr id="1" name=""/>
+        <p:cNvGrpSpPr/>
+        <p:nvPr/>
+      </p:nvGrpSpPr>
+      <p:grpSpPr>
+        <a:xfrm>
+          <a:off x="0" y="0"/>
+          <a:ext cx="0" cy="0"/>
+          <a:chOff x="0" y="0"/>
+          <a:chExt cx="0" cy="0"/>
+        </a:xfrm>
+      </p:grpSpPr>
       <p:pic>
         <p:nvPicPr>
-          <p:cNvPr id="5" name="Picture 4" descr="A close up of a logo&#10;&#10;Description generated with high confidence">
+          <p:cNvPr id="7" name="Graphic 6">
             <a:extLst>
               <a:ext uri="{FF2B5EF4-FFF2-40B4-BE49-F238E27FC236}">
-                <a16:creationId xmlns:a16="http://schemas.microsoft.com/office/drawing/2014/main" id="{177CEBA4-C475-4F64-A4AB-E2F6ED1F8CF3}"/>
+                <a16:creationId xmlns:a16="http://schemas.microsoft.com/office/drawing/2014/main" id="{623CD5E4-BAE3-4362-8345-3DB10CE8493D}"/>
               </a:ext>
             </a:extLst>
           </p:cNvPr>
@@ -5997,19 +6426,28 @@
           <p:nvPr/>
         </p:nvPicPr>
         <p:blipFill>
-          <a:blip r:embed="rId4"/>
+          <a:blip r:embed="rId3">
+            <a:extLst>
+              <a:ext uri="{28A0092B-C50C-407E-A947-70E740481C1C}">
+                <a14:useLocalDpi xmlns:a14="http://schemas.microsoft.com/office/drawing/2010/main" val="0"/>
+              </a:ext>
+              <a:ext uri="{96DAC541-7B7A-43D3-8B79-37D633B846F1}">
+                <asvg:svgBlip xmlns:asvg="http://schemas.microsoft.com/office/drawing/2016/SVG/main" r:embed="rId4"/>
+              </a:ext>
+            </a:extLst>
+          </a:blip>
           <a:stretch>
             <a:fillRect/>
           </a:stretch>
         </p:blipFill>
         <p:spPr>
           <a:xfrm>
-            <a:off x="1211095" y="2607012"/>
-            <a:ext cx="4039102" cy="2019551"/>
+            <a:off x="5786077" y="796413"/>
+            <a:ext cx="5102943" cy="5102943"/>
           </a:xfrm>
           <a:prstGeom prst="roundRect">
             <a:avLst>
-              <a:gd name="adj" fmla="val 7306"/>
+              <a:gd name="adj" fmla="val 4380"/>
             </a:avLst>
           </a:prstGeom>
           <a:ln w="50800" cap="sq" cmpd="dbl">
@@ -6045,7 +6483,7 @@
           <p:cNvPr id="2" name="Title 1">
             <a:extLst>
               <a:ext uri="{FF2B5EF4-FFF2-40B4-BE49-F238E27FC236}">
-                <a16:creationId xmlns:a16="http://schemas.microsoft.com/office/drawing/2014/main" id="{0D9DEFA5-8F07-4C2E-A698-9C3F49D402BB}"/>
+                <a16:creationId xmlns:a16="http://schemas.microsoft.com/office/drawing/2014/main" id="{BDAC53BE-2491-43F4-9D2F-E1A24BC4BDD4}"/>
               </a:ext>
             </a:extLst>
           </p:cNvPr>
@@ -6058,8 +6496,8 @@
         </p:nvSpPr>
         <p:spPr>
           <a:xfrm>
-            <a:off x="685800" y="271942"/>
-            <a:ext cx="10131425" cy="1456267"/>
+            <a:off x="825909" y="808055"/>
+            <a:ext cx="3979205" cy="1453363"/>
           </a:xfrm>
         </p:spPr>
         <p:txBody>
@@ -6070,597 +6508,17 @@
           <a:p>
             <a:r>
               <a:rPr lang="en-US" dirty="0"/>
-              <a:t>Performance Metric</a:t>
-            </a:r>
-          </a:p>
-        </p:txBody>
-      </p:sp>
-      <mc:AlternateContent xmlns:mc="http://schemas.openxmlformats.org/markup-compatibility/2006" xmlns:a14="http://schemas.microsoft.com/office/drawing/2010/main">
-        <mc:Choice Requires="a14">
-          <p:sp>
-            <p:nvSpPr>
-              <p:cNvPr id="3" name="Content Placeholder 2">
-                <a:extLst>
-                  <a:ext uri="{FF2B5EF4-FFF2-40B4-BE49-F238E27FC236}">
-                    <a16:creationId xmlns:a16="http://schemas.microsoft.com/office/drawing/2014/main" id="{BDD65857-C970-47C1-B66A-C653A0F153B5}"/>
-                  </a:ext>
-                </a:extLst>
-              </p:cNvPr>
-              <p:cNvSpPr>
-                <a:spLocks noGrp="1"/>
-              </p:cNvSpPr>
-              <p:nvPr>
-                <p:ph idx="1"/>
-              </p:nvPr>
-            </p:nvSpPr>
-            <p:spPr>
-              <a:xfrm>
-                <a:off x="685799" y="1502724"/>
-                <a:ext cx="10131425" cy="5083334"/>
-              </a:xfrm>
-            </p:spPr>
-            <p:txBody>
-              <a:bodyPr anchor="t">
-                <a:normAutofit/>
-              </a:bodyPr>
-              <a:lstStyle/>
-              <a:p>
-                <a:pPr marL="0" indent="0">
-                  <a:buNone/>
-                </a:pPr>
-                <a:r>
-                  <a:rPr lang="en-US" sz="2800" dirty="0"/>
-                  <a:t>In order to identify what parameters affect the success of a trial, we must first determine what will define a success versus a failure. </a:t>
-                </a:r>
-              </a:p>
-              <a:p>
-                <a:pPr marL="0" indent="0">
-                  <a:buNone/>
-                </a:pPr>
-                <a:endParaRPr lang="en-US" sz="2800" dirty="0"/>
-              </a:p>
-              <a:p>
-                <a:pPr marL="0" indent="0">
-                  <a:buNone/>
-                </a:pPr>
-                <a:endParaRPr lang="en-US" sz="2800" dirty="0"/>
-              </a:p>
-              <a:p>
-                <a:pPr marL="0" indent="0">
-                  <a:buNone/>
-                </a:pPr>
-                <a:endParaRPr lang="en-US" sz="2800" dirty="0"/>
-              </a:p>
-              <a:p>
-                <a:pPr marL="0" indent="0">
-                  <a:buNone/>
-                </a:pPr>
-                <a:endParaRPr lang="en-US" sz="2800" dirty="0"/>
-              </a:p>
-              <a:p>
-                <a:pPr marL="0" indent="0">
-                  <a:buNone/>
-                </a:pPr>
-                <a:endParaRPr lang="en-US" sz="2800" dirty="0"/>
-              </a:p>
-              <a:p>
-                <a:pPr marL="0" indent="0">
-                  <a:buNone/>
-                </a:pPr>
-                <a:endParaRPr lang="en-US" sz="2800" dirty="0"/>
-              </a:p>
-              <a:p>
-                <a:pPr marL="0" indent="0" algn="ctr">
-                  <a:buNone/>
-                </a:pPr>
-                <a:r>
-                  <a:rPr lang="en-US" sz="2800" dirty="0"/>
-                  <a:t>Performance metric: If the max angle exceeds 21</a:t>
-                </a:r>
-                <a14:m>
-                  <m:oMath xmlns:m="http://schemas.openxmlformats.org/officeDocument/2006/math">
-                    <m:r>
-                      <a:rPr lang="en-US" sz="2800" i="1">
-                        <a:latin typeface="Cambria Math" panose="02040503050406030204" pitchFamily="18" charset="0"/>
-                      </a:rPr>
-                      <m:t>°</m:t>
-                    </m:r>
-                  </m:oMath>
-                </a14:m>
-                <a:r>
-                  <a:rPr lang="en-US" sz="2800" dirty="0"/>
-                  <a:t>, it is chaotic.</a:t>
-                </a:r>
-              </a:p>
-              <a:p>
-                <a:pPr marL="0" indent="0" algn="ctr">
-                  <a:buNone/>
-                </a:pPr>
-                <a:endParaRPr lang="en-US" sz="2800" dirty="0"/>
-              </a:p>
-            </p:txBody>
-          </p:sp>
-        </mc:Choice>
-        <mc:Fallback xmlns="">
-          <p:sp>
-            <p:nvSpPr>
-              <p:cNvPr id="3" name="Content Placeholder 2">
-                <a:extLst>
-                  <a:ext uri="{FF2B5EF4-FFF2-40B4-BE49-F238E27FC236}">
-                    <a16:creationId xmlns:a16="http://schemas.microsoft.com/office/drawing/2014/main" id="{BDD65857-C970-47C1-B66A-C653A0F153B5}"/>
-                  </a:ext>
-                </a:extLst>
-              </p:cNvPr>
-              <p:cNvSpPr>
-                <a:spLocks noGrp="1" noRot="1" noChangeAspect="1" noMove="1" noResize="1" noEditPoints="1" noAdjustHandles="1" noChangeArrowheads="1" noChangeShapeType="1" noTextEdit="1"/>
-              </p:cNvSpPr>
-              <p:nvPr>
-                <p:ph idx="1"/>
-              </p:nvPr>
-            </p:nvSpPr>
-            <p:spPr>
-              <a:xfrm>
-                <a:off x="685799" y="1502724"/>
-                <a:ext cx="10131425" cy="5083334"/>
-              </a:xfrm>
-              <a:blipFill>
-                <a:blip r:embed="rId5"/>
-                <a:stretch>
-                  <a:fillRect l="-1203" t="-1200" r="-181"/>
-                </a:stretch>
-              </a:blipFill>
-            </p:spPr>
-            <p:txBody>
-              <a:bodyPr/>
-              <a:lstStyle/>
-              <a:p>
-                <a:r>
-                  <a:rPr lang="en-US">
-                    <a:noFill/>
-                  </a:rPr>
-                  <a:t> </a:t>
-                </a:r>
-              </a:p>
-            </p:txBody>
-          </p:sp>
-        </mc:Fallback>
-      </mc:AlternateContent>
-      <p:graphicFrame>
-        <p:nvGraphicFramePr>
-          <p:cNvPr id="8" name="Table 7">
+              <a:t>Optimization</a:t>
+            </a:r>
+          </a:p>
+        </p:txBody>
+      </p:sp>
+      <p:sp>
+        <p:nvSpPr>
+          <p:cNvPr id="3" name="Content Placeholder 2">
             <a:extLst>
               <a:ext uri="{FF2B5EF4-FFF2-40B4-BE49-F238E27FC236}">
-                <a16:creationId xmlns:a16="http://schemas.microsoft.com/office/drawing/2014/main" id="{99407DC8-7628-4151-8CBF-E38B6863876D}"/>
-              </a:ext>
-            </a:extLst>
-          </p:cNvPr>
-          <p:cNvGraphicFramePr>
-            <a:graphicFrameLocks noGrp="1"/>
-          </p:cNvGraphicFramePr>
-          <p:nvPr>
-            <p:extLst>
-              <p:ext uri="{D42A27DB-BD31-4B8C-83A1-F6EECF244321}">
-                <p14:modId xmlns:p14="http://schemas.microsoft.com/office/powerpoint/2010/main" val="1754743400"/>
-              </p:ext>
-            </p:extLst>
-          </p:nvPr>
-        </p:nvGraphicFramePr>
-        <p:xfrm>
-          <a:off x="1231373" y="4799016"/>
-          <a:ext cx="8762702" cy="1112520"/>
-        </p:xfrm>
-        <a:graphic>
-          <a:graphicData uri="http://schemas.openxmlformats.org/drawingml/2006/table">
-            <a:tbl>
-              <a:tblPr firstRow="1" bandRow="1">
-                <a:tableStyleId>{5C22544A-7EE6-4342-B048-85BDC9FD1C3A}</a:tableStyleId>
-              </a:tblPr>
-              <a:tblGrid>
-                <a:gridCol w="1251815">
-                  <a:extLst>
-                    <a:ext uri="{9D8B030D-6E8A-4147-A177-3AD203B41FA5}">
-                      <a16:colId xmlns:a16="http://schemas.microsoft.com/office/drawing/2014/main" val="838087492"/>
-                    </a:ext>
-                  </a:extLst>
-                </a:gridCol>
-                <a:gridCol w="1251815">
-                  <a:extLst>
-                    <a:ext uri="{9D8B030D-6E8A-4147-A177-3AD203B41FA5}">
-                      <a16:colId xmlns:a16="http://schemas.microsoft.com/office/drawing/2014/main" val="832033999"/>
-                    </a:ext>
-                  </a:extLst>
-                </a:gridCol>
-                <a:gridCol w="1487034">
-                  <a:extLst>
-                    <a:ext uri="{9D8B030D-6E8A-4147-A177-3AD203B41FA5}">
-                      <a16:colId xmlns:a16="http://schemas.microsoft.com/office/drawing/2014/main" val="816009345"/>
-                    </a:ext>
-                  </a:extLst>
-                </a:gridCol>
-                <a:gridCol w="1636015">
-                  <a:extLst>
-                    <a:ext uri="{9D8B030D-6E8A-4147-A177-3AD203B41FA5}">
-                      <a16:colId xmlns:a16="http://schemas.microsoft.com/office/drawing/2014/main" val="1705125421"/>
-                    </a:ext>
-                  </a:extLst>
-                </a:gridCol>
-                <a:gridCol w="964830">
-                  <a:extLst>
-                    <a:ext uri="{9D8B030D-6E8A-4147-A177-3AD203B41FA5}">
-                      <a16:colId xmlns:a16="http://schemas.microsoft.com/office/drawing/2014/main" val="286669270"/>
-                    </a:ext>
-                  </a:extLst>
-                </a:gridCol>
-                <a:gridCol w="1048727">
-                  <a:extLst>
-                    <a:ext uri="{9D8B030D-6E8A-4147-A177-3AD203B41FA5}">
-                      <a16:colId xmlns:a16="http://schemas.microsoft.com/office/drawing/2014/main" val="3850993165"/>
-                    </a:ext>
-                  </a:extLst>
-                </a:gridCol>
-                <a:gridCol w="1122466">
-                  <a:extLst>
-                    <a:ext uri="{9D8B030D-6E8A-4147-A177-3AD203B41FA5}">
-                      <a16:colId xmlns:a16="http://schemas.microsoft.com/office/drawing/2014/main" val="8683611"/>
-                    </a:ext>
-                  </a:extLst>
-                </a:gridCol>
-              </a:tblGrid>
-              <a:tr h="370840">
-                <a:tc>
-                  <a:txBody>
-                    <a:bodyPr/>
-                    <a:lstStyle/>
-                    <a:p>
-                      <a:pPr algn="ctr"/>
-                      <a:r>
-                        <a:rPr lang="en-US" dirty="0"/>
-                        <a:t>Motion</a:t>
-                      </a:r>
-                    </a:p>
-                  </a:txBody>
-                  <a:tcPr/>
-                </a:tc>
-                <a:tc>
-                  <a:txBody>
-                    <a:bodyPr/>
-                    <a:lstStyle/>
-                    <a:p>
-                      <a:pPr algn="ctr"/>
-                      <a:r>
-                        <a:rPr lang="en-US" dirty="0"/>
-                        <a:t>Gravity</a:t>
-                      </a:r>
-                    </a:p>
-                  </a:txBody>
-                  <a:tcPr/>
-                </a:tc>
-                <a:tc>
-                  <a:txBody>
-                    <a:bodyPr/>
-                    <a:lstStyle/>
-                    <a:p>
-                      <a:pPr algn="ctr"/>
-                      <a:r>
-                        <a:rPr lang="en-US" dirty="0"/>
-                        <a:t>Initial Angle</a:t>
-                      </a:r>
-                    </a:p>
-                  </a:txBody>
-                  <a:tcPr/>
-                </a:tc>
-                <a:tc>
-                  <a:txBody>
-                    <a:bodyPr/>
-                    <a:lstStyle/>
-                    <a:p>
-                      <a:pPr algn="ctr"/>
-                      <a:r>
-                        <a:rPr lang="en-US" dirty="0"/>
-                        <a:t>Initial Stretch</a:t>
-                      </a:r>
-                    </a:p>
-                  </a:txBody>
-                  <a:tcPr/>
-                </a:tc>
-                <a:tc>
-                  <a:txBody>
-                    <a:bodyPr/>
-                    <a:lstStyle/>
-                    <a:p>
-                      <a:pPr algn="ctr"/>
-                      <a:r>
-                        <a:rPr lang="en-US" dirty="0"/>
-                        <a:t>Length</a:t>
-                      </a:r>
-                    </a:p>
-                  </a:txBody>
-                  <a:tcPr/>
-                </a:tc>
-                <a:tc>
-                  <a:txBody>
-                    <a:bodyPr/>
-                    <a:lstStyle/>
-                    <a:p>
-                      <a:pPr algn="ctr"/>
-                      <a:r>
-                        <a:rPr lang="en-US" dirty="0"/>
-                        <a:t>Mass</a:t>
-                      </a:r>
-                    </a:p>
-                  </a:txBody>
-                  <a:tcPr/>
-                </a:tc>
-                <a:tc>
-                  <a:txBody>
-                    <a:bodyPr/>
-                    <a:lstStyle/>
-                    <a:p>
-                      <a:pPr algn="ctr"/>
-                      <a:r>
-                        <a:rPr lang="en-US" dirty="0"/>
-                        <a:t>Spring</a:t>
-                      </a:r>
-                    </a:p>
-                  </a:txBody>
-                  <a:tcPr/>
-                </a:tc>
-                <a:extLst>
-                  <a:ext uri="{0D108BD9-81ED-4DB2-BD59-A6C34878D82A}">
-                    <a16:rowId xmlns:a16="http://schemas.microsoft.com/office/drawing/2014/main" val="3600468414"/>
-                  </a:ext>
-                </a:extLst>
-              </a:tr>
-              <a:tr h="370840">
-                <a:tc>
-                  <a:txBody>
-                    <a:bodyPr/>
-                    <a:lstStyle/>
-                    <a:p>
-                      <a:pPr algn="ctr"/>
-                      <a:r>
-                        <a:rPr lang="en-US" dirty="0"/>
-                        <a:t>Regular</a:t>
-                      </a:r>
-                    </a:p>
-                  </a:txBody>
-                  <a:tcPr/>
-                </a:tc>
-                <a:tc>
-                  <a:txBody>
-                    <a:bodyPr/>
-                    <a:lstStyle/>
-                    <a:p>
-                      <a:pPr algn="ctr"/>
-                      <a:r>
-                        <a:rPr lang="en-US" dirty="0"/>
-                        <a:t>9.82</a:t>
-                      </a:r>
-                    </a:p>
-                  </a:txBody>
-                  <a:tcPr/>
-                </a:tc>
-                <a:tc>
-                  <a:txBody>
-                    <a:bodyPr/>
-                    <a:lstStyle/>
-                    <a:p>
-                      <a:pPr algn="ctr"/>
-                      <a:r>
-                        <a:rPr lang="en-US" dirty="0"/>
-                        <a:t>6.31</a:t>
-                      </a:r>
-                    </a:p>
-                  </a:txBody>
-                  <a:tcPr/>
-                </a:tc>
-                <a:tc>
-                  <a:txBody>
-                    <a:bodyPr/>
-                    <a:lstStyle/>
-                    <a:p>
-                      <a:pPr algn="ctr"/>
-                      <a:r>
-                        <a:rPr lang="en-US" dirty="0"/>
-                        <a:t>0.121</a:t>
-                      </a:r>
-                    </a:p>
-                  </a:txBody>
-                  <a:tcPr/>
-                </a:tc>
-                <a:tc>
-                  <a:txBody>
-                    <a:bodyPr/>
-                    <a:lstStyle/>
-                    <a:p>
-                      <a:pPr algn="ctr"/>
-                      <a:r>
-                        <a:rPr lang="en-US" dirty="0"/>
-                        <a:t>0.8044</a:t>
-                      </a:r>
-                    </a:p>
-                  </a:txBody>
-                  <a:tcPr/>
-                </a:tc>
-                <a:tc>
-                  <a:txBody>
-                    <a:bodyPr/>
-                    <a:lstStyle/>
-                    <a:p>
-                      <a:pPr algn="ctr"/>
-                      <a:r>
-                        <a:rPr lang="en-US" dirty="0"/>
-                        <a:t>1.207</a:t>
-                      </a:r>
-                    </a:p>
-                  </a:txBody>
-                  <a:tcPr/>
-                </a:tc>
-                <a:tc>
-                  <a:txBody>
-                    <a:bodyPr/>
-                    <a:lstStyle/>
-                    <a:p>
-                      <a:pPr algn="ctr"/>
-                      <a:r>
-                        <a:rPr lang="en-US" dirty="0"/>
-                        <a:t>30.131</a:t>
-                      </a:r>
-                    </a:p>
-                  </a:txBody>
-                  <a:tcPr/>
-                </a:tc>
-                <a:extLst>
-                  <a:ext uri="{0D108BD9-81ED-4DB2-BD59-A6C34878D82A}">
-                    <a16:rowId xmlns:a16="http://schemas.microsoft.com/office/drawing/2014/main" val="1376851642"/>
-                  </a:ext>
-                </a:extLst>
-              </a:tr>
-              <a:tr h="370840">
-                <a:tc>
-                  <a:txBody>
-                    <a:bodyPr/>
-                    <a:lstStyle/>
-                    <a:p>
-                      <a:pPr algn="ctr"/>
-                      <a:r>
-                        <a:rPr lang="en-US" dirty="0"/>
-                        <a:t>Chaotic</a:t>
-                      </a:r>
-                    </a:p>
-                  </a:txBody>
-                  <a:tcPr/>
-                </a:tc>
-                <a:tc>
-                  <a:txBody>
-                    <a:bodyPr/>
-                    <a:lstStyle/>
-                    <a:p>
-                      <a:pPr algn="ctr"/>
-                      <a:r>
-                        <a:rPr lang="en-US" dirty="0"/>
-                        <a:t>9.73</a:t>
-                      </a:r>
-                    </a:p>
-                  </a:txBody>
-                  <a:tcPr/>
-                </a:tc>
-                <a:tc>
-                  <a:txBody>
-                    <a:bodyPr/>
-                    <a:lstStyle/>
-                    <a:p>
-                      <a:pPr algn="ctr"/>
-                      <a:r>
-                        <a:rPr lang="en-US" dirty="0"/>
-                        <a:t>10.16</a:t>
-                      </a:r>
-                    </a:p>
-                  </a:txBody>
-                  <a:tcPr/>
-                </a:tc>
-                <a:tc>
-                  <a:txBody>
-                    <a:bodyPr/>
-                    <a:lstStyle/>
-                    <a:p>
-                      <a:pPr algn="ctr"/>
-                      <a:r>
-                        <a:rPr lang="en-US" dirty="0"/>
-                        <a:t>0.088</a:t>
-                      </a:r>
-                    </a:p>
-                  </a:txBody>
-                  <a:tcPr/>
-                </a:tc>
-                <a:tc>
-                  <a:txBody>
-                    <a:bodyPr/>
-                    <a:lstStyle/>
-                    <a:p>
-                      <a:pPr algn="ctr"/>
-                      <a:r>
-                        <a:rPr lang="en-US" dirty="0"/>
-                        <a:t>1.065</a:t>
-                      </a:r>
-                    </a:p>
-                  </a:txBody>
-                  <a:tcPr/>
-                </a:tc>
-                <a:tc>
-                  <a:txBody>
-                    <a:bodyPr/>
-                    <a:lstStyle/>
-                    <a:p>
-                      <a:pPr algn="ctr"/>
-                      <a:r>
-                        <a:rPr lang="en-US" dirty="0"/>
-                        <a:t>1.058</a:t>
-                      </a:r>
-                    </a:p>
-                  </a:txBody>
-                  <a:tcPr/>
-                </a:tc>
-                <a:tc>
-                  <a:txBody>
-                    <a:bodyPr/>
-                    <a:lstStyle/>
-                    <a:p>
-                      <a:pPr algn="ctr"/>
-                      <a:r>
-                        <a:rPr lang="en-US" dirty="0"/>
-                        <a:t>29.79</a:t>
-                      </a:r>
-                    </a:p>
-                  </a:txBody>
-                  <a:tcPr/>
-                </a:tc>
-                <a:extLst>
-                  <a:ext uri="{0D108BD9-81ED-4DB2-BD59-A6C34878D82A}">
-                    <a16:rowId xmlns:a16="http://schemas.microsoft.com/office/drawing/2014/main" val="744594700"/>
-                  </a:ext>
-                </a:extLst>
-              </a:tr>
-            </a:tbl>
-          </a:graphicData>
-        </a:graphic>
-      </p:graphicFrame>
-    </p:spTree>
-    <p:extLst>
-      <p:ext uri="{BB962C8B-B14F-4D97-AF65-F5344CB8AC3E}">
-        <p14:creationId xmlns:p14="http://schemas.microsoft.com/office/powerpoint/2010/main" val="904725269"/>
-      </p:ext>
-    </p:extLst>
-  </p:cSld>
-  <p:clrMapOvr>
-    <a:masterClrMapping/>
-  </p:clrMapOvr>
-</p:sld>
-</file>
-
-<file path=ppt/slides/slide11.xml><?xml version="1.0" encoding="utf-8"?>
-<p:sld xmlns:a="http://schemas.openxmlformats.org/drawingml/2006/main" xmlns:r="http://schemas.openxmlformats.org/officeDocument/2006/relationships" xmlns:p="http://schemas.openxmlformats.org/presentationml/2006/main">
-  <p:cSld>
-    <p:spTree>
-      <p:nvGrpSpPr>
-        <p:cNvPr id="1" name=""/>
-        <p:cNvGrpSpPr/>
-        <p:nvPr/>
-      </p:nvGrpSpPr>
-      <p:grpSpPr>
-        <a:xfrm>
-          <a:off x="0" y="0"/>
-          <a:ext cx="0" cy="0"/>
-          <a:chOff x="0" y="0"/>
-          <a:chExt cx="0" cy="0"/>
-        </a:xfrm>
-      </p:grpSpPr>
-      <p:sp>
-        <p:nvSpPr>
-          <p:cNvPr id="2" name="Title 1">
-            <a:extLst>
-              <a:ext uri="{FF2B5EF4-FFF2-40B4-BE49-F238E27FC236}">
-                <a16:creationId xmlns:a16="http://schemas.microsoft.com/office/drawing/2014/main" id="{274D1D42-6501-4EC3-B78B-C75DF9192AA9}"/>
+                <a16:creationId xmlns:a16="http://schemas.microsoft.com/office/drawing/2014/main" id="{1AAFE501-D212-416C-AEBD-FB115692A2B0}"/>
               </a:ext>
             </a:extLst>
           </p:cNvPr>
@@ -6668,206 +6526,66 @@
             <a:spLocks noGrp="1"/>
           </p:cNvSpPr>
           <p:nvPr>
-            <p:ph type="title"/>
-          </p:nvPr>
-        </p:nvSpPr>
-        <p:spPr/>
-        <p:txBody>
-          <a:bodyPr/>
-          <a:lstStyle/>
-          <a:p>
-            <a:r>
-              <a:rPr lang="en-US" dirty="0"/>
-              <a:t>Kernel density estimate</a:t>
-            </a:r>
-          </a:p>
-        </p:txBody>
-      </p:sp>
-      <p:sp>
-        <p:nvSpPr>
-          <p:cNvPr id="3" name="Content Placeholder 2">
-            <a:extLst>
-              <a:ext uri="{FF2B5EF4-FFF2-40B4-BE49-F238E27FC236}">
-                <a16:creationId xmlns:a16="http://schemas.microsoft.com/office/drawing/2014/main" id="{EFE1BFAF-3EA6-41CF-85E2-FDA02993B865}"/>
-              </a:ext>
-            </a:extLst>
-          </p:cNvPr>
-          <p:cNvSpPr>
-            <a:spLocks noGrp="1"/>
-          </p:cNvSpPr>
-          <p:nvPr>
             <p:ph idx="1"/>
           </p:nvPr>
         </p:nvSpPr>
         <p:spPr>
           <a:xfrm>
-            <a:off x="685801" y="1902916"/>
-            <a:ext cx="10131425" cy="3649133"/>
+            <a:off x="802178" y="2261420"/>
+            <a:ext cx="4002936" cy="3637935"/>
           </a:xfrm>
         </p:spPr>
         <p:txBody>
-          <a:bodyPr anchor="t">
+          <a:bodyPr>
             <a:normAutofit/>
           </a:bodyPr>
           <a:lstStyle/>
           <a:p>
-            <a:pPr marL="0" indent="0" algn="ctr">
-              <a:buNone/>
-            </a:pPr>
+            <a:r>
+              <a:rPr lang="en-US" sz="3200" dirty="0"/>
+              <a:t>Split the data</a:t>
+            </a:r>
+          </a:p>
+          <a:p>
+            <a:pPr lvl="1"/>
             <a:r>
               <a:rPr lang="en-US" sz="2800" dirty="0"/>
-              <a:t>What is a kernel density estimate?</a:t>
-            </a:r>
-          </a:p>
-        </p:txBody>
-      </p:sp>
-      <p:pic>
-        <p:nvPicPr>
-          <p:cNvPr id="5" name="Picture 4" descr="A close up of a logo&#10;&#10;Description generated with very high confidence">
-            <a:extLst>
-              <a:ext uri="{FF2B5EF4-FFF2-40B4-BE49-F238E27FC236}">
-                <a16:creationId xmlns:a16="http://schemas.microsoft.com/office/drawing/2014/main" id="{0BA16F72-E4FE-4F2F-B523-86CFE32E4060}"/>
-              </a:ext>
-            </a:extLst>
-          </p:cNvPr>
-          <p:cNvPicPr>
-            <a:picLocks noChangeAspect="1"/>
-          </p:cNvPicPr>
-          <p:nvPr/>
-        </p:nvPicPr>
-        <p:blipFill>
-          <a:blip r:embed="rId2"/>
-          <a:stretch>
-            <a:fillRect/>
-          </a:stretch>
-        </p:blipFill>
-        <p:spPr>
-          <a:xfrm>
-            <a:off x="596876" y="2836984"/>
-            <a:ext cx="5473700" cy="3649133"/>
-          </a:xfrm>
-          <a:prstGeom prst="rect">
-            <a:avLst/>
-          </a:prstGeom>
-        </p:spPr>
-      </p:pic>
-      <p:pic>
-        <p:nvPicPr>
-          <p:cNvPr id="7" name="Picture 6" descr="A close up of a map&#10;&#10;Description generated with high confidence">
-            <a:extLst>
-              <a:ext uri="{FF2B5EF4-FFF2-40B4-BE49-F238E27FC236}">
-                <a16:creationId xmlns:a16="http://schemas.microsoft.com/office/drawing/2014/main" id="{8F55BBD7-F704-4938-A869-64AC7E549476}"/>
-              </a:ext>
-            </a:extLst>
-          </p:cNvPr>
-          <p:cNvPicPr>
-            <a:picLocks noChangeAspect="1"/>
-          </p:cNvPicPr>
-          <p:nvPr/>
-        </p:nvPicPr>
-        <p:blipFill>
-          <a:blip r:embed="rId3"/>
-          <a:stretch>
-            <a:fillRect/>
-          </a:stretch>
-        </p:blipFill>
-        <p:spPr>
-          <a:xfrm>
-            <a:off x="6453199" y="2836984"/>
-            <a:ext cx="5141925" cy="3672803"/>
-          </a:xfrm>
-          <a:prstGeom prst="rect">
-            <a:avLst/>
-          </a:prstGeom>
-        </p:spPr>
-      </p:pic>
+              <a:t>75% training</a:t>
+            </a:r>
+          </a:p>
+          <a:p>
+            <a:pPr lvl="2"/>
+            <a:r>
+              <a:rPr lang="en-US" sz="2400" dirty="0"/>
+              <a:t>Fit the classifier</a:t>
+            </a:r>
+          </a:p>
+          <a:p>
+            <a:pPr lvl="1"/>
+            <a:r>
+              <a:rPr lang="en-US" sz="2800" dirty="0"/>
+              <a:t>25% testing</a:t>
+            </a:r>
+          </a:p>
+          <a:p>
+            <a:pPr lvl="2"/>
+            <a:r>
+              <a:rPr lang="en-US" sz="2400" dirty="0"/>
+              <a:t>Get predictions</a:t>
+            </a:r>
+          </a:p>
+          <a:p>
+            <a:r>
+              <a:rPr lang="en-US" sz="3200" dirty="0"/>
+              <a:t>Compare</a:t>
+            </a:r>
+          </a:p>
+        </p:txBody>
+      </p:sp>
     </p:spTree>
     <p:extLst>
       <p:ext uri="{BB962C8B-B14F-4D97-AF65-F5344CB8AC3E}">
-        <p14:creationId xmlns:p14="http://schemas.microsoft.com/office/powerpoint/2010/main" val="488040668"/>
-      </p:ext>
-    </p:extLst>
-  </p:cSld>
-  <p:clrMapOvr>
-    <a:masterClrMapping/>
-  </p:clrMapOvr>
-</p:sld>
-</file>
-
-<file path=ppt/slides/slide12.xml><?xml version="1.0" encoding="utf-8"?>
-<p:sld xmlns:a="http://schemas.openxmlformats.org/drawingml/2006/main" xmlns:r="http://schemas.openxmlformats.org/officeDocument/2006/relationships" xmlns:p="http://schemas.openxmlformats.org/presentationml/2006/main">
-  <p:cSld>
-    <p:spTree>
-      <p:nvGrpSpPr>
-        <p:cNvPr id="1" name=""/>
-        <p:cNvGrpSpPr/>
-        <p:nvPr/>
-      </p:nvGrpSpPr>
-      <p:grpSpPr>
-        <a:xfrm>
-          <a:off x="0" y="0"/>
-          <a:ext cx="0" cy="0"/>
-          <a:chOff x="0" y="0"/>
-          <a:chExt cx="0" cy="0"/>
-        </a:xfrm>
-      </p:grpSpPr>
-      <p:sp>
-        <p:nvSpPr>
-          <p:cNvPr id="2" name="Title 1">
-            <a:extLst>
-              <a:ext uri="{FF2B5EF4-FFF2-40B4-BE49-F238E27FC236}">
-                <a16:creationId xmlns:a16="http://schemas.microsoft.com/office/drawing/2014/main" id="{83A7C37E-3A45-4C23-AAC0-0C880C5D5475}"/>
-              </a:ext>
-            </a:extLst>
-          </p:cNvPr>
-          <p:cNvSpPr>
-            <a:spLocks noGrp="1"/>
-          </p:cNvSpPr>
-          <p:nvPr>
-            <p:ph type="title"/>
-          </p:nvPr>
-        </p:nvSpPr>
-        <p:spPr/>
-        <p:txBody>
-          <a:bodyPr/>
-          <a:lstStyle/>
-          <a:p>
-            <a:r>
-              <a:rPr lang="en-US" dirty="0"/>
-              <a:t>KDE</a:t>
-            </a:r>
-          </a:p>
-        </p:txBody>
-      </p:sp>
-      <p:sp>
-        <p:nvSpPr>
-          <p:cNvPr id="3" name="Content Placeholder 2">
-            <a:extLst>
-              <a:ext uri="{FF2B5EF4-FFF2-40B4-BE49-F238E27FC236}">
-                <a16:creationId xmlns:a16="http://schemas.microsoft.com/office/drawing/2014/main" id="{7DAD0780-5B0B-4BB8-90E7-16A4B137FF0C}"/>
-              </a:ext>
-            </a:extLst>
-          </p:cNvPr>
-          <p:cNvSpPr>
-            <a:spLocks noGrp="1"/>
-          </p:cNvSpPr>
-          <p:nvPr>
-            <p:ph idx="1"/>
-          </p:nvPr>
-        </p:nvSpPr>
-        <p:spPr/>
-        <p:txBody>
-          <a:bodyPr/>
-          <a:lstStyle/>
-          <a:p>
-            <a:endParaRPr lang="en-US"/>
-          </a:p>
-        </p:txBody>
-      </p:sp>
-    </p:spTree>
-    <p:extLst>
-      <p:ext uri="{BB962C8B-B14F-4D97-AF65-F5344CB8AC3E}">
-        <p14:creationId xmlns:p14="http://schemas.microsoft.com/office/powerpoint/2010/main" val="2853754580"/>
+        <p14:creationId xmlns:p14="http://schemas.microsoft.com/office/powerpoint/2010/main" val="1409234782"/>
       </p:ext>
     </p:extLst>
   </p:cSld>
@@ -6899,7 +6617,7 @@
           <p:cNvPr id="2" name="Title 1">
             <a:extLst>
               <a:ext uri="{FF2B5EF4-FFF2-40B4-BE49-F238E27FC236}">
-                <a16:creationId xmlns:a16="http://schemas.microsoft.com/office/drawing/2014/main" id="{0249A08A-E4E0-4A77-A5D9-8AB959E36217}"/>
+                <a16:creationId xmlns:a16="http://schemas.microsoft.com/office/drawing/2014/main" id="{1F0639FF-E7CD-4813-974F-73668F9796FF}"/>
               </a:ext>
             </a:extLst>
           </p:cNvPr>
@@ -6917,48 +6635,61 @@
           <a:p>
             <a:r>
               <a:rPr lang="en-US" dirty="0"/>
-              <a:t>K-Nearest neighbors</a:t>
-            </a:r>
-          </a:p>
-        </p:txBody>
-      </p:sp>
-      <p:sp>
-        <p:nvSpPr>
-          <p:cNvPr id="3" name="Content Placeholder 2">
+              <a:t>KNN</a:t>
+            </a:r>
+          </a:p>
+        </p:txBody>
+      </p:sp>
+      <p:pic>
+        <p:nvPicPr>
+          <p:cNvPr id="15" name="Content Placeholder 14" descr="A screenshot of a cell phone&#10;&#10;Description generated with very high confidence">
             <a:extLst>
               <a:ext uri="{FF2B5EF4-FFF2-40B4-BE49-F238E27FC236}">
-                <a16:creationId xmlns:a16="http://schemas.microsoft.com/office/drawing/2014/main" id="{8417F6A7-0482-49B3-81F1-68C098B0C38F}"/>
+                <a16:creationId xmlns:a16="http://schemas.microsoft.com/office/drawing/2014/main" id="{8C74A8C6-D422-404F-AA7F-751FB8E6CDE6}"/>
               </a:ext>
             </a:extLst>
           </p:cNvPr>
-          <p:cNvSpPr>
-            <a:spLocks noGrp="1"/>
-          </p:cNvSpPr>
+          <p:cNvPicPr>
+            <a:picLocks noGrp="1" noChangeAspect="1"/>
+          </p:cNvPicPr>
           <p:nvPr>
             <p:ph idx="1"/>
           </p:nvPr>
-        </p:nvSpPr>
-        <p:spPr/>
-        <p:txBody>
-          <a:bodyPr anchor="t">
-            <a:normAutofit/>
-          </a:bodyPr>
-          <a:lstStyle/>
-          <a:p>
-            <a:pPr marL="0" indent="0" algn="ctr">
-              <a:buNone/>
-            </a:pPr>
-            <a:r>
-              <a:rPr lang="en-US" sz="2800" dirty="0"/>
-              <a:t>What is the k-nearest neighbor method?</a:t>
-            </a:r>
-          </a:p>
-        </p:txBody>
-      </p:sp>
+        </p:nvPicPr>
+        <p:blipFill>
+          <a:blip r:embed="rId2"/>
+          <a:stretch>
+            <a:fillRect/>
+          </a:stretch>
+        </p:blipFill>
+        <p:spPr>
+          <a:xfrm>
+            <a:off x="1014942" y="1856936"/>
+            <a:ext cx="10162116" cy="4529796"/>
+          </a:xfrm>
+          <a:prstGeom prst="rect">
+            <a:avLst/>
+          </a:prstGeom>
+          <a:ln w="38100" cap="sq">
+            <a:solidFill>
+              <a:srgbClr val="000000"/>
+            </a:solidFill>
+            <a:prstDash val="solid"/>
+            <a:miter lim="800000"/>
+          </a:ln>
+          <a:effectLst>
+            <a:outerShdw blurRad="50800" dist="38100" dir="2700000" algn="tl" rotWithShape="0">
+              <a:srgbClr val="000000">
+                <a:alpha val="43000"/>
+              </a:srgbClr>
+            </a:outerShdw>
+          </a:effectLst>
+        </p:spPr>
+      </p:pic>
     </p:spTree>
     <p:extLst>
       <p:ext uri="{BB962C8B-B14F-4D97-AF65-F5344CB8AC3E}">
-        <p14:creationId xmlns:p14="http://schemas.microsoft.com/office/powerpoint/2010/main" val="385276301"/>
+        <p14:creationId xmlns:p14="http://schemas.microsoft.com/office/powerpoint/2010/main" val="446130481"/>
       </p:ext>
     </p:extLst>
   </p:cSld>
@@ -6990,7 +6721,7 @@
           <p:cNvPr id="2" name="Title 1">
             <a:extLst>
               <a:ext uri="{FF2B5EF4-FFF2-40B4-BE49-F238E27FC236}">
-                <a16:creationId xmlns:a16="http://schemas.microsoft.com/office/drawing/2014/main" id="{D9B2A8C7-2E8F-4F93-A945-26DAACFA76F3}"/>
+                <a16:creationId xmlns:a16="http://schemas.microsoft.com/office/drawing/2014/main" id="{56633744-295D-456B-A494-4195FFA3AD18}"/>
               </a:ext>
             </a:extLst>
           </p:cNvPr>
@@ -7013,35 +6744,55 @@
           </a:p>
         </p:txBody>
       </p:sp>
-      <p:sp>
-        <p:nvSpPr>
-          <p:cNvPr id="3" name="Content Placeholder 2">
+      <p:pic>
+        <p:nvPicPr>
+          <p:cNvPr id="5" name="Content Placeholder 4">
             <a:extLst>
               <a:ext uri="{FF2B5EF4-FFF2-40B4-BE49-F238E27FC236}">
-                <a16:creationId xmlns:a16="http://schemas.microsoft.com/office/drawing/2014/main" id="{278C924F-0036-48CC-8FBA-D8D00BEB529D}"/>
+                <a16:creationId xmlns:a16="http://schemas.microsoft.com/office/drawing/2014/main" id="{4A8C29F3-73E3-4A2F-9C9A-9EA33137387F}"/>
               </a:ext>
             </a:extLst>
           </p:cNvPr>
-          <p:cNvSpPr>
-            <a:spLocks noGrp="1"/>
-          </p:cNvSpPr>
+          <p:cNvPicPr>
+            <a:picLocks noGrp="1" noChangeAspect="1"/>
+          </p:cNvPicPr>
           <p:nvPr>
             <p:ph idx="1"/>
           </p:nvPr>
-        </p:nvSpPr>
-        <p:spPr/>
-        <p:txBody>
-          <a:bodyPr/>
-          <a:lstStyle/>
-          <a:p>
-            <a:endParaRPr lang="en-US"/>
-          </a:p>
-        </p:txBody>
-      </p:sp>
+        </p:nvPicPr>
+        <p:blipFill rotWithShape="1">
+          <a:blip r:embed="rId2"/>
+          <a:srcRect t="5192" r="16020" b="14903"/>
+          <a:stretch/>
+        </p:blipFill>
+        <p:spPr>
+          <a:xfrm>
+            <a:off x="3289495" y="956602"/>
+            <a:ext cx="5882639" cy="5597178"/>
+          </a:xfrm>
+          <a:prstGeom prst="rect">
+            <a:avLst/>
+          </a:prstGeom>
+          <a:ln w="38100" cap="sq">
+            <a:solidFill>
+              <a:srgbClr val="000000"/>
+            </a:solidFill>
+            <a:prstDash val="solid"/>
+            <a:miter lim="800000"/>
+          </a:ln>
+          <a:effectLst>
+            <a:outerShdw blurRad="50800" dist="38100" dir="2700000" algn="tl" rotWithShape="0">
+              <a:srgbClr val="000000">
+                <a:alpha val="43000"/>
+              </a:srgbClr>
+            </a:outerShdw>
+          </a:effectLst>
+        </p:spPr>
+      </p:pic>
     </p:spTree>
     <p:extLst>
       <p:ext uri="{BB962C8B-B14F-4D97-AF65-F5344CB8AC3E}">
-        <p14:creationId xmlns:p14="http://schemas.microsoft.com/office/powerpoint/2010/main" val="2131538970"/>
+        <p14:creationId xmlns:p14="http://schemas.microsoft.com/office/powerpoint/2010/main" val="3998581364"/>
       </p:ext>
     </p:extLst>
   </p:cSld>
@@ -7052,128 +6803,6 @@
 </file>
 
 <file path=ppt/slides/slide15.xml><?xml version="1.0" encoding="utf-8"?>
-<p:sld xmlns:a="http://schemas.openxmlformats.org/drawingml/2006/main" xmlns:r="http://schemas.openxmlformats.org/officeDocument/2006/relationships" xmlns:p="http://schemas.openxmlformats.org/presentationml/2006/main">
-  <p:cSld>
-    <p:spTree>
-      <p:nvGrpSpPr>
-        <p:cNvPr id="1" name=""/>
-        <p:cNvGrpSpPr/>
-        <p:nvPr/>
-      </p:nvGrpSpPr>
-      <p:grpSpPr>
-        <a:xfrm>
-          <a:off x="0" y="0"/>
-          <a:ext cx="0" cy="0"/>
-          <a:chOff x="0" y="0"/>
-          <a:chExt cx="0" cy="0"/>
-        </a:xfrm>
-      </p:grpSpPr>
-      <p:sp>
-        <p:nvSpPr>
-          <p:cNvPr id="2" name="Title 1">
-            <a:extLst>
-              <a:ext uri="{FF2B5EF4-FFF2-40B4-BE49-F238E27FC236}">
-                <a16:creationId xmlns:a16="http://schemas.microsoft.com/office/drawing/2014/main" id="{BDAC53BE-2491-43F4-9D2F-E1A24BC4BDD4}"/>
-              </a:ext>
-            </a:extLst>
-          </p:cNvPr>
-          <p:cNvSpPr>
-            <a:spLocks noGrp="1"/>
-          </p:cNvSpPr>
-          <p:nvPr>
-            <p:ph type="title"/>
-          </p:nvPr>
-        </p:nvSpPr>
-        <p:spPr/>
-        <p:txBody>
-          <a:bodyPr/>
-          <a:lstStyle/>
-          <a:p>
-            <a:r>
-              <a:rPr lang="en-US" dirty="0"/>
-              <a:t>Optimization</a:t>
-            </a:r>
-          </a:p>
-        </p:txBody>
-      </p:sp>
-      <p:sp>
-        <p:nvSpPr>
-          <p:cNvPr id="3" name="Content Placeholder 2">
-            <a:extLst>
-              <a:ext uri="{FF2B5EF4-FFF2-40B4-BE49-F238E27FC236}">
-                <a16:creationId xmlns:a16="http://schemas.microsoft.com/office/drawing/2014/main" id="{1AAFE501-D212-416C-AEBD-FB115692A2B0}"/>
-              </a:ext>
-            </a:extLst>
-          </p:cNvPr>
-          <p:cNvSpPr>
-            <a:spLocks noGrp="1"/>
-          </p:cNvSpPr>
-          <p:nvPr>
-            <p:ph idx="1"/>
-          </p:nvPr>
-        </p:nvSpPr>
-        <p:spPr/>
-        <p:txBody>
-          <a:bodyPr>
-            <a:normAutofit/>
-          </a:bodyPr>
-          <a:lstStyle/>
-          <a:p>
-            <a:r>
-              <a:rPr lang="en-US" sz="2800" dirty="0"/>
-              <a:t>Split the data</a:t>
-            </a:r>
-          </a:p>
-          <a:p>
-            <a:pPr lvl="1"/>
-            <a:r>
-              <a:rPr lang="en-US" sz="2600" dirty="0"/>
-              <a:t>75% training</a:t>
-            </a:r>
-          </a:p>
-          <a:p>
-            <a:pPr lvl="2"/>
-            <a:r>
-              <a:rPr lang="en-US" sz="2400" dirty="0"/>
-              <a:t>Fit the classifier</a:t>
-            </a:r>
-          </a:p>
-          <a:p>
-            <a:pPr lvl="1"/>
-            <a:r>
-              <a:rPr lang="en-US" sz="2600" dirty="0"/>
-              <a:t>25% testing</a:t>
-            </a:r>
-          </a:p>
-          <a:p>
-            <a:pPr lvl="2"/>
-            <a:r>
-              <a:rPr lang="en-US" sz="2400" dirty="0"/>
-              <a:t>Get predictions</a:t>
-            </a:r>
-          </a:p>
-          <a:p>
-            <a:r>
-              <a:rPr lang="en-US" sz="2800" dirty="0"/>
-              <a:t>Compare</a:t>
-            </a:r>
-          </a:p>
-        </p:txBody>
-      </p:sp>
-    </p:spTree>
-    <p:extLst>
-      <p:ext uri="{BB962C8B-B14F-4D97-AF65-F5344CB8AC3E}">
-        <p14:creationId xmlns:p14="http://schemas.microsoft.com/office/powerpoint/2010/main" val="1409234782"/>
-      </p:ext>
-    </p:extLst>
-  </p:cSld>
-  <p:clrMapOvr>
-    <a:masterClrMapping/>
-  </p:clrMapOvr>
-</p:sld>
-</file>
-
-<file path=ppt/slides/slide16.xml><?xml version="1.0" encoding="utf-8"?>
 <p:sld xmlns:a="http://schemas.openxmlformats.org/drawingml/2006/main" xmlns:r="http://schemas.openxmlformats.org/officeDocument/2006/relationships" xmlns:p="http://schemas.openxmlformats.org/presentationml/2006/main">
   <p:cSld>
     <p:spTree>
@@ -7975,6 +7604,345 @@
 </p:sld>
 </file>
 
+<file path=ppt/slides/slide16.xml><?xml version="1.0" encoding="utf-8"?>
+<p:sld xmlns:a="http://schemas.openxmlformats.org/drawingml/2006/main" xmlns:r="http://schemas.openxmlformats.org/officeDocument/2006/relationships" xmlns:p="http://schemas.openxmlformats.org/presentationml/2006/main">
+  <p:cSld>
+    <p:spTree>
+      <p:nvGrpSpPr>
+        <p:cNvPr id="1" name=""/>
+        <p:cNvGrpSpPr/>
+        <p:nvPr/>
+      </p:nvGrpSpPr>
+      <p:grpSpPr>
+        <a:xfrm>
+          <a:off x="0" y="0"/>
+          <a:ext cx="0" cy="0"/>
+          <a:chOff x="0" y="0"/>
+          <a:chExt cx="0" cy="0"/>
+        </a:xfrm>
+      </p:grpSpPr>
+      <p:sp>
+        <p:nvSpPr>
+          <p:cNvPr id="2" name="Title 1">
+            <a:extLst>
+              <a:ext uri="{FF2B5EF4-FFF2-40B4-BE49-F238E27FC236}">
+                <a16:creationId xmlns:a16="http://schemas.microsoft.com/office/drawing/2014/main" id="{35F48B41-6578-4441-ACAD-8B6EA156C907}"/>
+              </a:ext>
+            </a:extLst>
+          </p:cNvPr>
+          <p:cNvSpPr>
+            <a:spLocks noGrp="1"/>
+          </p:cNvSpPr>
+          <p:nvPr>
+            <p:ph type="title"/>
+          </p:nvPr>
+        </p:nvSpPr>
+        <p:spPr/>
+        <p:txBody>
+          <a:bodyPr/>
+          <a:lstStyle/>
+          <a:p>
+            <a:r>
+              <a:rPr lang="en-US" dirty="0"/>
+              <a:t>Conclusion</a:t>
+            </a:r>
+          </a:p>
+        </p:txBody>
+      </p:sp>
+      <p:sp>
+        <p:nvSpPr>
+          <p:cNvPr id="3" name="Content Placeholder 2">
+            <a:extLst>
+              <a:ext uri="{FF2B5EF4-FFF2-40B4-BE49-F238E27FC236}">
+                <a16:creationId xmlns:a16="http://schemas.microsoft.com/office/drawing/2014/main" id="{7BA0C9DC-03A2-4E0A-A0B7-369DD69194AB}"/>
+              </a:ext>
+            </a:extLst>
+          </p:cNvPr>
+          <p:cNvSpPr>
+            <a:spLocks noGrp="1"/>
+          </p:cNvSpPr>
+          <p:nvPr>
+            <p:ph idx="1"/>
+          </p:nvPr>
+        </p:nvSpPr>
+        <p:spPr/>
+        <p:txBody>
+          <a:bodyPr>
+            <a:normAutofit fontScale="92500" lnSpcReduction="20000"/>
+          </a:bodyPr>
+          <a:lstStyle/>
+          <a:p>
+            <a:r>
+              <a:rPr lang="en-US" sz="2400" dirty="0"/>
+              <a:t>Able to characterize the motion of a spring pendulum using</a:t>
+            </a:r>
+          </a:p>
+          <a:p>
+            <a:pPr lvl="1"/>
+            <a:r>
+              <a:rPr lang="en-US" sz="2000" dirty="0"/>
+              <a:t>Data Science</a:t>
+            </a:r>
+          </a:p>
+          <a:p>
+            <a:pPr lvl="1"/>
+            <a:r>
+              <a:rPr lang="en-US" sz="2000" dirty="0"/>
+              <a:t>Machine Learning</a:t>
+            </a:r>
+          </a:p>
+          <a:p>
+            <a:pPr lvl="1"/>
+            <a:r>
+              <a:rPr lang="en-US" sz="2000" dirty="0"/>
+              <a:t>Monte Carlo Method</a:t>
+            </a:r>
+          </a:p>
+          <a:p>
+            <a:r>
+              <a:rPr lang="en-US" sz="2400" dirty="0"/>
+              <a:t>Spring pendulum behavior cannot be predicted effectively using a single parameter</a:t>
+            </a:r>
+          </a:p>
+          <a:p>
+            <a:r>
+              <a:rPr lang="en-US" sz="2400" dirty="0"/>
+              <a:t>Conclusions about spring pendulum behavior could be drawn from the KNN, but not the KDE</a:t>
+            </a:r>
+          </a:p>
+          <a:p>
+            <a:r>
+              <a:rPr lang="en-US" sz="2400" dirty="0"/>
+              <a:t>Uniform vs Distance weight methods have no discernible difference</a:t>
+            </a:r>
+          </a:p>
+          <a:p>
+            <a:r>
+              <a:rPr lang="en-US" sz="2400" dirty="0"/>
+              <a:t>Mass and Length together are the best predictors of spring pendulum behavior</a:t>
+            </a:r>
+          </a:p>
+          <a:p>
+            <a:pPr lvl="1"/>
+            <a:endParaRPr lang="en-US" sz="2000" dirty="0"/>
+          </a:p>
+        </p:txBody>
+      </p:sp>
+    </p:spTree>
+    <p:extLst>
+      <p:ext uri="{BB962C8B-B14F-4D97-AF65-F5344CB8AC3E}">
+        <p14:creationId xmlns:p14="http://schemas.microsoft.com/office/powerpoint/2010/main" val="3576590194"/>
+      </p:ext>
+    </p:extLst>
+  </p:cSld>
+  <p:clrMapOvr>
+    <a:masterClrMapping/>
+  </p:clrMapOvr>
+</p:sld>
+</file>
+
+<file path=ppt/slides/slide17.xml><?xml version="1.0" encoding="utf-8"?>
+<p:sld xmlns:a="http://schemas.openxmlformats.org/drawingml/2006/main" xmlns:r="http://schemas.openxmlformats.org/officeDocument/2006/relationships" xmlns:p="http://schemas.openxmlformats.org/presentationml/2006/main">
+  <p:cSld>
+    <p:spTree>
+      <p:nvGrpSpPr>
+        <p:cNvPr id="1" name=""/>
+        <p:cNvGrpSpPr/>
+        <p:nvPr/>
+      </p:nvGrpSpPr>
+      <p:grpSpPr>
+        <a:xfrm>
+          <a:off x="0" y="0"/>
+          <a:ext cx="0" cy="0"/>
+          <a:chOff x="0" y="0"/>
+          <a:chExt cx="0" cy="0"/>
+        </a:xfrm>
+      </p:grpSpPr>
+      <p:sp>
+        <p:nvSpPr>
+          <p:cNvPr id="2" name="Title 1">
+            <a:extLst>
+              <a:ext uri="{FF2B5EF4-FFF2-40B4-BE49-F238E27FC236}">
+                <a16:creationId xmlns:a16="http://schemas.microsoft.com/office/drawing/2014/main" id="{BD772401-9176-455A-9D41-EF73C30CC773}"/>
+              </a:ext>
+            </a:extLst>
+          </p:cNvPr>
+          <p:cNvSpPr>
+            <a:spLocks noGrp="1"/>
+          </p:cNvSpPr>
+          <p:nvPr>
+            <p:ph type="title"/>
+          </p:nvPr>
+        </p:nvSpPr>
+        <p:spPr/>
+        <p:txBody>
+          <a:bodyPr/>
+          <a:lstStyle/>
+          <a:p>
+            <a:r>
+              <a:rPr lang="en-US" dirty="0"/>
+              <a:t>Further investigation</a:t>
+            </a:r>
+          </a:p>
+        </p:txBody>
+      </p:sp>
+      <p:sp>
+        <p:nvSpPr>
+          <p:cNvPr id="3" name="Content Placeholder 2">
+            <a:extLst>
+              <a:ext uri="{FF2B5EF4-FFF2-40B4-BE49-F238E27FC236}">
+                <a16:creationId xmlns:a16="http://schemas.microsoft.com/office/drawing/2014/main" id="{D668238F-A2C3-4FEE-BD69-8D8BEA2D1E0C}"/>
+              </a:ext>
+            </a:extLst>
+          </p:cNvPr>
+          <p:cNvSpPr>
+            <a:spLocks noGrp="1"/>
+          </p:cNvSpPr>
+          <p:nvPr>
+            <p:ph idx="1"/>
+          </p:nvPr>
+        </p:nvSpPr>
+        <p:spPr/>
+        <p:txBody>
+          <a:bodyPr>
+            <a:normAutofit/>
+          </a:bodyPr>
+          <a:lstStyle/>
+          <a:p>
+            <a:r>
+              <a:rPr lang="en-US" sz="2800" dirty="0"/>
+              <a:t>Step sizes, computation time, and error</a:t>
+            </a:r>
+          </a:p>
+          <a:p>
+            <a:r>
+              <a:rPr lang="en-US" sz="2800" dirty="0"/>
+              <a:t>Parallel processing</a:t>
+            </a:r>
+          </a:p>
+        </p:txBody>
+      </p:sp>
+    </p:spTree>
+    <p:extLst>
+      <p:ext uri="{BB962C8B-B14F-4D97-AF65-F5344CB8AC3E}">
+        <p14:creationId xmlns:p14="http://schemas.microsoft.com/office/powerpoint/2010/main" val="4200847154"/>
+      </p:ext>
+    </p:extLst>
+  </p:cSld>
+  <p:clrMapOvr>
+    <a:masterClrMapping/>
+  </p:clrMapOvr>
+</p:sld>
+</file>
+
+<file path=ppt/slides/slide18.xml><?xml version="1.0" encoding="utf-8"?>
+<p:sld xmlns:a="http://schemas.openxmlformats.org/drawingml/2006/main" xmlns:r="http://schemas.openxmlformats.org/officeDocument/2006/relationships" xmlns:p="http://schemas.openxmlformats.org/presentationml/2006/main">
+  <p:cSld>
+    <p:spTree>
+      <p:nvGrpSpPr>
+        <p:cNvPr id="1" name=""/>
+        <p:cNvGrpSpPr/>
+        <p:nvPr/>
+      </p:nvGrpSpPr>
+      <p:grpSpPr>
+        <a:xfrm>
+          <a:off x="0" y="0"/>
+          <a:ext cx="0" cy="0"/>
+          <a:chOff x="0" y="0"/>
+          <a:chExt cx="0" cy="0"/>
+        </a:xfrm>
+      </p:grpSpPr>
+      <p:sp>
+        <p:nvSpPr>
+          <p:cNvPr id="2" name="Title 1">
+            <a:extLst>
+              <a:ext uri="{FF2B5EF4-FFF2-40B4-BE49-F238E27FC236}">
+                <a16:creationId xmlns:a16="http://schemas.microsoft.com/office/drawing/2014/main" id="{F5E9B327-6A46-442C-93BC-F827319CC759}"/>
+              </a:ext>
+            </a:extLst>
+          </p:cNvPr>
+          <p:cNvSpPr>
+            <a:spLocks noGrp="1"/>
+          </p:cNvSpPr>
+          <p:nvPr>
+            <p:ph type="title"/>
+          </p:nvPr>
+        </p:nvSpPr>
+        <p:spPr/>
+        <p:txBody>
+          <a:bodyPr/>
+          <a:lstStyle/>
+          <a:p>
+            <a:r>
+              <a:rPr lang="en-US" dirty="0"/>
+              <a:t>contact</a:t>
+            </a:r>
+          </a:p>
+        </p:txBody>
+      </p:sp>
+      <p:sp>
+        <p:nvSpPr>
+          <p:cNvPr id="3" name="Content Placeholder 2">
+            <a:extLst>
+              <a:ext uri="{FF2B5EF4-FFF2-40B4-BE49-F238E27FC236}">
+                <a16:creationId xmlns:a16="http://schemas.microsoft.com/office/drawing/2014/main" id="{530D4F4F-4F36-445F-ABF6-AD5F9A0A23B1}"/>
+              </a:ext>
+            </a:extLst>
+          </p:cNvPr>
+          <p:cNvSpPr>
+            <a:spLocks noGrp="1"/>
+          </p:cNvSpPr>
+          <p:nvPr>
+            <p:ph idx="1"/>
+          </p:nvPr>
+        </p:nvSpPr>
+        <p:spPr/>
+        <p:txBody>
+          <a:bodyPr>
+            <a:normAutofit/>
+          </a:bodyPr>
+          <a:lstStyle/>
+          <a:p>
+            <a:r>
+              <a:rPr lang="en-US" sz="3200" dirty="0"/>
+              <a:t>Dawn Sargent </a:t>
+            </a:r>
+          </a:p>
+          <a:p>
+            <a:pPr lvl="1"/>
+            <a:r>
+              <a:rPr lang="en-US" sz="2800" dirty="0"/>
+              <a:t>dsargent@students.fairmontstate.edu</a:t>
+            </a:r>
+          </a:p>
+          <a:p>
+            <a:r>
+              <a:rPr lang="en-US" sz="3200" dirty="0"/>
+              <a:t>Mattison Johnson</a:t>
+            </a:r>
+          </a:p>
+          <a:p>
+            <a:pPr lvl="1"/>
+            <a:r>
+              <a:rPr lang="en-US" sz="2800" dirty="0"/>
+              <a:t>mjohnson57@students.fairmontstate.edu</a:t>
+            </a:r>
+          </a:p>
+        </p:txBody>
+      </p:sp>
+    </p:spTree>
+    <p:extLst>
+      <p:ext uri="{BB962C8B-B14F-4D97-AF65-F5344CB8AC3E}">
+        <p14:creationId xmlns:p14="http://schemas.microsoft.com/office/powerpoint/2010/main" val="2801336847"/>
+      </p:ext>
+    </p:extLst>
+  </p:cSld>
+  <p:clrMapOvr>
+    <a:masterClrMapping/>
+  </p:clrMapOvr>
+</p:sld>
+</file>
+
 <file path=ppt/slides/slide2.xml><?xml version="1.0" encoding="utf-8"?>
 <p:sld xmlns:a="http://schemas.openxmlformats.org/drawingml/2006/main" xmlns:r="http://schemas.openxmlformats.org/officeDocument/2006/relationships" xmlns:p="http://schemas.openxmlformats.org/presentationml/2006/main">
   <p:cSld>
@@ -8025,7 +7993,7 @@
         </p:blipFill>
         <p:spPr>
           <a:xfrm>
-            <a:off x="8486505" y="2022901"/>
+            <a:off x="8080675" y="2022901"/>
             <a:ext cx="2462402" cy="1830386"/>
           </a:xfrm>
           <a:prstGeom prst="roundRect">
@@ -8083,7 +8051,7 @@
         </p:blipFill>
         <p:spPr>
           <a:xfrm>
-            <a:off x="5145250" y="2133861"/>
+            <a:off x="4948557" y="2133861"/>
             <a:ext cx="2652127" cy="1608466"/>
           </a:xfrm>
           <a:prstGeom prst="roundRect">
@@ -8141,7 +8109,7 @@
         </p:blipFill>
         <p:spPr>
           <a:xfrm>
-            <a:off x="5215763" y="4043843"/>
+            <a:off x="4788674" y="4173980"/>
             <a:ext cx="5477363" cy="2519586"/>
           </a:xfrm>
           <a:prstGeom prst="roundRect">
@@ -8236,7 +8204,7 @@
         </p:blipFill>
         <p:spPr>
           <a:xfrm>
-            <a:off x="2164202" y="4108911"/>
+            <a:off x="1925963" y="4173980"/>
             <a:ext cx="2389449" cy="2389449"/>
           </a:xfrm>
           <a:prstGeom prst="roundRect">
@@ -8293,7 +8261,7 @@
         </p:blipFill>
         <p:spPr>
           <a:xfrm>
-            <a:off x="1929177" y="2133860"/>
+            <a:off x="1648923" y="2133861"/>
             <a:ext cx="2859497" cy="1608467"/>
           </a:xfrm>
           <a:prstGeom prst="roundRect">
@@ -8341,89 +8309,6 @@
 </file>
 
 <file path=ppt/slides/slide3.xml><?xml version="1.0" encoding="utf-8"?>
-<p:sld xmlns:a="http://schemas.openxmlformats.org/drawingml/2006/main" xmlns:r="http://schemas.openxmlformats.org/officeDocument/2006/relationships" xmlns:p="http://schemas.openxmlformats.org/presentationml/2006/main">
-  <p:cSld>
-    <p:spTree>
-      <p:nvGrpSpPr>
-        <p:cNvPr id="1" name=""/>
-        <p:cNvGrpSpPr/>
-        <p:nvPr/>
-      </p:nvGrpSpPr>
-      <p:grpSpPr>
-        <a:xfrm>
-          <a:off x="0" y="0"/>
-          <a:ext cx="0" cy="0"/>
-          <a:chOff x="0" y="0"/>
-          <a:chExt cx="0" cy="0"/>
-        </a:xfrm>
-      </p:grpSpPr>
-      <p:sp>
-        <p:nvSpPr>
-          <p:cNvPr id="2" name="Title 1">
-            <a:extLst>
-              <a:ext uri="{FF2B5EF4-FFF2-40B4-BE49-F238E27FC236}">
-                <a16:creationId xmlns:a16="http://schemas.microsoft.com/office/drawing/2014/main" id="{69C839EF-1CA7-496D-B766-8C81299B3D6F}"/>
-              </a:ext>
-            </a:extLst>
-          </p:cNvPr>
-          <p:cNvSpPr>
-            <a:spLocks noGrp="1"/>
-          </p:cNvSpPr>
-          <p:nvPr>
-            <p:ph type="title"/>
-          </p:nvPr>
-        </p:nvSpPr>
-        <p:spPr/>
-        <p:txBody>
-          <a:bodyPr/>
-          <a:lstStyle/>
-          <a:p>
-            <a:r>
-              <a:rPr lang="en-US" dirty="0"/>
-              <a:t>Spring pendulum</a:t>
-            </a:r>
-          </a:p>
-        </p:txBody>
-      </p:sp>
-      <p:sp>
-        <p:nvSpPr>
-          <p:cNvPr id="5" name="Content Placeholder 4">
-            <a:extLst>
-              <a:ext uri="{FF2B5EF4-FFF2-40B4-BE49-F238E27FC236}">
-                <a16:creationId xmlns:a16="http://schemas.microsoft.com/office/drawing/2014/main" id="{E057AFA7-A5A3-4194-8DC2-355B5979B9F0}"/>
-              </a:ext>
-            </a:extLst>
-          </p:cNvPr>
-          <p:cNvSpPr>
-            <a:spLocks noGrp="1"/>
-          </p:cNvSpPr>
-          <p:nvPr>
-            <p:ph idx="1"/>
-          </p:nvPr>
-        </p:nvSpPr>
-        <p:spPr/>
-        <p:txBody>
-          <a:bodyPr/>
-          <a:lstStyle/>
-          <a:p>
-            <a:endParaRPr lang="en-US"/>
-          </a:p>
-        </p:txBody>
-      </p:sp>
-    </p:spTree>
-    <p:extLst>
-      <p:ext uri="{BB962C8B-B14F-4D97-AF65-F5344CB8AC3E}">
-        <p14:creationId xmlns:p14="http://schemas.microsoft.com/office/powerpoint/2010/main" val="1574453260"/>
-      </p:ext>
-    </p:extLst>
-  </p:cSld>
-  <p:clrMapOvr>
-    <a:masterClrMapping/>
-  </p:clrMapOvr>
-</p:sld>
-</file>
-
-<file path=ppt/slides/slide4.xml><?xml version="1.0" encoding="utf-8"?>
 <p:sld xmlns:a="http://schemas.openxmlformats.org/drawingml/2006/main" xmlns:r="http://schemas.openxmlformats.org/officeDocument/2006/relationships" xmlns:p="http://schemas.openxmlformats.org/presentationml/2006/main">
   <p:cSld>
     <p:bg>
@@ -8752,38 +8637,38 @@
           <a:lstStyle/>
           <a:p>
             <a:r>
-              <a:rPr lang="en-US" dirty="0"/>
+              <a:rPr lang="en-US" sz="2400" dirty="0"/>
               <a:t>Useful for numerically modeling physics-related problems</a:t>
             </a:r>
           </a:p>
           <a:p>
             <a:r>
-              <a:rPr lang="en-US" dirty="0"/>
+              <a:rPr lang="en-US" sz="2400" dirty="0"/>
               <a:t>Especially valuable in a high dimensional parameter space</a:t>
             </a:r>
           </a:p>
           <a:p>
             <a:r>
-              <a:rPr lang="en-US" dirty="0"/>
+              <a:rPr lang="en-US" sz="2400" dirty="0"/>
               <a:t>Identifies meaningful ranges for each parameter</a:t>
             </a:r>
           </a:p>
           <a:p>
             <a:r>
-              <a:rPr lang="en-US" dirty="0"/>
+              <a:rPr lang="en-US" sz="2400" dirty="0"/>
               <a:t>Algorithm randomly chooses from each range</a:t>
             </a:r>
           </a:p>
           <a:p>
             <a:r>
-              <a:rPr lang="en-US" dirty="0"/>
+              <a:rPr lang="en-US" sz="2400" dirty="0"/>
               <a:t>Able to obtain results very close to the actual expected outcomes and their associated probabilities</a:t>
             </a:r>
           </a:p>
           <a:p>
             <a:pPr lvl="1"/>
             <a:r>
-              <a:rPr lang="en-US" dirty="0"/>
+              <a:rPr lang="en-US" sz="2000" dirty="0"/>
               <a:t>Law of Large Numbers</a:t>
             </a:r>
           </a:p>
@@ -8802,7 +8687,7 @@
 </p:sld>
 </file>
 
-<file path=ppt/slides/slide5.xml><?xml version="1.0" encoding="utf-8"?>
+<file path=ppt/slides/slide4.xml><?xml version="1.0" encoding="utf-8"?>
 <p:sld xmlns:a="http://schemas.openxmlformats.org/drawingml/2006/main" xmlns:r="http://schemas.openxmlformats.org/officeDocument/2006/relationships" xmlns:p="http://schemas.openxmlformats.org/presentationml/2006/main">
   <p:cSld>
     <p:spTree>
@@ -10377,7 +10262,7 @@
 </p:sld>
 </file>
 
-<file path=ppt/slides/slide6.xml><?xml version="1.0" encoding="utf-8"?>
+<file path=ppt/slides/slide5.xml><?xml version="1.0" encoding="utf-8"?>
 <p:sld xmlns:a="http://schemas.openxmlformats.org/drawingml/2006/main" xmlns:r="http://schemas.openxmlformats.org/officeDocument/2006/relationships" xmlns:p="http://schemas.openxmlformats.org/presentationml/2006/main">
   <p:cSld>
     <p:spTree>
@@ -10396,498 +10281,6 @@
       </p:grpSpPr>
       <p:sp>
         <p:nvSpPr>
-          <p:cNvPr id="2" name="Title 1">
-            <a:extLst>
-              <a:ext uri="{FF2B5EF4-FFF2-40B4-BE49-F238E27FC236}">
-                <a16:creationId xmlns:a16="http://schemas.microsoft.com/office/drawing/2014/main" id="{81BAE9D0-AADA-4CDE-A970-FCB0B1F53AE0}"/>
-              </a:ext>
-            </a:extLst>
-          </p:cNvPr>
-          <p:cNvSpPr>
-            <a:spLocks noGrp="1"/>
-          </p:cNvSpPr>
-          <p:nvPr>
-            <p:ph type="title"/>
-          </p:nvPr>
-        </p:nvSpPr>
-        <p:spPr/>
-        <p:txBody>
-          <a:bodyPr/>
-          <a:lstStyle/>
-          <a:p>
-            <a:r>
-              <a:rPr lang="en-US" dirty="0"/>
-              <a:t>Differential equations</a:t>
-            </a:r>
-          </a:p>
-        </p:txBody>
-      </p:sp>
-      <p:sp>
-        <p:nvSpPr>
-          <p:cNvPr id="3" name="Text Placeholder 2">
-            <a:extLst>
-              <a:ext uri="{FF2B5EF4-FFF2-40B4-BE49-F238E27FC236}">
-                <a16:creationId xmlns:a16="http://schemas.microsoft.com/office/drawing/2014/main" id="{CD0BC1EC-1716-44C2-8026-68849F3A2918}"/>
-              </a:ext>
-            </a:extLst>
-          </p:cNvPr>
-          <p:cNvSpPr>
-            <a:spLocks noGrp="1"/>
-          </p:cNvSpPr>
-          <p:nvPr>
-            <p:ph type="body" idx="1"/>
-          </p:nvPr>
-        </p:nvSpPr>
-        <p:spPr/>
-        <p:txBody>
-          <a:bodyPr/>
-          <a:lstStyle/>
-          <a:p>
-            <a:r>
-              <a:rPr lang="en-US" dirty="0"/>
-              <a:t>Definition</a:t>
-            </a:r>
-          </a:p>
-        </p:txBody>
-      </p:sp>
-      <p:sp>
-        <p:nvSpPr>
-          <p:cNvPr id="4" name="Content Placeholder 3">
-            <a:extLst>
-              <a:ext uri="{FF2B5EF4-FFF2-40B4-BE49-F238E27FC236}">
-                <a16:creationId xmlns:a16="http://schemas.microsoft.com/office/drawing/2014/main" id="{E2F40F97-BDEB-4FE7-9247-F5B53D1557D9}"/>
-              </a:ext>
-            </a:extLst>
-          </p:cNvPr>
-          <p:cNvSpPr>
-            <a:spLocks noGrp="1"/>
-          </p:cNvSpPr>
-          <p:nvPr>
-            <p:ph sz="half" idx="2"/>
-          </p:nvPr>
-        </p:nvSpPr>
-        <p:spPr/>
-        <p:txBody>
-          <a:bodyPr/>
-          <a:lstStyle/>
-          <a:p>
-            <a:r>
-              <a:rPr lang="en-US" dirty="0"/>
-              <a:t>Any equation which contains derivatives, either ordinary derivatives or partial derivatives.</a:t>
-            </a:r>
-          </a:p>
-          <a:p>
-            <a:r>
-              <a:rPr lang="en-US" dirty="0"/>
-              <a:t>First order: Highest derivative that appears is a first order derivative</a:t>
-            </a:r>
-          </a:p>
-          <a:p>
-            <a:r>
-              <a:rPr lang="en-US" dirty="0"/>
-              <a:t>Second order: y’’ appears</a:t>
-            </a:r>
-          </a:p>
-          <a:p>
-            <a:r>
-              <a:rPr lang="en-US" dirty="0"/>
-              <a:t>Linear: y, y’, and y’’ are not squared, cubed, </a:t>
-            </a:r>
-            <a:r>
-              <a:rPr lang="en-US" dirty="0" err="1"/>
-              <a:t>etc</a:t>
-            </a:r>
-            <a:r>
-              <a:rPr lang="en-US" dirty="0"/>
-              <a:t>, and their product does not appear</a:t>
-            </a:r>
-          </a:p>
-        </p:txBody>
-      </p:sp>
-      <p:sp>
-        <p:nvSpPr>
-          <p:cNvPr id="5" name="Text Placeholder 4">
-            <a:extLst>
-              <a:ext uri="{FF2B5EF4-FFF2-40B4-BE49-F238E27FC236}">
-                <a16:creationId xmlns:a16="http://schemas.microsoft.com/office/drawing/2014/main" id="{FB85BFA4-9DA3-4A70-AD93-0648770FD133}"/>
-              </a:ext>
-            </a:extLst>
-          </p:cNvPr>
-          <p:cNvSpPr>
-            <a:spLocks noGrp="1"/>
-          </p:cNvSpPr>
-          <p:nvPr>
-            <p:ph type="body" sz="quarter" idx="3"/>
-          </p:nvPr>
-        </p:nvSpPr>
-        <p:spPr/>
-        <p:txBody>
-          <a:bodyPr/>
-          <a:lstStyle/>
-          <a:p>
-            <a:r>
-              <a:rPr lang="en-US" dirty="0"/>
-              <a:t>Examples</a:t>
-            </a:r>
-          </a:p>
-        </p:txBody>
-      </p:sp>
-      <p:sp>
-        <p:nvSpPr>
-          <p:cNvPr id="7" name="TextBox 6">
-            <a:extLst>
-              <a:ext uri="{FF2B5EF4-FFF2-40B4-BE49-F238E27FC236}">
-                <a16:creationId xmlns:a16="http://schemas.microsoft.com/office/drawing/2014/main" id="{46FC0997-9F98-4644-AAB3-1201C88B4E49}"/>
-              </a:ext>
-            </a:extLst>
-          </p:cNvPr>
-          <p:cNvSpPr txBox="1"/>
-          <p:nvPr/>
-        </p:nvSpPr>
-        <p:spPr>
-          <a:xfrm>
-            <a:off x="5823483" y="2870201"/>
-            <a:ext cx="4936124" cy="1661993"/>
-          </a:xfrm>
-          <a:prstGeom prst="rect">
-            <a:avLst/>
-          </a:prstGeom>
-          <a:noFill/>
-          <a:ln>
-            <a:solidFill>
-              <a:schemeClr val="tx1"/>
-            </a:solidFill>
-          </a:ln>
-        </p:spPr>
-        <p:txBody>
-          <a:bodyPr wrap="square" lIns="0" tIns="0" rIns="0" bIns="0" rtlCol="0">
-            <a:spAutoFit/>
-          </a:bodyPr>
-          <a:lstStyle/>
-          <a:p>
-            <a:r>
-              <a:rPr lang="en-US" dirty="0"/>
-              <a:t> y’’ + y = 0 </a:t>
-            </a:r>
-          </a:p>
-          <a:p>
-            <a:r>
-              <a:rPr lang="en-US" dirty="0"/>
-              <a:t> y’’ = -y</a:t>
-            </a:r>
-          </a:p>
-          <a:p>
-            <a:r>
-              <a:rPr lang="en-US" dirty="0"/>
-              <a:t> If y = sin(x), then y’ = cos(x) and y’’ = -sin(x).</a:t>
-            </a:r>
-          </a:p>
-          <a:p>
-            <a:r>
-              <a:rPr lang="en-US" dirty="0"/>
-              <a:t> If y = cos(x), then y’ = -sin(x) and y’’ = -cos(x).</a:t>
-            </a:r>
-          </a:p>
-          <a:p>
-            <a:r>
-              <a:rPr lang="en-US" dirty="0"/>
-              <a:t> Thus, sin(x) and cos(x) are solutions. </a:t>
-            </a:r>
-          </a:p>
-          <a:p>
-            <a:endParaRPr lang="en-US" dirty="0"/>
-          </a:p>
-        </p:txBody>
-      </p:sp>
-      <p:sp>
-        <p:nvSpPr>
-          <p:cNvPr id="8" name="TextBox 7">
-            <a:extLst>
-              <a:ext uri="{FF2B5EF4-FFF2-40B4-BE49-F238E27FC236}">
-                <a16:creationId xmlns:a16="http://schemas.microsoft.com/office/drawing/2014/main" id="{F9CBB41E-26A8-4A3B-8F1D-29B6BB96E832}"/>
-              </a:ext>
-            </a:extLst>
-          </p:cNvPr>
-          <p:cNvSpPr txBox="1"/>
-          <p:nvPr/>
-        </p:nvSpPr>
-        <p:spPr>
-          <a:xfrm>
-            <a:off x="5823483" y="4505531"/>
-            <a:ext cx="4936124" cy="1661993"/>
-          </a:xfrm>
-          <a:prstGeom prst="rect">
-            <a:avLst/>
-          </a:prstGeom>
-          <a:noFill/>
-          <a:ln>
-            <a:solidFill>
-              <a:schemeClr val="tx1"/>
-            </a:solidFill>
-          </a:ln>
-        </p:spPr>
-        <p:txBody>
-          <a:bodyPr wrap="square" lIns="0" tIns="0" rIns="0" bIns="0" rtlCol="0">
-            <a:spAutoFit/>
-          </a:bodyPr>
-          <a:lstStyle/>
-          <a:p>
-            <a:r>
-              <a:rPr lang="en-US" dirty="0"/>
-              <a:t> y’’ - y = 0 </a:t>
-            </a:r>
-          </a:p>
-          <a:p>
-            <a:r>
-              <a:rPr lang="en-US" dirty="0"/>
-              <a:t> y’’ = y</a:t>
-            </a:r>
-          </a:p>
-          <a:p>
-            <a:r>
-              <a:rPr lang="en-US" dirty="0"/>
-              <a:t> If y = e</a:t>
-            </a:r>
-            <a:r>
-              <a:rPr lang="en-US" baseline="30000" dirty="0"/>
-              <a:t>x</a:t>
-            </a:r>
-            <a:r>
-              <a:rPr lang="en-US" dirty="0"/>
-              <a:t>, then y’ = e</a:t>
-            </a:r>
-            <a:r>
-              <a:rPr lang="en-US" baseline="30000" dirty="0"/>
-              <a:t>x </a:t>
-            </a:r>
-            <a:r>
-              <a:rPr lang="en-US" dirty="0"/>
-              <a:t>and y’’ = e</a:t>
-            </a:r>
-            <a:r>
-              <a:rPr lang="en-US" baseline="30000" dirty="0"/>
-              <a:t>x</a:t>
-            </a:r>
-            <a:r>
-              <a:rPr lang="en-US" dirty="0"/>
-              <a:t>.</a:t>
-            </a:r>
-          </a:p>
-          <a:p>
-            <a:r>
-              <a:rPr lang="en-US" dirty="0"/>
-              <a:t> If y = e</a:t>
-            </a:r>
-            <a:r>
-              <a:rPr lang="en-US" baseline="30000" dirty="0"/>
-              <a:t>-x</a:t>
-            </a:r>
-            <a:r>
-              <a:rPr lang="en-US" dirty="0"/>
-              <a:t>, then y’ = -e</a:t>
-            </a:r>
-            <a:r>
-              <a:rPr lang="en-US" baseline="30000" dirty="0"/>
-              <a:t>-x </a:t>
-            </a:r>
-            <a:r>
-              <a:rPr lang="en-US" dirty="0"/>
-              <a:t>and y’’ = e</a:t>
-            </a:r>
-            <a:r>
-              <a:rPr lang="en-US" baseline="30000" dirty="0"/>
-              <a:t>-x</a:t>
-            </a:r>
-            <a:r>
-              <a:rPr lang="en-US" dirty="0"/>
-              <a:t>.</a:t>
-            </a:r>
-          </a:p>
-          <a:p>
-            <a:r>
-              <a:rPr lang="en-US" dirty="0"/>
-              <a:t> Thus, e</a:t>
-            </a:r>
-            <a:r>
-              <a:rPr lang="en-US" baseline="30000" dirty="0"/>
-              <a:t>x </a:t>
-            </a:r>
-            <a:r>
-              <a:rPr lang="en-US" dirty="0"/>
-              <a:t>and e</a:t>
-            </a:r>
-            <a:r>
-              <a:rPr lang="en-US" baseline="30000" dirty="0"/>
-              <a:t>-x </a:t>
-            </a:r>
-            <a:r>
-              <a:rPr lang="en-US" dirty="0"/>
-              <a:t>are solutions. </a:t>
-            </a:r>
-          </a:p>
-          <a:p>
-            <a:endParaRPr lang="en-US" dirty="0"/>
-          </a:p>
-        </p:txBody>
-      </p:sp>
-      <p:graphicFrame>
-        <p:nvGraphicFramePr>
-          <p:cNvPr id="9" name="Object 8">
-            <a:extLst>
-              <a:ext uri="{FF2B5EF4-FFF2-40B4-BE49-F238E27FC236}">
-                <a16:creationId xmlns:a16="http://schemas.microsoft.com/office/drawing/2014/main" id="{A5FF5A5C-C98A-4AB4-9189-96E556BCF88F}"/>
-              </a:ext>
-            </a:extLst>
-          </p:cNvPr>
-          <p:cNvGraphicFramePr>
-            <a:graphicFrameLocks noChangeAspect="1"/>
-          </p:cNvGraphicFramePr>
-          <p:nvPr>
-            <p:extLst>
-              <p:ext uri="{D42A27DB-BD31-4B8C-83A1-F6EECF244321}">
-                <p14:modId xmlns:p14="http://schemas.microsoft.com/office/powerpoint/2010/main" val="2007811402"/>
-              </p:ext>
-            </p:extLst>
-          </p:nvPr>
-        </p:nvGraphicFramePr>
-        <p:xfrm>
-          <a:off x="4251490" y="2371725"/>
-          <a:ext cx="1431234" cy="422804"/>
-        </p:xfrm>
-        <a:graphic>
-          <a:graphicData uri="http://schemas.openxmlformats.org/presentationml/2006/ole">
-            <mc:AlternateContent xmlns:mc="http://schemas.openxmlformats.org/markup-compatibility/2006">
-              <mc:Choice xmlns:v="urn:schemas-microsoft-com:vml" Requires="v">
-                <p:oleObj spid="_x0000_s3129" name="Equation" r:id="rId3" imgW="114120" imgH="177480" progId="Equation.DSMT4">
-                  <p:embed/>
-                </p:oleObj>
-              </mc:Choice>
-              <mc:Fallback>
-                <p:oleObj name="Equation" r:id="rId3" imgW="114120" imgH="177480" progId="Equation.DSMT4">
-                  <p:embed/>
-                  <p:pic>
-                    <p:nvPicPr>
-                      <p:cNvPr id="0" name=""/>
-                      <p:cNvPicPr/>
-                      <p:nvPr/>
-                    </p:nvPicPr>
-                    <p:blipFill>
-                      <a:blip r:embed="rId4"/>
-                      <a:stretch>
-                        <a:fillRect/>
-                      </a:stretch>
-                    </p:blipFill>
-                    <p:spPr>
-                      <a:xfrm>
-                        <a:off x="4251490" y="2371725"/>
-                        <a:ext cx="1431234" cy="422804"/>
-                      </a:xfrm>
-                      <a:prstGeom prst="rect">
-                        <a:avLst/>
-                      </a:prstGeom>
-                    </p:spPr>
-                  </p:pic>
-                </p:oleObj>
-              </mc:Fallback>
-            </mc:AlternateContent>
-          </a:graphicData>
-        </a:graphic>
-      </p:graphicFrame>
-      <p:graphicFrame>
-        <p:nvGraphicFramePr>
-          <p:cNvPr id="10" name="Object 9">
-            <a:extLst>
-              <a:ext uri="{FF2B5EF4-FFF2-40B4-BE49-F238E27FC236}">
-                <a16:creationId xmlns:a16="http://schemas.microsoft.com/office/drawing/2014/main" id="{369423C2-4558-4318-8D19-6046B4D0F395}"/>
-              </a:ext>
-            </a:extLst>
-          </p:cNvPr>
-          <p:cNvGraphicFramePr>
-            <a:graphicFrameLocks noChangeAspect="1"/>
-          </p:cNvGraphicFramePr>
-          <p:nvPr>
-            <p:extLst>
-              <p:ext uri="{D42A27DB-BD31-4B8C-83A1-F6EECF244321}">
-                <p14:modId xmlns:p14="http://schemas.microsoft.com/office/powerpoint/2010/main" val="1613458118"/>
-              </p:ext>
-            </p:extLst>
-          </p:nvPr>
-        </p:nvGraphicFramePr>
-        <p:xfrm>
-          <a:off x="4394200" y="2362200"/>
-          <a:ext cx="914400" cy="198438"/>
-        </p:xfrm>
-        <a:graphic>
-          <a:graphicData uri="http://schemas.openxmlformats.org/presentationml/2006/ole">
-            <mc:AlternateContent xmlns:mc="http://schemas.openxmlformats.org/markup-compatibility/2006">
-              <mc:Choice xmlns:v="urn:schemas-microsoft-com:vml" Requires="v">
-                <p:oleObj spid="_x0000_s3130" name="Equation" r:id="rId5" imgW="914400" imgH="198720" progId="Equation.DSMT4">
-                  <p:embed/>
-                </p:oleObj>
-              </mc:Choice>
-              <mc:Fallback>
-                <p:oleObj name="Equation" r:id="rId5" imgW="914400" imgH="198720" progId="Equation.DSMT4">
-                  <p:embed/>
-                  <p:pic>
-                    <p:nvPicPr>
-                      <p:cNvPr id="0" name=""/>
-                      <p:cNvPicPr/>
-                      <p:nvPr/>
-                    </p:nvPicPr>
-                    <p:blipFill>
-                      <a:blip r:embed="rId4"/>
-                      <a:stretch>
-                        <a:fillRect/>
-                      </a:stretch>
-                    </p:blipFill>
-                    <p:spPr>
-                      <a:xfrm>
-                        <a:off x="4394200" y="2362200"/>
-                        <a:ext cx="914400" cy="198438"/>
-                      </a:xfrm>
-                      <a:prstGeom prst="rect">
-                        <a:avLst/>
-                      </a:prstGeom>
-                    </p:spPr>
-                  </p:pic>
-                </p:oleObj>
-              </mc:Fallback>
-            </mc:AlternateContent>
-          </a:graphicData>
-        </a:graphic>
-      </p:graphicFrame>
-    </p:spTree>
-    <p:extLst>
-      <p:ext uri="{BB962C8B-B14F-4D97-AF65-F5344CB8AC3E}">
-        <p14:creationId xmlns:p14="http://schemas.microsoft.com/office/powerpoint/2010/main" val="3956688880"/>
-      </p:ext>
-    </p:extLst>
-  </p:cSld>
-  <p:clrMapOvr>
-    <a:masterClrMapping/>
-  </p:clrMapOvr>
-</p:sld>
-</file>
-
-<file path=ppt/slides/slide7.xml><?xml version="1.0" encoding="utf-8"?>
-<p:sld xmlns:a="http://schemas.openxmlformats.org/drawingml/2006/main" xmlns:r="http://schemas.openxmlformats.org/officeDocument/2006/relationships" xmlns:p="http://schemas.openxmlformats.org/presentationml/2006/main">
-  <p:cSld>
-    <p:spTree>
-      <p:nvGrpSpPr>
-        <p:cNvPr id="1" name=""/>
-        <p:cNvGrpSpPr/>
-        <p:nvPr/>
-      </p:nvGrpSpPr>
-      <p:grpSpPr>
-        <a:xfrm>
-          <a:off x="0" y="0"/>
-          <a:ext cx="0" cy="0"/>
-          <a:chOff x="0" y="0"/>
-          <a:chExt cx="0" cy="0"/>
-        </a:xfrm>
-      </p:grpSpPr>
-      <p:sp>
-        <p:nvSpPr>
           <p:cNvPr id="7" name="Title 6">
             <a:extLst>
               <a:ext uri="{FF2B5EF4-FFF2-40B4-BE49-F238E27FC236}">
@@ -10950,7 +10343,7 @@
           <a:graphicData uri="http://schemas.openxmlformats.org/presentationml/2006/ole">
             <mc:AlternateContent xmlns:mc="http://schemas.openxmlformats.org/markup-compatibility/2006">
               <mc:Choice xmlns:v="urn:schemas-microsoft-com:vml" Requires="v">
-                <p:oleObj spid="_x0000_s2112" name="Equation" r:id="rId3" imgW="2603160" imgH="1422360" progId="Equation.DSMT4">
+                <p:oleObj spid="_x0000_s2122" name="Equation" r:id="rId3" imgW="2603160" imgH="1422360" progId="Equation.DSMT4">
                   <p:embed/>
                 </p:oleObj>
               </mc:Choice>
@@ -11019,7 +10412,7 @@
           <a:graphicData uri="http://schemas.openxmlformats.org/presentationml/2006/ole">
             <mc:AlternateContent xmlns:mc="http://schemas.openxmlformats.org/markup-compatibility/2006">
               <mc:Choice xmlns:v="urn:schemas-microsoft-com:vml" Requires="v">
-                <p:oleObj spid="_x0000_s2113" name="Equation" r:id="rId5" imgW="457200" imgH="914400" progId="Equation.DSMT4">
+                <p:oleObj spid="_x0000_s2123" name="Equation" r:id="rId5" imgW="457200" imgH="914400" progId="Equation.DSMT4">
                   <p:embed/>
                 </p:oleObj>
               </mc:Choice>
@@ -11187,7 +10580,7 @@
 </p:sld>
 </file>
 
-<file path=ppt/slides/slide8.xml><?xml version="1.0" encoding="utf-8"?>
+<file path=ppt/slides/slide6.xml><?xml version="1.0" encoding="utf-8"?>
 <p:sld xmlns:a="http://schemas.openxmlformats.org/drawingml/2006/main" xmlns:r="http://schemas.openxmlformats.org/officeDocument/2006/relationships" xmlns:p="http://schemas.openxmlformats.org/presentationml/2006/main">
   <p:cSld>
     <p:spTree>
@@ -11790,7 +11183,7 @@
 </p:sld>
 </file>
 
-<file path=ppt/slides/slide9.xml><?xml version="1.0" encoding="utf-8"?>
+<file path=ppt/slides/slide7.xml><?xml version="1.0" encoding="utf-8"?>
 <p:sld xmlns:a="http://schemas.openxmlformats.org/drawingml/2006/main" xmlns:r="http://schemas.openxmlformats.org/officeDocument/2006/relationships" xmlns:p="http://schemas.openxmlformats.org/presentationml/2006/main">
   <p:cSld>
     <p:spTree>
@@ -12394,6 +11787,907 @@
 </p:sld>
 </file>
 
+<file path=ppt/slides/slide8.xml><?xml version="1.0" encoding="utf-8"?>
+<p:sld xmlns:a="http://schemas.openxmlformats.org/drawingml/2006/main" xmlns:r="http://schemas.openxmlformats.org/officeDocument/2006/relationships" xmlns:p="http://schemas.openxmlformats.org/presentationml/2006/main">
+  <p:cSld>
+    <p:bg>
+      <p:bgPr>
+        <a:blipFill>
+          <a:blip r:embed="rId2">
+            <a:extLst/>
+          </a:blip>
+          <a:stretch/>
+        </a:blipFill>
+        <a:effectLst/>
+      </p:bgPr>
+    </p:bg>
+    <p:spTree>
+      <p:nvGrpSpPr>
+        <p:cNvPr id="1" name=""/>
+        <p:cNvGrpSpPr/>
+        <p:nvPr/>
+      </p:nvGrpSpPr>
+      <p:grpSpPr>
+        <a:xfrm>
+          <a:off x="0" y="0"/>
+          <a:ext cx="0" cy="0"/>
+          <a:chOff x="0" y="0"/>
+          <a:chExt cx="0" cy="0"/>
+        </a:xfrm>
+      </p:grpSpPr>
+      <p:pic>
+        <p:nvPicPr>
+          <p:cNvPr id="7" name="Picture 6" descr="A close up of text on a white background&#10;&#10;Description generated with very high confidence">
+            <a:extLst>
+              <a:ext uri="{FF2B5EF4-FFF2-40B4-BE49-F238E27FC236}">
+                <a16:creationId xmlns:a16="http://schemas.microsoft.com/office/drawing/2014/main" id="{C50B0945-28E9-45EC-A023-B9904498D72B}"/>
+              </a:ext>
+            </a:extLst>
+          </p:cNvPr>
+          <p:cNvPicPr>
+            <a:picLocks noChangeAspect="1"/>
+          </p:cNvPicPr>
+          <p:nvPr/>
+        </p:nvPicPr>
+        <p:blipFill>
+          <a:blip r:embed="rId3"/>
+          <a:stretch>
+            <a:fillRect/>
+          </a:stretch>
+        </p:blipFill>
+        <p:spPr>
+          <a:xfrm>
+            <a:off x="5934695" y="2607011"/>
+            <a:ext cx="4039102" cy="2019551"/>
+          </a:xfrm>
+          <a:prstGeom prst="roundRect">
+            <a:avLst>
+              <a:gd name="adj" fmla="val 7306"/>
+            </a:avLst>
+          </a:prstGeom>
+          <a:ln w="50800" cap="sq" cmpd="dbl">
+            <a:gradFill flip="none" rotWithShape="1">
+              <a:gsLst>
+                <a:gs pos="0">
+                  <a:srgbClr val="FFFFFF"/>
+                </a:gs>
+                <a:gs pos="100000">
+                  <a:schemeClr val="tx1">
+                    <a:alpha val="0"/>
+                  </a:schemeClr>
+                </a:gs>
+              </a:gsLst>
+              <a:path path="circle">
+                <a:fillToRect l="50000" t="50000" r="50000" b="50000"/>
+              </a:path>
+              <a:tileRect/>
+            </a:gradFill>
+            <a:miter lim="800000"/>
+          </a:ln>
+          <a:effectLst>
+            <a:outerShdw blurRad="254000" algn="tl" rotWithShape="0">
+              <a:srgbClr val="000000">
+                <a:alpha val="43000"/>
+              </a:srgbClr>
+            </a:outerShdw>
+          </a:effectLst>
+        </p:spPr>
+      </p:pic>
+      <p:pic>
+        <p:nvPicPr>
+          <p:cNvPr id="5" name="Picture 4" descr="A close up of a logo&#10;&#10;Description generated with high confidence">
+            <a:extLst>
+              <a:ext uri="{FF2B5EF4-FFF2-40B4-BE49-F238E27FC236}">
+                <a16:creationId xmlns:a16="http://schemas.microsoft.com/office/drawing/2014/main" id="{177CEBA4-C475-4F64-A4AB-E2F6ED1F8CF3}"/>
+              </a:ext>
+            </a:extLst>
+          </p:cNvPr>
+          <p:cNvPicPr>
+            <a:picLocks noChangeAspect="1"/>
+          </p:cNvPicPr>
+          <p:nvPr/>
+        </p:nvPicPr>
+        <p:blipFill>
+          <a:blip r:embed="rId4"/>
+          <a:stretch>
+            <a:fillRect/>
+          </a:stretch>
+        </p:blipFill>
+        <p:spPr>
+          <a:xfrm>
+            <a:off x="1211095" y="2607012"/>
+            <a:ext cx="4039102" cy="2019551"/>
+          </a:xfrm>
+          <a:prstGeom prst="roundRect">
+            <a:avLst>
+              <a:gd name="adj" fmla="val 7306"/>
+            </a:avLst>
+          </a:prstGeom>
+          <a:ln w="50800" cap="sq" cmpd="dbl">
+            <a:gradFill flip="none" rotWithShape="1">
+              <a:gsLst>
+                <a:gs pos="0">
+                  <a:srgbClr val="FFFFFF"/>
+                </a:gs>
+                <a:gs pos="100000">
+                  <a:schemeClr val="tx1">
+                    <a:alpha val="0"/>
+                  </a:schemeClr>
+                </a:gs>
+              </a:gsLst>
+              <a:path path="circle">
+                <a:fillToRect l="50000" t="50000" r="50000" b="50000"/>
+              </a:path>
+              <a:tileRect/>
+            </a:gradFill>
+            <a:miter lim="800000"/>
+          </a:ln>
+          <a:effectLst>
+            <a:outerShdw blurRad="254000" algn="tl" rotWithShape="0">
+              <a:srgbClr val="000000">
+                <a:alpha val="43000"/>
+              </a:srgbClr>
+            </a:outerShdw>
+          </a:effectLst>
+        </p:spPr>
+      </p:pic>
+      <p:sp>
+        <p:nvSpPr>
+          <p:cNvPr id="2" name="Title 1">
+            <a:extLst>
+              <a:ext uri="{FF2B5EF4-FFF2-40B4-BE49-F238E27FC236}">
+                <a16:creationId xmlns:a16="http://schemas.microsoft.com/office/drawing/2014/main" id="{0D9DEFA5-8F07-4C2E-A698-9C3F49D402BB}"/>
+              </a:ext>
+            </a:extLst>
+          </p:cNvPr>
+          <p:cNvSpPr>
+            <a:spLocks noGrp="1"/>
+          </p:cNvSpPr>
+          <p:nvPr>
+            <p:ph type="title"/>
+          </p:nvPr>
+        </p:nvSpPr>
+        <p:spPr>
+          <a:xfrm>
+            <a:off x="685800" y="271942"/>
+            <a:ext cx="10131425" cy="1456267"/>
+          </a:xfrm>
+        </p:spPr>
+        <p:txBody>
+          <a:bodyPr>
+            <a:normAutofit/>
+          </a:bodyPr>
+          <a:lstStyle/>
+          <a:p>
+            <a:r>
+              <a:rPr lang="en-US" dirty="0"/>
+              <a:t>Performance Metric</a:t>
+            </a:r>
+          </a:p>
+        </p:txBody>
+      </p:sp>
+      <mc:AlternateContent xmlns:mc="http://schemas.openxmlformats.org/markup-compatibility/2006">
+        <mc:Choice xmlns:a14="http://schemas.microsoft.com/office/drawing/2010/main" Requires="a14">
+          <p:sp>
+            <p:nvSpPr>
+              <p:cNvPr id="3" name="Content Placeholder 2">
+                <a:extLst>
+                  <a:ext uri="{FF2B5EF4-FFF2-40B4-BE49-F238E27FC236}">
+                    <a16:creationId xmlns:a16="http://schemas.microsoft.com/office/drawing/2014/main" id="{BDD65857-C970-47C1-B66A-C653A0F153B5}"/>
+                  </a:ext>
+                </a:extLst>
+              </p:cNvPr>
+              <p:cNvSpPr>
+                <a:spLocks noGrp="1"/>
+              </p:cNvSpPr>
+              <p:nvPr>
+                <p:ph idx="1"/>
+              </p:nvPr>
+            </p:nvSpPr>
+            <p:spPr>
+              <a:xfrm>
+                <a:off x="685799" y="1502724"/>
+                <a:ext cx="10131425" cy="5083334"/>
+              </a:xfrm>
+            </p:spPr>
+            <p:txBody>
+              <a:bodyPr anchor="t">
+                <a:normAutofit/>
+              </a:bodyPr>
+              <a:lstStyle/>
+              <a:p>
+                <a:pPr marL="0" indent="0">
+                  <a:buNone/>
+                </a:pPr>
+                <a:r>
+                  <a:rPr lang="en-US" sz="2800" dirty="0"/>
+                  <a:t>In order to identify what parameters affect the success of a trial, we must first determine what will define a success versus a failure. </a:t>
+                </a:r>
+              </a:p>
+              <a:p>
+                <a:pPr marL="0" indent="0">
+                  <a:buNone/>
+                </a:pPr>
+                <a:endParaRPr lang="en-US" sz="2800" dirty="0"/>
+              </a:p>
+              <a:p>
+                <a:pPr marL="0" indent="0">
+                  <a:buNone/>
+                </a:pPr>
+                <a:endParaRPr lang="en-US" sz="2800" dirty="0"/>
+              </a:p>
+              <a:p>
+                <a:pPr marL="0" indent="0">
+                  <a:buNone/>
+                </a:pPr>
+                <a:endParaRPr lang="en-US" sz="2800" dirty="0"/>
+              </a:p>
+              <a:p>
+                <a:pPr marL="0" indent="0">
+                  <a:buNone/>
+                </a:pPr>
+                <a:endParaRPr lang="en-US" sz="2800" dirty="0"/>
+              </a:p>
+              <a:p>
+                <a:pPr marL="0" indent="0">
+                  <a:buNone/>
+                </a:pPr>
+                <a:endParaRPr lang="en-US" sz="2800" dirty="0"/>
+              </a:p>
+              <a:p>
+                <a:pPr marL="0" indent="0">
+                  <a:buNone/>
+                </a:pPr>
+                <a:endParaRPr lang="en-US" sz="2800" dirty="0"/>
+              </a:p>
+              <a:p>
+                <a:pPr marL="0" indent="0" algn="ctr">
+                  <a:spcBef>
+                    <a:spcPts val="600"/>
+                  </a:spcBef>
+                  <a:buNone/>
+                </a:pPr>
+                <a:r>
+                  <a:rPr lang="en-US" sz="2800" dirty="0"/>
+                  <a:t>Performance metric: If the max angle exceeds 21</a:t>
+                </a:r>
+                <a14:m>
+                  <m:oMath xmlns:m="http://schemas.openxmlformats.org/officeDocument/2006/math">
+                    <m:r>
+                      <a:rPr lang="en-US" sz="2800" i="1">
+                        <a:latin typeface="Cambria Math" panose="02040503050406030204" pitchFamily="18" charset="0"/>
+                      </a:rPr>
+                      <m:t>°</m:t>
+                    </m:r>
+                  </m:oMath>
+                </a14:m>
+                <a:r>
+                  <a:rPr lang="en-US" sz="2800" dirty="0"/>
+                  <a:t>, it is chaotic.</a:t>
+                </a:r>
+              </a:p>
+              <a:p>
+                <a:pPr marL="0" indent="0" algn="ctr">
+                  <a:buNone/>
+                </a:pPr>
+                <a:endParaRPr lang="en-US" sz="2800" dirty="0"/>
+              </a:p>
+            </p:txBody>
+          </p:sp>
+        </mc:Choice>
+        <mc:Fallback>
+          <p:sp>
+            <p:nvSpPr>
+              <p:cNvPr id="3" name="Content Placeholder 2">
+                <a:extLst>
+                  <a:ext uri="{FF2B5EF4-FFF2-40B4-BE49-F238E27FC236}">
+                    <a16:creationId xmlns:a16="http://schemas.microsoft.com/office/drawing/2014/main" id="{BDD65857-C970-47C1-B66A-C653A0F153B5}"/>
+                  </a:ext>
+                </a:extLst>
+              </p:cNvPr>
+              <p:cNvSpPr>
+                <a:spLocks noGrp="1" noRot="1" noChangeAspect="1" noMove="1" noResize="1" noEditPoints="1" noAdjustHandles="1" noChangeArrowheads="1" noChangeShapeType="1" noTextEdit="1"/>
+              </p:cNvSpPr>
+              <p:nvPr>
+                <p:ph idx="1"/>
+              </p:nvPr>
+            </p:nvSpPr>
+            <p:spPr>
+              <a:xfrm>
+                <a:off x="685799" y="1502724"/>
+                <a:ext cx="10131425" cy="5083334"/>
+              </a:xfrm>
+              <a:blipFill>
+                <a:blip r:embed="rId5"/>
+                <a:stretch>
+                  <a:fillRect l="-1203" t="-1200" r="-181"/>
+                </a:stretch>
+              </a:blipFill>
+            </p:spPr>
+            <p:txBody>
+              <a:bodyPr/>
+              <a:lstStyle/>
+              <a:p>
+                <a:r>
+                  <a:rPr lang="en-US">
+                    <a:noFill/>
+                  </a:rPr>
+                  <a:t> </a:t>
+                </a:r>
+              </a:p>
+            </p:txBody>
+          </p:sp>
+        </mc:Fallback>
+      </mc:AlternateContent>
+      <p:graphicFrame>
+        <p:nvGraphicFramePr>
+          <p:cNvPr id="8" name="Table 7">
+            <a:extLst>
+              <a:ext uri="{FF2B5EF4-FFF2-40B4-BE49-F238E27FC236}">
+                <a16:creationId xmlns:a16="http://schemas.microsoft.com/office/drawing/2014/main" id="{99407DC8-7628-4151-8CBF-E38B6863876D}"/>
+              </a:ext>
+            </a:extLst>
+          </p:cNvPr>
+          <p:cNvGraphicFramePr>
+            <a:graphicFrameLocks noGrp="1"/>
+          </p:cNvGraphicFramePr>
+          <p:nvPr>
+            <p:extLst>
+              <p:ext uri="{D42A27DB-BD31-4B8C-83A1-F6EECF244321}">
+                <p14:modId xmlns:p14="http://schemas.microsoft.com/office/powerpoint/2010/main" val="1754743400"/>
+              </p:ext>
+            </p:extLst>
+          </p:nvPr>
+        </p:nvGraphicFramePr>
+        <p:xfrm>
+          <a:off x="1231373" y="4799016"/>
+          <a:ext cx="8762702" cy="1112520"/>
+        </p:xfrm>
+        <a:graphic>
+          <a:graphicData uri="http://schemas.openxmlformats.org/drawingml/2006/table">
+            <a:tbl>
+              <a:tblPr firstRow="1" bandRow="1">
+                <a:tableStyleId>{5C22544A-7EE6-4342-B048-85BDC9FD1C3A}</a:tableStyleId>
+              </a:tblPr>
+              <a:tblGrid>
+                <a:gridCol w="1251815">
+                  <a:extLst>
+                    <a:ext uri="{9D8B030D-6E8A-4147-A177-3AD203B41FA5}">
+                      <a16:colId xmlns:a16="http://schemas.microsoft.com/office/drawing/2014/main" val="838087492"/>
+                    </a:ext>
+                  </a:extLst>
+                </a:gridCol>
+                <a:gridCol w="1251815">
+                  <a:extLst>
+                    <a:ext uri="{9D8B030D-6E8A-4147-A177-3AD203B41FA5}">
+                      <a16:colId xmlns:a16="http://schemas.microsoft.com/office/drawing/2014/main" val="832033999"/>
+                    </a:ext>
+                  </a:extLst>
+                </a:gridCol>
+                <a:gridCol w="1487034">
+                  <a:extLst>
+                    <a:ext uri="{9D8B030D-6E8A-4147-A177-3AD203B41FA5}">
+                      <a16:colId xmlns:a16="http://schemas.microsoft.com/office/drawing/2014/main" val="816009345"/>
+                    </a:ext>
+                  </a:extLst>
+                </a:gridCol>
+                <a:gridCol w="1636015">
+                  <a:extLst>
+                    <a:ext uri="{9D8B030D-6E8A-4147-A177-3AD203B41FA5}">
+                      <a16:colId xmlns:a16="http://schemas.microsoft.com/office/drawing/2014/main" val="1705125421"/>
+                    </a:ext>
+                  </a:extLst>
+                </a:gridCol>
+                <a:gridCol w="964830">
+                  <a:extLst>
+                    <a:ext uri="{9D8B030D-6E8A-4147-A177-3AD203B41FA5}">
+                      <a16:colId xmlns:a16="http://schemas.microsoft.com/office/drawing/2014/main" val="286669270"/>
+                    </a:ext>
+                  </a:extLst>
+                </a:gridCol>
+                <a:gridCol w="1048727">
+                  <a:extLst>
+                    <a:ext uri="{9D8B030D-6E8A-4147-A177-3AD203B41FA5}">
+                      <a16:colId xmlns:a16="http://schemas.microsoft.com/office/drawing/2014/main" val="3850993165"/>
+                    </a:ext>
+                  </a:extLst>
+                </a:gridCol>
+                <a:gridCol w="1122466">
+                  <a:extLst>
+                    <a:ext uri="{9D8B030D-6E8A-4147-A177-3AD203B41FA5}">
+                      <a16:colId xmlns:a16="http://schemas.microsoft.com/office/drawing/2014/main" val="8683611"/>
+                    </a:ext>
+                  </a:extLst>
+                </a:gridCol>
+              </a:tblGrid>
+              <a:tr h="370840">
+                <a:tc>
+                  <a:txBody>
+                    <a:bodyPr/>
+                    <a:lstStyle/>
+                    <a:p>
+                      <a:pPr algn="ctr"/>
+                      <a:r>
+                        <a:rPr lang="en-US" dirty="0"/>
+                        <a:t>Motion</a:t>
+                      </a:r>
+                    </a:p>
+                  </a:txBody>
+                  <a:tcPr/>
+                </a:tc>
+                <a:tc>
+                  <a:txBody>
+                    <a:bodyPr/>
+                    <a:lstStyle/>
+                    <a:p>
+                      <a:pPr algn="ctr"/>
+                      <a:r>
+                        <a:rPr lang="en-US" dirty="0"/>
+                        <a:t>Gravity</a:t>
+                      </a:r>
+                    </a:p>
+                  </a:txBody>
+                  <a:tcPr/>
+                </a:tc>
+                <a:tc>
+                  <a:txBody>
+                    <a:bodyPr/>
+                    <a:lstStyle/>
+                    <a:p>
+                      <a:pPr algn="ctr"/>
+                      <a:r>
+                        <a:rPr lang="en-US" dirty="0"/>
+                        <a:t>Initial Angle</a:t>
+                      </a:r>
+                    </a:p>
+                  </a:txBody>
+                  <a:tcPr/>
+                </a:tc>
+                <a:tc>
+                  <a:txBody>
+                    <a:bodyPr/>
+                    <a:lstStyle/>
+                    <a:p>
+                      <a:pPr algn="ctr"/>
+                      <a:r>
+                        <a:rPr lang="en-US" dirty="0"/>
+                        <a:t>Initial Stretch</a:t>
+                      </a:r>
+                    </a:p>
+                  </a:txBody>
+                  <a:tcPr/>
+                </a:tc>
+                <a:tc>
+                  <a:txBody>
+                    <a:bodyPr/>
+                    <a:lstStyle/>
+                    <a:p>
+                      <a:pPr algn="ctr"/>
+                      <a:r>
+                        <a:rPr lang="en-US" dirty="0"/>
+                        <a:t>Length</a:t>
+                      </a:r>
+                    </a:p>
+                  </a:txBody>
+                  <a:tcPr/>
+                </a:tc>
+                <a:tc>
+                  <a:txBody>
+                    <a:bodyPr/>
+                    <a:lstStyle/>
+                    <a:p>
+                      <a:pPr algn="ctr"/>
+                      <a:r>
+                        <a:rPr lang="en-US" dirty="0"/>
+                        <a:t>Mass</a:t>
+                      </a:r>
+                    </a:p>
+                  </a:txBody>
+                  <a:tcPr/>
+                </a:tc>
+                <a:tc>
+                  <a:txBody>
+                    <a:bodyPr/>
+                    <a:lstStyle/>
+                    <a:p>
+                      <a:pPr algn="ctr"/>
+                      <a:r>
+                        <a:rPr lang="en-US" dirty="0"/>
+                        <a:t>Spring</a:t>
+                      </a:r>
+                    </a:p>
+                  </a:txBody>
+                  <a:tcPr/>
+                </a:tc>
+                <a:extLst>
+                  <a:ext uri="{0D108BD9-81ED-4DB2-BD59-A6C34878D82A}">
+                    <a16:rowId xmlns:a16="http://schemas.microsoft.com/office/drawing/2014/main" val="3600468414"/>
+                  </a:ext>
+                </a:extLst>
+              </a:tr>
+              <a:tr h="370840">
+                <a:tc>
+                  <a:txBody>
+                    <a:bodyPr/>
+                    <a:lstStyle/>
+                    <a:p>
+                      <a:pPr algn="ctr"/>
+                      <a:r>
+                        <a:rPr lang="en-US" dirty="0"/>
+                        <a:t>Regular</a:t>
+                      </a:r>
+                    </a:p>
+                  </a:txBody>
+                  <a:tcPr/>
+                </a:tc>
+                <a:tc>
+                  <a:txBody>
+                    <a:bodyPr/>
+                    <a:lstStyle/>
+                    <a:p>
+                      <a:pPr algn="ctr"/>
+                      <a:r>
+                        <a:rPr lang="en-US" dirty="0"/>
+                        <a:t>9.82</a:t>
+                      </a:r>
+                    </a:p>
+                  </a:txBody>
+                  <a:tcPr/>
+                </a:tc>
+                <a:tc>
+                  <a:txBody>
+                    <a:bodyPr/>
+                    <a:lstStyle/>
+                    <a:p>
+                      <a:pPr algn="ctr"/>
+                      <a:r>
+                        <a:rPr lang="en-US" dirty="0"/>
+                        <a:t>6.31</a:t>
+                      </a:r>
+                    </a:p>
+                  </a:txBody>
+                  <a:tcPr/>
+                </a:tc>
+                <a:tc>
+                  <a:txBody>
+                    <a:bodyPr/>
+                    <a:lstStyle/>
+                    <a:p>
+                      <a:pPr algn="ctr"/>
+                      <a:r>
+                        <a:rPr lang="en-US" dirty="0"/>
+                        <a:t>0.121</a:t>
+                      </a:r>
+                    </a:p>
+                  </a:txBody>
+                  <a:tcPr/>
+                </a:tc>
+                <a:tc>
+                  <a:txBody>
+                    <a:bodyPr/>
+                    <a:lstStyle/>
+                    <a:p>
+                      <a:pPr algn="ctr"/>
+                      <a:r>
+                        <a:rPr lang="en-US" dirty="0"/>
+                        <a:t>0.8044</a:t>
+                      </a:r>
+                    </a:p>
+                  </a:txBody>
+                  <a:tcPr/>
+                </a:tc>
+                <a:tc>
+                  <a:txBody>
+                    <a:bodyPr/>
+                    <a:lstStyle/>
+                    <a:p>
+                      <a:pPr algn="ctr"/>
+                      <a:r>
+                        <a:rPr lang="en-US" dirty="0"/>
+                        <a:t>1.207</a:t>
+                      </a:r>
+                    </a:p>
+                  </a:txBody>
+                  <a:tcPr/>
+                </a:tc>
+                <a:tc>
+                  <a:txBody>
+                    <a:bodyPr/>
+                    <a:lstStyle/>
+                    <a:p>
+                      <a:pPr algn="ctr"/>
+                      <a:r>
+                        <a:rPr lang="en-US" dirty="0"/>
+                        <a:t>30.131</a:t>
+                      </a:r>
+                    </a:p>
+                  </a:txBody>
+                  <a:tcPr/>
+                </a:tc>
+                <a:extLst>
+                  <a:ext uri="{0D108BD9-81ED-4DB2-BD59-A6C34878D82A}">
+                    <a16:rowId xmlns:a16="http://schemas.microsoft.com/office/drawing/2014/main" val="1376851642"/>
+                  </a:ext>
+                </a:extLst>
+              </a:tr>
+              <a:tr h="370840">
+                <a:tc>
+                  <a:txBody>
+                    <a:bodyPr/>
+                    <a:lstStyle/>
+                    <a:p>
+                      <a:pPr algn="ctr"/>
+                      <a:r>
+                        <a:rPr lang="en-US" dirty="0"/>
+                        <a:t>Chaotic</a:t>
+                      </a:r>
+                    </a:p>
+                  </a:txBody>
+                  <a:tcPr/>
+                </a:tc>
+                <a:tc>
+                  <a:txBody>
+                    <a:bodyPr/>
+                    <a:lstStyle/>
+                    <a:p>
+                      <a:pPr algn="ctr"/>
+                      <a:r>
+                        <a:rPr lang="en-US" dirty="0"/>
+                        <a:t>9.73</a:t>
+                      </a:r>
+                    </a:p>
+                  </a:txBody>
+                  <a:tcPr/>
+                </a:tc>
+                <a:tc>
+                  <a:txBody>
+                    <a:bodyPr/>
+                    <a:lstStyle/>
+                    <a:p>
+                      <a:pPr algn="ctr"/>
+                      <a:r>
+                        <a:rPr lang="en-US" dirty="0"/>
+                        <a:t>10.16</a:t>
+                      </a:r>
+                    </a:p>
+                  </a:txBody>
+                  <a:tcPr/>
+                </a:tc>
+                <a:tc>
+                  <a:txBody>
+                    <a:bodyPr/>
+                    <a:lstStyle/>
+                    <a:p>
+                      <a:pPr algn="ctr"/>
+                      <a:r>
+                        <a:rPr lang="en-US" dirty="0"/>
+                        <a:t>0.088</a:t>
+                      </a:r>
+                    </a:p>
+                  </a:txBody>
+                  <a:tcPr/>
+                </a:tc>
+                <a:tc>
+                  <a:txBody>
+                    <a:bodyPr/>
+                    <a:lstStyle/>
+                    <a:p>
+                      <a:pPr algn="ctr"/>
+                      <a:r>
+                        <a:rPr lang="en-US" dirty="0"/>
+                        <a:t>1.065</a:t>
+                      </a:r>
+                    </a:p>
+                  </a:txBody>
+                  <a:tcPr/>
+                </a:tc>
+                <a:tc>
+                  <a:txBody>
+                    <a:bodyPr/>
+                    <a:lstStyle/>
+                    <a:p>
+                      <a:pPr algn="ctr"/>
+                      <a:r>
+                        <a:rPr lang="en-US" dirty="0"/>
+                        <a:t>1.058</a:t>
+                      </a:r>
+                    </a:p>
+                  </a:txBody>
+                  <a:tcPr/>
+                </a:tc>
+                <a:tc>
+                  <a:txBody>
+                    <a:bodyPr/>
+                    <a:lstStyle/>
+                    <a:p>
+                      <a:pPr algn="ctr"/>
+                      <a:r>
+                        <a:rPr lang="en-US" dirty="0"/>
+                        <a:t>29.79</a:t>
+                      </a:r>
+                    </a:p>
+                  </a:txBody>
+                  <a:tcPr/>
+                </a:tc>
+                <a:extLst>
+                  <a:ext uri="{0D108BD9-81ED-4DB2-BD59-A6C34878D82A}">
+                    <a16:rowId xmlns:a16="http://schemas.microsoft.com/office/drawing/2014/main" val="744594700"/>
+                  </a:ext>
+                </a:extLst>
+              </a:tr>
+            </a:tbl>
+          </a:graphicData>
+        </a:graphic>
+      </p:graphicFrame>
+    </p:spTree>
+    <p:extLst>
+      <p:ext uri="{BB962C8B-B14F-4D97-AF65-F5344CB8AC3E}">
+        <p14:creationId xmlns:p14="http://schemas.microsoft.com/office/powerpoint/2010/main" val="904725269"/>
+      </p:ext>
+    </p:extLst>
+  </p:cSld>
+  <p:clrMapOvr>
+    <a:masterClrMapping/>
+  </p:clrMapOvr>
+</p:sld>
+</file>
+
+<file path=ppt/slides/slide9.xml><?xml version="1.0" encoding="utf-8"?>
+<p:sld xmlns:a="http://schemas.openxmlformats.org/drawingml/2006/main" xmlns:r="http://schemas.openxmlformats.org/officeDocument/2006/relationships" xmlns:p="http://schemas.openxmlformats.org/presentationml/2006/main">
+  <p:cSld>
+    <p:spTree>
+      <p:nvGrpSpPr>
+        <p:cNvPr id="1" name=""/>
+        <p:cNvGrpSpPr/>
+        <p:nvPr/>
+      </p:nvGrpSpPr>
+      <p:grpSpPr>
+        <a:xfrm>
+          <a:off x="0" y="0"/>
+          <a:ext cx="0" cy="0"/>
+          <a:chOff x="0" y="0"/>
+          <a:chExt cx="0" cy="0"/>
+        </a:xfrm>
+      </p:grpSpPr>
+      <p:sp>
+        <p:nvSpPr>
+          <p:cNvPr id="2" name="Title 1">
+            <a:extLst>
+              <a:ext uri="{FF2B5EF4-FFF2-40B4-BE49-F238E27FC236}">
+                <a16:creationId xmlns:a16="http://schemas.microsoft.com/office/drawing/2014/main" id="{274D1D42-6501-4EC3-B78B-C75DF9192AA9}"/>
+              </a:ext>
+            </a:extLst>
+          </p:cNvPr>
+          <p:cNvSpPr>
+            <a:spLocks noGrp="1"/>
+          </p:cNvSpPr>
+          <p:nvPr>
+            <p:ph type="title"/>
+          </p:nvPr>
+        </p:nvSpPr>
+        <p:spPr/>
+        <p:txBody>
+          <a:bodyPr/>
+          <a:lstStyle/>
+          <a:p>
+            <a:r>
+              <a:rPr lang="en-US" dirty="0"/>
+              <a:t>Kernel density estimate</a:t>
+            </a:r>
+          </a:p>
+        </p:txBody>
+      </p:sp>
+      <p:sp>
+        <p:nvSpPr>
+          <p:cNvPr id="3" name="Content Placeholder 2">
+            <a:extLst>
+              <a:ext uri="{FF2B5EF4-FFF2-40B4-BE49-F238E27FC236}">
+                <a16:creationId xmlns:a16="http://schemas.microsoft.com/office/drawing/2014/main" id="{EFE1BFAF-3EA6-41CF-85E2-FDA02993B865}"/>
+              </a:ext>
+            </a:extLst>
+          </p:cNvPr>
+          <p:cNvSpPr>
+            <a:spLocks noGrp="1"/>
+          </p:cNvSpPr>
+          <p:nvPr>
+            <p:ph idx="1"/>
+          </p:nvPr>
+        </p:nvSpPr>
+        <p:spPr>
+          <a:xfrm>
+            <a:off x="685801" y="1902916"/>
+            <a:ext cx="10131425" cy="3649133"/>
+          </a:xfrm>
+        </p:spPr>
+        <p:txBody>
+          <a:bodyPr anchor="t">
+            <a:normAutofit/>
+          </a:bodyPr>
+          <a:lstStyle/>
+          <a:p>
+            <a:pPr marL="0" indent="0" algn="ctr">
+              <a:buNone/>
+            </a:pPr>
+            <a:r>
+              <a:rPr lang="en-US" sz="2800" dirty="0"/>
+              <a:t>What is a kernel density estimate?</a:t>
+            </a:r>
+          </a:p>
+        </p:txBody>
+      </p:sp>
+      <p:pic>
+        <p:nvPicPr>
+          <p:cNvPr id="5" name="Picture 4" descr="A close up of a logo&#10;&#10;Description generated with very high confidence">
+            <a:extLst>
+              <a:ext uri="{FF2B5EF4-FFF2-40B4-BE49-F238E27FC236}">
+                <a16:creationId xmlns:a16="http://schemas.microsoft.com/office/drawing/2014/main" id="{0BA16F72-E4FE-4F2F-B523-86CFE32E4060}"/>
+              </a:ext>
+            </a:extLst>
+          </p:cNvPr>
+          <p:cNvPicPr>
+            <a:picLocks noChangeAspect="1"/>
+          </p:cNvPicPr>
+          <p:nvPr/>
+        </p:nvPicPr>
+        <p:blipFill>
+          <a:blip r:embed="rId2"/>
+          <a:stretch>
+            <a:fillRect/>
+          </a:stretch>
+        </p:blipFill>
+        <p:spPr>
+          <a:xfrm>
+            <a:off x="596876" y="2836984"/>
+            <a:ext cx="5473700" cy="3649133"/>
+          </a:xfrm>
+          <a:prstGeom prst="rect">
+            <a:avLst/>
+          </a:prstGeom>
+        </p:spPr>
+      </p:pic>
+      <p:pic>
+        <p:nvPicPr>
+          <p:cNvPr id="7" name="Picture 6" descr="A close up of a map&#10;&#10;Description generated with high confidence">
+            <a:extLst>
+              <a:ext uri="{FF2B5EF4-FFF2-40B4-BE49-F238E27FC236}">
+                <a16:creationId xmlns:a16="http://schemas.microsoft.com/office/drawing/2014/main" id="{8F55BBD7-F704-4938-A869-64AC7E549476}"/>
+              </a:ext>
+            </a:extLst>
+          </p:cNvPr>
+          <p:cNvPicPr>
+            <a:picLocks noChangeAspect="1"/>
+          </p:cNvPicPr>
+          <p:nvPr/>
+        </p:nvPicPr>
+        <p:blipFill>
+          <a:blip r:embed="rId3"/>
+          <a:stretch>
+            <a:fillRect/>
+          </a:stretch>
+        </p:blipFill>
+        <p:spPr>
+          <a:xfrm>
+            <a:off x="6453199" y="2836984"/>
+            <a:ext cx="5141925" cy="3672803"/>
+          </a:xfrm>
+          <a:prstGeom prst="rect">
+            <a:avLst/>
+          </a:prstGeom>
+        </p:spPr>
+      </p:pic>
+    </p:spTree>
+    <p:extLst>
+      <p:ext uri="{BB962C8B-B14F-4D97-AF65-F5344CB8AC3E}">
+        <p14:creationId xmlns:p14="http://schemas.microsoft.com/office/powerpoint/2010/main" val="488040668"/>
+      </p:ext>
+    </p:extLst>
+  </p:cSld>
+  <p:clrMapOvr>
+    <a:masterClrMapping/>
+  </p:clrMapOvr>
+</p:sld>
+</file>
+
 <file path=ppt/theme/theme1.xml><?xml version="1.0" encoding="utf-8"?>
 <a:theme xmlns:a="http://schemas.openxmlformats.org/drawingml/2006/main" name="Celestial">
   <a:themeElements>

--- a/Presentations/NASA/NASA presentation.pptx
+++ b/Presentations/NASA/NASA presentation.pptx
@@ -13,16 +13,18 @@
     <p:sldId id="259" r:id="rId7"/>
     <p:sldId id="261" r:id="rId8"/>
     <p:sldId id="267" r:id="rId9"/>
-    <p:sldId id="268" r:id="rId10"/>
-    <p:sldId id="269" r:id="rId11"/>
-    <p:sldId id="270" r:id="rId12"/>
-    <p:sldId id="273" r:id="rId13"/>
-    <p:sldId id="274" r:id="rId14"/>
-    <p:sldId id="275" r:id="rId15"/>
-    <p:sldId id="272" r:id="rId16"/>
-    <p:sldId id="277" r:id="rId17"/>
-    <p:sldId id="276" r:id="rId18"/>
-    <p:sldId id="278" r:id="rId19"/>
+    <p:sldId id="280" r:id="rId10"/>
+    <p:sldId id="279" r:id="rId11"/>
+    <p:sldId id="268" r:id="rId12"/>
+    <p:sldId id="269" r:id="rId13"/>
+    <p:sldId id="270" r:id="rId14"/>
+    <p:sldId id="273" r:id="rId15"/>
+    <p:sldId id="274" r:id="rId16"/>
+    <p:sldId id="275" r:id="rId17"/>
+    <p:sldId id="272" r:id="rId18"/>
+    <p:sldId id="277" r:id="rId19"/>
+    <p:sldId id="276" r:id="rId20"/>
+    <p:sldId id="278" r:id="rId21"/>
   </p:sldIdLst>
   <p:sldSz cx="12192000" cy="6858000"/>
   <p:notesSz cx="6858000" cy="9144000"/>
@@ -5920,6 +5922,389 @@
           <p:cNvPr id="2" name="Title 1">
             <a:extLst>
               <a:ext uri="{FF2B5EF4-FFF2-40B4-BE49-F238E27FC236}">
+                <a16:creationId xmlns:a16="http://schemas.microsoft.com/office/drawing/2014/main" id="{F794D898-7632-47B8-B25D-6CC0FA70ABC9}"/>
+              </a:ext>
+            </a:extLst>
+          </p:cNvPr>
+          <p:cNvSpPr>
+            <a:spLocks noGrp="1"/>
+          </p:cNvSpPr>
+          <p:nvPr>
+            <p:ph type="title"/>
+          </p:nvPr>
+        </p:nvSpPr>
+        <p:spPr/>
+        <p:txBody>
+          <a:bodyPr/>
+          <a:lstStyle/>
+          <a:p>
+            <a:r>
+              <a:rPr lang="en-US" dirty="0"/>
+              <a:t>Python packages</a:t>
+            </a:r>
+          </a:p>
+        </p:txBody>
+      </p:sp>
+      <p:sp>
+        <p:nvSpPr>
+          <p:cNvPr id="3" name="Content Placeholder 2">
+            <a:extLst>
+              <a:ext uri="{FF2B5EF4-FFF2-40B4-BE49-F238E27FC236}">
+                <a16:creationId xmlns:a16="http://schemas.microsoft.com/office/drawing/2014/main" id="{F55A4FBE-0975-437B-A1BE-2B286C94B51D}"/>
+              </a:ext>
+            </a:extLst>
+          </p:cNvPr>
+          <p:cNvSpPr>
+            <a:spLocks noGrp="1"/>
+          </p:cNvSpPr>
+          <p:nvPr>
+            <p:ph idx="1"/>
+          </p:nvPr>
+        </p:nvSpPr>
+        <p:spPr/>
+        <p:txBody>
+          <a:bodyPr>
+            <a:normAutofit fontScale="92500" lnSpcReduction="20000"/>
+          </a:bodyPr>
+          <a:lstStyle/>
+          <a:p>
+            <a:pPr marL="0" indent="0">
+              <a:buNone/>
+            </a:pPr>
+            <a:r>
+              <a:rPr lang="en-US" sz="2800" b="1" dirty="0"/>
+              <a:t>SciPy</a:t>
+            </a:r>
+          </a:p>
+          <a:p>
+            <a:r>
+              <a:rPr lang="en-US" sz="2800" dirty="0"/>
+              <a:t>	Collection of mathematical algorithms and convenience functions</a:t>
+            </a:r>
+          </a:p>
+          <a:p>
+            <a:r>
+              <a:rPr lang="en-US" sz="2800" dirty="0"/>
+              <a:t>	Supplies commands for manipulating and visualizing data</a:t>
+            </a:r>
+          </a:p>
+          <a:p>
+            <a:pPr marL="0" indent="0">
+              <a:buNone/>
+            </a:pPr>
+            <a:r>
+              <a:rPr lang="en-US" sz="2800" b="1" dirty="0"/>
+              <a:t>Pandas</a:t>
+            </a:r>
+          </a:p>
+          <a:p>
+            <a:r>
+              <a:rPr lang="en-US" sz="2800" dirty="0"/>
+              <a:t>Software library for data manipulation and analysis</a:t>
+            </a:r>
+          </a:p>
+          <a:p>
+            <a:r>
+              <a:rPr lang="en-US" sz="2800" dirty="0"/>
+              <a:t>Data frames</a:t>
+            </a:r>
+          </a:p>
+          <a:p>
+            <a:pPr marL="0" indent="0">
+              <a:buNone/>
+            </a:pPr>
+            <a:r>
+              <a:rPr lang="en-US" sz="2800" b="1" dirty="0" err="1"/>
+              <a:t>Scikit</a:t>
+            </a:r>
+            <a:r>
+              <a:rPr lang="en-US" sz="2800" b="1" dirty="0"/>
+              <a:t>-learn</a:t>
+            </a:r>
+          </a:p>
+          <a:p>
+            <a:r>
+              <a:rPr lang="en-US" sz="2800" dirty="0"/>
+              <a:t>Module for machine learning</a:t>
+            </a:r>
+          </a:p>
+        </p:txBody>
+      </p:sp>
+      <p:pic>
+        <p:nvPicPr>
+          <p:cNvPr id="5" name="Picture 4">
+            <a:extLst>
+              <a:ext uri="{FF2B5EF4-FFF2-40B4-BE49-F238E27FC236}">
+                <a16:creationId xmlns:a16="http://schemas.microsoft.com/office/drawing/2014/main" id="{F1403BC0-E59C-4B06-863E-039B81687442}"/>
+              </a:ext>
+            </a:extLst>
+          </p:cNvPr>
+          <p:cNvPicPr>
+            <a:picLocks noChangeAspect="1"/>
+          </p:cNvPicPr>
+          <p:nvPr/>
+        </p:nvPicPr>
+        <p:blipFill>
+          <a:blip r:embed="rId2">
+            <a:extLst>
+              <a:ext uri="{837473B0-CC2E-450A-ABE3-18F120FF3D39}">
+                <a1611:picAttrSrcUrl xmlns:a1611="http://schemas.microsoft.com/office/drawing/2016/11/main" r:id="rId3"/>
+              </a:ext>
+            </a:extLst>
+          </a:blip>
+          <a:stretch>
+            <a:fillRect/>
+          </a:stretch>
+        </p:blipFill>
+        <p:spPr>
+          <a:xfrm>
+            <a:off x="8163479" y="4072650"/>
+            <a:ext cx="2653747" cy="2653747"/>
+          </a:xfrm>
+          <a:prstGeom prst="rect">
+            <a:avLst/>
+          </a:prstGeom>
+        </p:spPr>
+      </p:pic>
+      <p:sp>
+        <p:nvSpPr>
+          <p:cNvPr id="6" name="TextBox 5">
+            <a:extLst>
+              <a:ext uri="{FF2B5EF4-FFF2-40B4-BE49-F238E27FC236}">
+                <a16:creationId xmlns:a16="http://schemas.microsoft.com/office/drawing/2014/main" id="{810CE2AB-2994-4E2A-93F7-E15A26AFD0FC}"/>
+              </a:ext>
+            </a:extLst>
+          </p:cNvPr>
+          <p:cNvSpPr txBox="1"/>
+          <p:nvPr/>
+        </p:nvSpPr>
+        <p:spPr>
+          <a:xfrm>
+            <a:off x="2667000" y="6858000"/>
+            <a:ext cx="6858000" cy="230832"/>
+          </a:xfrm>
+          <a:prstGeom prst="rect">
+            <a:avLst/>
+          </a:prstGeom>
+          <a:noFill/>
+        </p:spPr>
+        <p:txBody>
+          <a:bodyPr wrap="square" rtlCol="0">
+            <a:spAutoFit/>
+          </a:bodyPr>
+          <a:lstStyle/>
+          <a:p>
+            <a:r>
+              <a:rPr lang="en-US" sz="900">
+                <a:hlinkClick r:id="rId3" tooltip="https://es.wikibooks.org/wiki/Archivo:Python.svg"/>
+              </a:rPr>
+              <a:t>This Photo</a:t>
+            </a:r>
+            <a:r>
+              <a:rPr lang="en-US" sz="900"/>
+              <a:t> by Unknown Author is licensed under </a:t>
+            </a:r>
+            <a:r>
+              <a:rPr lang="en-US" sz="900">
+                <a:hlinkClick r:id="rId4" tooltip="https://creativecommons.org/licenses/by-sa/3.0/"/>
+              </a:rPr>
+              <a:t>CC BY-SA</a:t>
+            </a:r>
+            <a:endParaRPr lang="en-US" sz="900"/>
+          </a:p>
+        </p:txBody>
+      </p:sp>
+    </p:spTree>
+    <p:extLst>
+      <p:ext uri="{BB962C8B-B14F-4D97-AF65-F5344CB8AC3E}">
+        <p14:creationId xmlns:p14="http://schemas.microsoft.com/office/powerpoint/2010/main" val="2295397701"/>
+      </p:ext>
+    </p:extLst>
+  </p:cSld>
+  <p:clrMapOvr>
+    <a:masterClrMapping/>
+  </p:clrMapOvr>
+</p:sld>
+</file>
+
+<file path=ppt/slides/slide11.xml><?xml version="1.0" encoding="utf-8"?>
+<p:sld xmlns:a="http://schemas.openxmlformats.org/drawingml/2006/main" xmlns:r="http://schemas.openxmlformats.org/officeDocument/2006/relationships" xmlns:p="http://schemas.openxmlformats.org/presentationml/2006/main">
+  <p:cSld>
+    <p:spTree>
+      <p:nvGrpSpPr>
+        <p:cNvPr id="1" name=""/>
+        <p:cNvGrpSpPr/>
+        <p:nvPr/>
+      </p:nvGrpSpPr>
+      <p:grpSpPr>
+        <a:xfrm>
+          <a:off x="0" y="0"/>
+          <a:ext cx="0" cy="0"/>
+          <a:chOff x="0" y="0"/>
+          <a:chExt cx="0" cy="0"/>
+        </a:xfrm>
+      </p:grpSpPr>
+      <p:sp>
+        <p:nvSpPr>
+          <p:cNvPr id="2" name="Title 1">
+            <a:extLst>
+              <a:ext uri="{FF2B5EF4-FFF2-40B4-BE49-F238E27FC236}">
+                <a16:creationId xmlns:a16="http://schemas.microsoft.com/office/drawing/2014/main" id="{274D1D42-6501-4EC3-B78B-C75DF9192AA9}"/>
+              </a:ext>
+            </a:extLst>
+          </p:cNvPr>
+          <p:cNvSpPr>
+            <a:spLocks noGrp="1"/>
+          </p:cNvSpPr>
+          <p:nvPr>
+            <p:ph type="title"/>
+          </p:nvPr>
+        </p:nvSpPr>
+        <p:spPr/>
+        <p:txBody>
+          <a:bodyPr/>
+          <a:lstStyle/>
+          <a:p>
+            <a:r>
+              <a:rPr lang="en-US" dirty="0"/>
+              <a:t>Kernel density estimate</a:t>
+            </a:r>
+          </a:p>
+        </p:txBody>
+      </p:sp>
+      <p:sp>
+        <p:nvSpPr>
+          <p:cNvPr id="3" name="Content Placeholder 2">
+            <a:extLst>
+              <a:ext uri="{FF2B5EF4-FFF2-40B4-BE49-F238E27FC236}">
+                <a16:creationId xmlns:a16="http://schemas.microsoft.com/office/drawing/2014/main" id="{EFE1BFAF-3EA6-41CF-85E2-FDA02993B865}"/>
+              </a:ext>
+            </a:extLst>
+          </p:cNvPr>
+          <p:cNvSpPr>
+            <a:spLocks noGrp="1"/>
+          </p:cNvSpPr>
+          <p:nvPr>
+            <p:ph idx="1"/>
+          </p:nvPr>
+        </p:nvSpPr>
+        <p:spPr>
+          <a:xfrm>
+            <a:off x="685801" y="1902916"/>
+            <a:ext cx="10131425" cy="3649133"/>
+          </a:xfrm>
+        </p:spPr>
+        <p:txBody>
+          <a:bodyPr anchor="t">
+            <a:normAutofit/>
+          </a:bodyPr>
+          <a:lstStyle/>
+          <a:p>
+            <a:pPr marL="0" indent="0" algn="ctr">
+              <a:buNone/>
+            </a:pPr>
+            <a:r>
+              <a:rPr lang="en-US" sz="2800" dirty="0"/>
+              <a:t>What is a kernel density estimate?</a:t>
+            </a:r>
+          </a:p>
+        </p:txBody>
+      </p:sp>
+      <p:pic>
+        <p:nvPicPr>
+          <p:cNvPr id="5" name="Picture 4" descr="A close up of a logo&#10;&#10;Description generated with very high confidence">
+            <a:extLst>
+              <a:ext uri="{FF2B5EF4-FFF2-40B4-BE49-F238E27FC236}">
+                <a16:creationId xmlns:a16="http://schemas.microsoft.com/office/drawing/2014/main" id="{0BA16F72-E4FE-4F2F-B523-86CFE32E4060}"/>
+              </a:ext>
+            </a:extLst>
+          </p:cNvPr>
+          <p:cNvPicPr>
+            <a:picLocks noChangeAspect="1"/>
+          </p:cNvPicPr>
+          <p:nvPr/>
+        </p:nvPicPr>
+        <p:blipFill>
+          <a:blip r:embed="rId2"/>
+          <a:stretch>
+            <a:fillRect/>
+          </a:stretch>
+        </p:blipFill>
+        <p:spPr>
+          <a:xfrm>
+            <a:off x="596876" y="2836984"/>
+            <a:ext cx="5473700" cy="3649133"/>
+          </a:xfrm>
+          <a:prstGeom prst="rect">
+            <a:avLst/>
+          </a:prstGeom>
+        </p:spPr>
+      </p:pic>
+      <p:pic>
+        <p:nvPicPr>
+          <p:cNvPr id="7" name="Picture 6" descr="A close up of a map&#10;&#10;Description generated with high confidence">
+            <a:extLst>
+              <a:ext uri="{FF2B5EF4-FFF2-40B4-BE49-F238E27FC236}">
+                <a16:creationId xmlns:a16="http://schemas.microsoft.com/office/drawing/2014/main" id="{8F55BBD7-F704-4938-A869-64AC7E549476}"/>
+              </a:ext>
+            </a:extLst>
+          </p:cNvPr>
+          <p:cNvPicPr>
+            <a:picLocks noChangeAspect="1"/>
+          </p:cNvPicPr>
+          <p:nvPr/>
+        </p:nvPicPr>
+        <p:blipFill>
+          <a:blip r:embed="rId3"/>
+          <a:stretch>
+            <a:fillRect/>
+          </a:stretch>
+        </p:blipFill>
+        <p:spPr>
+          <a:xfrm>
+            <a:off x="6453199" y="2836984"/>
+            <a:ext cx="5141925" cy="3672803"/>
+          </a:xfrm>
+          <a:prstGeom prst="rect">
+            <a:avLst/>
+          </a:prstGeom>
+        </p:spPr>
+      </p:pic>
+    </p:spTree>
+    <p:extLst>
+      <p:ext uri="{BB962C8B-B14F-4D97-AF65-F5344CB8AC3E}">
+        <p14:creationId xmlns:p14="http://schemas.microsoft.com/office/powerpoint/2010/main" val="488040668"/>
+      </p:ext>
+    </p:extLst>
+  </p:cSld>
+  <p:clrMapOvr>
+    <a:masterClrMapping/>
+  </p:clrMapOvr>
+</p:sld>
+</file>
+
+<file path=ppt/slides/slide12.xml><?xml version="1.0" encoding="utf-8"?>
+<p:sld xmlns:a="http://schemas.openxmlformats.org/drawingml/2006/main" xmlns:r="http://schemas.openxmlformats.org/officeDocument/2006/relationships" xmlns:p="http://schemas.openxmlformats.org/presentationml/2006/main">
+  <p:cSld>
+    <p:spTree>
+      <p:nvGrpSpPr>
+        <p:cNvPr id="1" name=""/>
+        <p:cNvGrpSpPr/>
+        <p:nvPr/>
+      </p:nvGrpSpPr>
+      <p:grpSpPr>
+        <a:xfrm>
+          <a:off x="0" y="0"/>
+          <a:ext cx="0" cy="0"/>
+          <a:chOff x="0" y="0"/>
+          <a:chExt cx="0" cy="0"/>
+        </a:xfrm>
+      </p:grpSpPr>
+      <p:sp>
+        <p:nvSpPr>
+          <p:cNvPr id="2" name="Title 1">
+            <a:extLst>
+              <a:ext uri="{FF2B5EF4-FFF2-40B4-BE49-F238E27FC236}">
                 <a16:creationId xmlns:a16="http://schemas.microsoft.com/office/drawing/2014/main" id="{83A7C37E-3A45-4C23-AAC0-0C880C5D5475}"/>
               </a:ext>
             </a:extLst>
@@ -6005,7 +6390,7 @@
       </p:pic>
       <p:pic>
         <p:nvPicPr>
-          <p:cNvPr id="5" name="Picture 4" descr="A close up of a map&#10;&#10;Description generated with high confidence">
+          <p:cNvPr id="5" name="Picture 4">
             <a:extLst>
               <a:ext uri="{FF2B5EF4-FFF2-40B4-BE49-F238E27FC236}">
                 <a16:creationId xmlns:a16="http://schemas.microsoft.com/office/drawing/2014/main" id="{C1E8806A-4DA2-4283-B351-69AF5CCE45E7}"/>
@@ -6026,7 +6411,7 @@
         <p:spPr>
           <a:xfrm>
             <a:off x="4360291" y="1629202"/>
-            <a:ext cx="3471417" cy="2479583"/>
+            <a:ext cx="3471416" cy="2479583"/>
           </a:xfrm>
           <a:prstGeom prst="rect">
             <a:avLst/>
@@ -6035,7 +6420,7 @@
       </p:pic>
       <p:pic>
         <p:nvPicPr>
-          <p:cNvPr id="6" name="Picture 5" descr="A close up of a map&#10;&#10;Description generated with high confidence">
+          <p:cNvPr id="6" name="Picture 5">
             <a:extLst>
               <a:ext uri="{FF2B5EF4-FFF2-40B4-BE49-F238E27FC236}">
                 <a16:creationId xmlns:a16="http://schemas.microsoft.com/office/drawing/2014/main" id="{907BEA22-D4A2-4DD8-AAAA-B72605DE5633}"/>
@@ -6056,7 +6441,7 @@
         <p:spPr>
           <a:xfrm>
             <a:off x="8141632" y="1629202"/>
-            <a:ext cx="3471417" cy="2479583"/>
+            <a:ext cx="3471416" cy="2479583"/>
           </a:xfrm>
           <a:prstGeom prst="rect">
             <a:avLst/>
@@ -6166,7 +6551,7 @@
 </p:sld>
 </file>
 
-<file path=ppt/slides/slide11.xml><?xml version="1.0" encoding="utf-8"?>
+<file path=ppt/slides/slide13.xml><?xml version="1.0" encoding="utf-8"?>
 <p:sld xmlns:a="http://schemas.openxmlformats.org/drawingml/2006/main" xmlns:r="http://schemas.openxmlformats.org/officeDocument/2006/relationships" xmlns:p="http://schemas.openxmlformats.org/presentationml/2006/main">
   <p:cSld>
     <p:bg>
@@ -6383,7 +6768,7 @@
 </p:sld>
 </file>
 
-<file path=ppt/slides/slide12.xml><?xml version="1.0" encoding="utf-8"?>
+<file path=ppt/slides/slide14.xml><?xml version="1.0" encoding="utf-8"?>
 <p:sld xmlns:a="http://schemas.openxmlformats.org/drawingml/2006/main" xmlns:r="http://schemas.openxmlformats.org/officeDocument/2006/relationships" xmlns:p="http://schemas.openxmlformats.org/presentationml/2006/main">
   <p:cSld>
     <p:bg>
@@ -6595,7 +6980,7 @@
 </p:sld>
 </file>
 
-<file path=ppt/slides/slide13.xml><?xml version="1.0" encoding="utf-8"?>
+<file path=ppt/slides/slide15.xml><?xml version="1.0" encoding="utf-8"?>
 <p:sld xmlns:a="http://schemas.openxmlformats.org/drawingml/2006/main" xmlns:r="http://schemas.openxmlformats.org/officeDocument/2006/relationships" xmlns:p="http://schemas.openxmlformats.org/presentationml/2006/main">
   <p:cSld>
     <p:spTree>
@@ -6699,7 +7084,7 @@
 </p:sld>
 </file>
 
-<file path=ppt/slides/slide14.xml><?xml version="1.0" encoding="utf-8"?>
+<file path=ppt/slides/slide16.xml><?xml version="1.0" encoding="utf-8"?>
 <p:sld xmlns:a="http://schemas.openxmlformats.org/drawingml/2006/main" xmlns:r="http://schemas.openxmlformats.org/officeDocument/2006/relationships" xmlns:p="http://schemas.openxmlformats.org/presentationml/2006/main">
   <p:cSld>
     <p:spTree>
@@ -6802,7 +7187,7 @@
 </p:sld>
 </file>
 
-<file path=ppt/slides/slide15.xml><?xml version="1.0" encoding="utf-8"?>
+<file path=ppt/slides/slide17.xml><?xml version="1.0" encoding="utf-8"?>
 <p:sld xmlns:a="http://schemas.openxmlformats.org/drawingml/2006/main" xmlns:r="http://schemas.openxmlformats.org/officeDocument/2006/relationships" xmlns:p="http://schemas.openxmlformats.org/presentationml/2006/main">
   <p:cSld>
     <p:spTree>
@@ -6868,7 +7253,7 @@
             <p:ph idx="1"/>
             <p:extLst>
               <p:ext uri="{D42A27DB-BD31-4B8C-83A1-F6EECF244321}">
-                <p14:modId xmlns:p14="http://schemas.microsoft.com/office/powerpoint/2010/main" val="2313551879"/>
+                <p14:modId xmlns:p14="http://schemas.microsoft.com/office/powerpoint/2010/main" val="1104475355"/>
               </p:ext>
             </p:extLst>
           </p:nvPr>
@@ -7169,7 +7554,7 @@
                       </a:pPr>
                       <a:r>
                         <a:rPr lang="en-US" sz="1750" dirty="0"/>
-                        <a:t>Initial Angle vs Length</a:t>
+                        <a:t>Length vs Initial Angle</a:t>
                       </a:r>
                     </a:p>
                   </a:txBody>
@@ -7322,7 +7707,7 @@
                       </a:pPr>
                       <a:r>
                         <a:rPr lang="en-US" sz="1750" dirty="0"/>
-                        <a:t>Initial Angle vs Initial Stretch</a:t>
+                        <a:t>Initial Stretch vs Initial Angle</a:t>
                       </a:r>
                     </a:p>
                   </a:txBody>
@@ -7604,237 +7989,6 @@
 </p:sld>
 </file>
 
-<file path=ppt/slides/slide16.xml><?xml version="1.0" encoding="utf-8"?>
-<p:sld xmlns:a="http://schemas.openxmlformats.org/drawingml/2006/main" xmlns:r="http://schemas.openxmlformats.org/officeDocument/2006/relationships" xmlns:p="http://schemas.openxmlformats.org/presentationml/2006/main">
-  <p:cSld>
-    <p:spTree>
-      <p:nvGrpSpPr>
-        <p:cNvPr id="1" name=""/>
-        <p:cNvGrpSpPr/>
-        <p:nvPr/>
-      </p:nvGrpSpPr>
-      <p:grpSpPr>
-        <a:xfrm>
-          <a:off x="0" y="0"/>
-          <a:ext cx="0" cy="0"/>
-          <a:chOff x="0" y="0"/>
-          <a:chExt cx="0" cy="0"/>
-        </a:xfrm>
-      </p:grpSpPr>
-      <p:sp>
-        <p:nvSpPr>
-          <p:cNvPr id="2" name="Title 1">
-            <a:extLst>
-              <a:ext uri="{FF2B5EF4-FFF2-40B4-BE49-F238E27FC236}">
-                <a16:creationId xmlns:a16="http://schemas.microsoft.com/office/drawing/2014/main" id="{35F48B41-6578-4441-ACAD-8B6EA156C907}"/>
-              </a:ext>
-            </a:extLst>
-          </p:cNvPr>
-          <p:cNvSpPr>
-            <a:spLocks noGrp="1"/>
-          </p:cNvSpPr>
-          <p:nvPr>
-            <p:ph type="title"/>
-          </p:nvPr>
-        </p:nvSpPr>
-        <p:spPr/>
-        <p:txBody>
-          <a:bodyPr/>
-          <a:lstStyle/>
-          <a:p>
-            <a:r>
-              <a:rPr lang="en-US" dirty="0"/>
-              <a:t>Conclusion</a:t>
-            </a:r>
-          </a:p>
-        </p:txBody>
-      </p:sp>
-      <p:sp>
-        <p:nvSpPr>
-          <p:cNvPr id="3" name="Content Placeholder 2">
-            <a:extLst>
-              <a:ext uri="{FF2B5EF4-FFF2-40B4-BE49-F238E27FC236}">
-                <a16:creationId xmlns:a16="http://schemas.microsoft.com/office/drawing/2014/main" id="{7BA0C9DC-03A2-4E0A-A0B7-369DD69194AB}"/>
-              </a:ext>
-            </a:extLst>
-          </p:cNvPr>
-          <p:cNvSpPr>
-            <a:spLocks noGrp="1"/>
-          </p:cNvSpPr>
-          <p:nvPr>
-            <p:ph idx="1"/>
-          </p:nvPr>
-        </p:nvSpPr>
-        <p:spPr/>
-        <p:txBody>
-          <a:bodyPr>
-            <a:normAutofit fontScale="92500" lnSpcReduction="20000"/>
-          </a:bodyPr>
-          <a:lstStyle/>
-          <a:p>
-            <a:r>
-              <a:rPr lang="en-US" sz="2400" dirty="0"/>
-              <a:t>Able to characterize the motion of a spring pendulum using</a:t>
-            </a:r>
-          </a:p>
-          <a:p>
-            <a:pPr lvl="1"/>
-            <a:r>
-              <a:rPr lang="en-US" sz="2000" dirty="0"/>
-              <a:t>Data Science</a:t>
-            </a:r>
-          </a:p>
-          <a:p>
-            <a:pPr lvl="1"/>
-            <a:r>
-              <a:rPr lang="en-US" sz="2000" dirty="0"/>
-              <a:t>Machine Learning</a:t>
-            </a:r>
-          </a:p>
-          <a:p>
-            <a:pPr lvl="1"/>
-            <a:r>
-              <a:rPr lang="en-US" sz="2000" dirty="0"/>
-              <a:t>Monte Carlo Method</a:t>
-            </a:r>
-          </a:p>
-          <a:p>
-            <a:r>
-              <a:rPr lang="en-US" sz="2400" dirty="0"/>
-              <a:t>Spring pendulum behavior cannot be predicted effectively using a single parameter</a:t>
-            </a:r>
-          </a:p>
-          <a:p>
-            <a:r>
-              <a:rPr lang="en-US" sz="2400" dirty="0"/>
-              <a:t>Conclusions about spring pendulum behavior could be drawn from the KNN, but not the KDE</a:t>
-            </a:r>
-          </a:p>
-          <a:p>
-            <a:r>
-              <a:rPr lang="en-US" sz="2400" dirty="0"/>
-              <a:t>Uniform vs Distance weight methods have no discernible difference</a:t>
-            </a:r>
-          </a:p>
-          <a:p>
-            <a:r>
-              <a:rPr lang="en-US" sz="2400" dirty="0"/>
-              <a:t>Mass and Length together are the best predictors of spring pendulum behavior</a:t>
-            </a:r>
-          </a:p>
-          <a:p>
-            <a:pPr lvl="1"/>
-            <a:endParaRPr lang="en-US" sz="2000" dirty="0"/>
-          </a:p>
-        </p:txBody>
-      </p:sp>
-    </p:spTree>
-    <p:extLst>
-      <p:ext uri="{BB962C8B-B14F-4D97-AF65-F5344CB8AC3E}">
-        <p14:creationId xmlns:p14="http://schemas.microsoft.com/office/powerpoint/2010/main" val="3576590194"/>
-      </p:ext>
-    </p:extLst>
-  </p:cSld>
-  <p:clrMapOvr>
-    <a:masterClrMapping/>
-  </p:clrMapOvr>
-</p:sld>
-</file>
-
-<file path=ppt/slides/slide17.xml><?xml version="1.0" encoding="utf-8"?>
-<p:sld xmlns:a="http://schemas.openxmlformats.org/drawingml/2006/main" xmlns:r="http://schemas.openxmlformats.org/officeDocument/2006/relationships" xmlns:p="http://schemas.openxmlformats.org/presentationml/2006/main">
-  <p:cSld>
-    <p:spTree>
-      <p:nvGrpSpPr>
-        <p:cNvPr id="1" name=""/>
-        <p:cNvGrpSpPr/>
-        <p:nvPr/>
-      </p:nvGrpSpPr>
-      <p:grpSpPr>
-        <a:xfrm>
-          <a:off x="0" y="0"/>
-          <a:ext cx="0" cy="0"/>
-          <a:chOff x="0" y="0"/>
-          <a:chExt cx="0" cy="0"/>
-        </a:xfrm>
-      </p:grpSpPr>
-      <p:sp>
-        <p:nvSpPr>
-          <p:cNvPr id="2" name="Title 1">
-            <a:extLst>
-              <a:ext uri="{FF2B5EF4-FFF2-40B4-BE49-F238E27FC236}">
-                <a16:creationId xmlns:a16="http://schemas.microsoft.com/office/drawing/2014/main" id="{BD772401-9176-455A-9D41-EF73C30CC773}"/>
-              </a:ext>
-            </a:extLst>
-          </p:cNvPr>
-          <p:cNvSpPr>
-            <a:spLocks noGrp="1"/>
-          </p:cNvSpPr>
-          <p:nvPr>
-            <p:ph type="title"/>
-          </p:nvPr>
-        </p:nvSpPr>
-        <p:spPr/>
-        <p:txBody>
-          <a:bodyPr/>
-          <a:lstStyle/>
-          <a:p>
-            <a:r>
-              <a:rPr lang="en-US" dirty="0"/>
-              <a:t>Further investigation</a:t>
-            </a:r>
-          </a:p>
-        </p:txBody>
-      </p:sp>
-      <p:sp>
-        <p:nvSpPr>
-          <p:cNvPr id="3" name="Content Placeholder 2">
-            <a:extLst>
-              <a:ext uri="{FF2B5EF4-FFF2-40B4-BE49-F238E27FC236}">
-                <a16:creationId xmlns:a16="http://schemas.microsoft.com/office/drawing/2014/main" id="{D668238F-A2C3-4FEE-BD69-8D8BEA2D1E0C}"/>
-              </a:ext>
-            </a:extLst>
-          </p:cNvPr>
-          <p:cNvSpPr>
-            <a:spLocks noGrp="1"/>
-          </p:cNvSpPr>
-          <p:nvPr>
-            <p:ph idx="1"/>
-          </p:nvPr>
-        </p:nvSpPr>
-        <p:spPr/>
-        <p:txBody>
-          <a:bodyPr>
-            <a:normAutofit/>
-          </a:bodyPr>
-          <a:lstStyle/>
-          <a:p>
-            <a:r>
-              <a:rPr lang="en-US" sz="2800" dirty="0"/>
-              <a:t>Step sizes, computation time, and error</a:t>
-            </a:r>
-          </a:p>
-          <a:p>
-            <a:r>
-              <a:rPr lang="en-US" sz="2800" dirty="0"/>
-              <a:t>Parallel processing</a:t>
-            </a:r>
-          </a:p>
-        </p:txBody>
-      </p:sp>
-    </p:spTree>
-    <p:extLst>
-      <p:ext uri="{BB962C8B-B14F-4D97-AF65-F5344CB8AC3E}">
-        <p14:creationId xmlns:p14="http://schemas.microsoft.com/office/powerpoint/2010/main" val="4200847154"/>
-      </p:ext>
-    </p:extLst>
-  </p:cSld>
-  <p:clrMapOvr>
-    <a:masterClrMapping/>
-  </p:clrMapOvr>
-</p:sld>
-</file>
-
 <file path=ppt/slides/slide18.xml><?xml version="1.0" encoding="utf-8"?>
 <p:sld xmlns:a="http://schemas.openxmlformats.org/drawingml/2006/main" xmlns:r="http://schemas.openxmlformats.org/officeDocument/2006/relationships" xmlns:p="http://schemas.openxmlformats.org/presentationml/2006/main">
   <p:cSld>
@@ -7857,7 +8011,7 @@
           <p:cNvPr id="2" name="Title 1">
             <a:extLst>
               <a:ext uri="{FF2B5EF4-FFF2-40B4-BE49-F238E27FC236}">
-                <a16:creationId xmlns:a16="http://schemas.microsoft.com/office/drawing/2014/main" id="{F5E9B327-6A46-442C-93BC-F827319CC759}"/>
+                <a16:creationId xmlns:a16="http://schemas.microsoft.com/office/drawing/2014/main" id="{35F48B41-6578-4441-ACAD-8B6EA156C907}"/>
               </a:ext>
             </a:extLst>
           </p:cNvPr>
@@ -7875,7 +8029,7 @@
           <a:p>
             <a:r>
               <a:rPr lang="en-US" dirty="0"/>
-              <a:t>contact</a:t>
+              <a:t>Conclusion</a:t>
             </a:r>
           </a:p>
         </p:txBody>
@@ -7885,7 +8039,7 @@
           <p:cNvPr id="3" name="Content Placeholder 2">
             <a:extLst>
               <a:ext uri="{FF2B5EF4-FFF2-40B4-BE49-F238E27FC236}">
-                <a16:creationId xmlns:a16="http://schemas.microsoft.com/office/drawing/2014/main" id="{530D4F4F-4F36-445F-ABF6-AD5F9A0A23B1}"/>
+                <a16:creationId xmlns:a16="http://schemas.microsoft.com/office/drawing/2014/main" id="{7BA0C9DC-03A2-4E0A-A0B7-369DD69194AB}"/>
               </a:ext>
             </a:extLst>
           </p:cNvPr>
@@ -7899,41 +8053,227 @@
         <p:spPr/>
         <p:txBody>
           <a:bodyPr>
+            <a:normAutofit fontScale="92500" lnSpcReduction="20000"/>
+          </a:bodyPr>
+          <a:lstStyle/>
+          <a:p>
+            <a:r>
+              <a:rPr lang="en-US" sz="2400" dirty="0"/>
+              <a:t>Able to characterize the motion of a spring pendulum using</a:t>
+            </a:r>
+            <a:endParaRPr lang="en-US" sz="2000" dirty="0"/>
+          </a:p>
+          <a:p>
+            <a:pPr lvl="1"/>
+            <a:r>
+              <a:rPr lang="en-US" sz="2000" dirty="0"/>
+              <a:t>Monte Carlo Method</a:t>
+            </a:r>
+          </a:p>
+          <a:p>
+            <a:pPr lvl="1"/>
+            <a:r>
+              <a:rPr lang="en-US" sz="2000" dirty="0"/>
+              <a:t>Data Mining</a:t>
+            </a:r>
+          </a:p>
+          <a:p>
+            <a:pPr lvl="1"/>
+            <a:r>
+              <a:rPr lang="en-US" sz="2000" dirty="0"/>
+              <a:t>Machine Learning</a:t>
+            </a:r>
+          </a:p>
+          <a:p>
+            <a:r>
+              <a:rPr lang="en-US" sz="2400" dirty="0"/>
+              <a:t>Spring pendulum behavior cannot be predicted effectively using a single parameter</a:t>
+            </a:r>
+          </a:p>
+          <a:p>
+            <a:r>
+              <a:rPr lang="en-US" sz="2400" dirty="0"/>
+              <a:t>Conclusions about spring pendulum behavior could be drawn from the KNN, but not the KDE</a:t>
+            </a:r>
+          </a:p>
+          <a:p>
+            <a:r>
+              <a:rPr lang="en-US" sz="2400" dirty="0"/>
+              <a:t>Uniform vs Distance weight methods have no discernible difference</a:t>
+            </a:r>
+          </a:p>
+          <a:p>
+            <a:r>
+              <a:rPr lang="en-US" sz="2400" dirty="0"/>
+              <a:t>Mass and Length together are the best predictors of spring pendulum behavior</a:t>
+            </a:r>
+          </a:p>
+          <a:p>
+            <a:pPr lvl="1"/>
+            <a:endParaRPr lang="en-US" sz="2000" dirty="0"/>
+          </a:p>
+        </p:txBody>
+      </p:sp>
+    </p:spTree>
+    <p:extLst>
+      <p:ext uri="{BB962C8B-B14F-4D97-AF65-F5344CB8AC3E}">
+        <p14:creationId xmlns:p14="http://schemas.microsoft.com/office/powerpoint/2010/main" val="3576590194"/>
+      </p:ext>
+    </p:extLst>
+  </p:cSld>
+  <p:clrMapOvr>
+    <a:masterClrMapping/>
+  </p:clrMapOvr>
+</p:sld>
+</file>
+
+<file path=ppt/slides/slide19.xml><?xml version="1.0" encoding="utf-8"?>
+<p:sld xmlns:a="http://schemas.openxmlformats.org/drawingml/2006/main" xmlns:r="http://schemas.openxmlformats.org/officeDocument/2006/relationships" xmlns:p="http://schemas.openxmlformats.org/presentationml/2006/main">
+  <p:cSld>
+    <p:spTree>
+      <p:nvGrpSpPr>
+        <p:cNvPr id="1" name=""/>
+        <p:cNvGrpSpPr/>
+        <p:nvPr/>
+      </p:nvGrpSpPr>
+      <p:grpSpPr>
+        <a:xfrm>
+          <a:off x="0" y="0"/>
+          <a:ext cx="0" cy="0"/>
+          <a:chOff x="0" y="0"/>
+          <a:chExt cx="0" cy="0"/>
+        </a:xfrm>
+      </p:grpSpPr>
+      <p:sp>
+        <p:nvSpPr>
+          <p:cNvPr id="2" name="Title 1">
+            <a:extLst>
+              <a:ext uri="{FF2B5EF4-FFF2-40B4-BE49-F238E27FC236}">
+                <a16:creationId xmlns:a16="http://schemas.microsoft.com/office/drawing/2014/main" id="{BD772401-9176-455A-9D41-EF73C30CC773}"/>
+              </a:ext>
+            </a:extLst>
+          </p:cNvPr>
+          <p:cNvSpPr>
+            <a:spLocks noGrp="1"/>
+          </p:cNvSpPr>
+          <p:nvPr>
+            <p:ph type="title"/>
+          </p:nvPr>
+        </p:nvSpPr>
+        <p:spPr/>
+        <p:txBody>
+          <a:bodyPr/>
+          <a:lstStyle/>
+          <a:p>
+            <a:r>
+              <a:rPr lang="en-US" dirty="0"/>
+              <a:t>Further investigation</a:t>
+            </a:r>
+          </a:p>
+        </p:txBody>
+      </p:sp>
+      <p:sp>
+        <p:nvSpPr>
+          <p:cNvPr id="3" name="Content Placeholder 2">
+            <a:extLst>
+              <a:ext uri="{FF2B5EF4-FFF2-40B4-BE49-F238E27FC236}">
+                <a16:creationId xmlns:a16="http://schemas.microsoft.com/office/drawing/2014/main" id="{D668238F-A2C3-4FEE-BD69-8D8BEA2D1E0C}"/>
+              </a:ext>
+            </a:extLst>
+          </p:cNvPr>
+          <p:cNvSpPr>
+            <a:spLocks noGrp="1"/>
+          </p:cNvSpPr>
+          <p:nvPr>
+            <p:ph idx="1"/>
+          </p:nvPr>
+        </p:nvSpPr>
+        <p:spPr/>
+        <p:txBody>
+          <a:bodyPr>
             <a:normAutofit/>
           </a:bodyPr>
           <a:lstStyle/>
           <a:p>
             <a:r>
-              <a:rPr lang="en-US" sz="3200" dirty="0"/>
-              <a:t>Dawn Sargent </a:t>
-            </a:r>
-          </a:p>
-          <a:p>
-            <a:pPr lvl="1"/>
-            <a:r>
               <a:rPr lang="en-US" sz="2800" dirty="0"/>
-              <a:t>dsargent@students.fairmontstate.edu</a:t>
-            </a:r>
-          </a:p>
-          <a:p>
-            <a:r>
-              <a:rPr lang="en-US" sz="3200" dirty="0"/>
-              <a:t>Mattison Johnson</a:t>
-            </a:r>
-          </a:p>
-          <a:p>
-            <a:pPr lvl="1"/>
+              <a:t>Step sizes, computation time</a:t>
+            </a:r>
+          </a:p>
+          <a:p>
             <a:r>
               <a:rPr lang="en-US" sz="2800" dirty="0"/>
-              <a:t>mjohnson57@students.fairmontstate.edu</a:t>
-            </a:r>
-          </a:p>
-        </p:txBody>
-      </p:sp>
+              <a:t>Error</a:t>
+            </a:r>
+          </a:p>
+          <a:p>
+            <a:r>
+              <a:rPr lang="en-US" sz="2800" dirty="0"/>
+              <a:t>Parallel processing</a:t>
+            </a:r>
+          </a:p>
+          <a:p>
+            <a:r>
+              <a:rPr lang="en-US" sz="2800" dirty="0"/>
+              <a:t>Other machine learning methods</a:t>
+            </a:r>
+          </a:p>
+        </p:txBody>
+      </p:sp>
+      <p:pic>
+        <p:nvPicPr>
+          <p:cNvPr id="5" name="Picture 4">
+            <a:extLst>
+              <a:ext uri="{FF2B5EF4-FFF2-40B4-BE49-F238E27FC236}">
+                <a16:creationId xmlns:a16="http://schemas.microsoft.com/office/drawing/2014/main" id="{1843A86D-9DFA-4EA5-9520-1C1501520A9E}"/>
+              </a:ext>
+            </a:extLst>
+          </p:cNvPr>
+          <p:cNvPicPr>
+            <a:picLocks noChangeAspect="1"/>
+          </p:cNvPicPr>
+          <p:nvPr/>
+        </p:nvPicPr>
+        <p:blipFill>
+          <a:blip r:embed="rId2">
+            <a:extLst>
+              <a:ext uri="{837473B0-CC2E-450A-ABE3-18F120FF3D39}">
+                <a1611:picAttrSrcUrl xmlns:a1611="http://schemas.microsoft.com/office/drawing/2016/11/main" r:id="rId3"/>
+              </a:ext>
+            </a:extLst>
+          </a:blip>
+          <a:stretch>
+            <a:fillRect/>
+          </a:stretch>
+        </p:blipFill>
+        <p:spPr>
+          <a:xfrm>
+            <a:off x="7719530" y="2305141"/>
+            <a:ext cx="3322983" cy="3322983"/>
+          </a:xfrm>
+          <a:prstGeom prst="rect">
+            <a:avLst/>
+          </a:prstGeom>
+          <a:ln w="38100" cap="sq">
+            <a:solidFill>
+              <a:srgbClr val="000000"/>
+            </a:solidFill>
+            <a:prstDash val="solid"/>
+            <a:miter lim="800000"/>
+          </a:ln>
+          <a:effectLst>
+            <a:outerShdw blurRad="50800" dist="38100" dir="2700000" algn="tl" rotWithShape="0">
+              <a:srgbClr val="000000">
+                <a:alpha val="43000"/>
+              </a:srgbClr>
+            </a:outerShdw>
+          </a:effectLst>
+        </p:spPr>
+      </p:pic>
     </p:spTree>
     <p:extLst>
       <p:ext uri="{BB962C8B-B14F-4D97-AF65-F5344CB8AC3E}">
-        <p14:creationId xmlns:p14="http://schemas.microsoft.com/office/powerpoint/2010/main" val="2801336847"/>
+        <p14:creationId xmlns:p14="http://schemas.microsoft.com/office/powerpoint/2010/main" val="4200847154"/>
       </p:ext>
     </p:extLst>
   </p:cSld>
@@ -8308,6 +8648,155 @@
 </p:sld>
 </file>
 
+<file path=ppt/slides/slide20.xml><?xml version="1.0" encoding="utf-8"?>
+<p:sld xmlns:a="http://schemas.openxmlformats.org/drawingml/2006/main" xmlns:r="http://schemas.openxmlformats.org/officeDocument/2006/relationships" xmlns:p="http://schemas.openxmlformats.org/presentationml/2006/main">
+  <p:cSld>
+    <p:spTree>
+      <p:nvGrpSpPr>
+        <p:cNvPr id="1" name=""/>
+        <p:cNvGrpSpPr/>
+        <p:nvPr/>
+      </p:nvGrpSpPr>
+      <p:grpSpPr>
+        <a:xfrm>
+          <a:off x="0" y="0"/>
+          <a:ext cx="0" cy="0"/>
+          <a:chOff x="0" y="0"/>
+          <a:chExt cx="0" cy="0"/>
+        </a:xfrm>
+      </p:grpSpPr>
+      <p:sp>
+        <p:nvSpPr>
+          <p:cNvPr id="2" name="Title 1">
+            <a:extLst>
+              <a:ext uri="{FF2B5EF4-FFF2-40B4-BE49-F238E27FC236}">
+                <a16:creationId xmlns:a16="http://schemas.microsoft.com/office/drawing/2014/main" id="{F5E9B327-6A46-442C-93BC-F827319CC759}"/>
+              </a:ext>
+            </a:extLst>
+          </p:cNvPr>
+          <p:cNvSpPr>
+            <a:spLocks noGrp="1"/>
+          </p:cNvSpPr>
+          <p:nvPr>
+            <p:ph type="title"/>
+          </p:nvPr>
+        </p:nvSpPr>
+        <p:spPr/>
+        <p:txBody>
+          <a:bodyPr/>
+          <a:lstStyle/>
+          <a:p>
+            <a:r>
+              <a:rPr lang="en-US" dirty="0"/>
+              <a:t>contact</a:t>
+            </a:r>
+          </a:p>
+        </p:txBody>
+      </p:sp>
+      <p:sp>
+        <p:nvSpPr>
+          <p:cNvPr id="3" name="Content Placeholder 2">
+            <a:extLst>
+              <a:ext uri="{FF2B5EF4-FFF2-40B4-BE49-F238E27FC236}">
+                <a16:creationId xmlns:a16="http://schemas.microsoft.com/office/drawing/2014/main" id="{530D4F4F-4F36-445F-ABF6-AD5F9A0A23B1}"/>
+              </a:ext>
+            </a:extLst>
+          </p:cNvPr>
+          <p:cNvSpPr>
+            <a:spLocks noGrp="1"/>
+          </p:cNvSpPr>
+          <p:nvPr>
+            <p:ph idx="1"/>
+          </p:nvPr>
+        </p:nvSpPr>
+        <p:spPr>
+          <a:xfrm>
+            <a:off x="685800" y="1604433"/>
+            <a:ext cx="10131425" cy="3649133"/>
+          </a:xfrm>
+        </p:spPr>
+        <p:txBody>
+          <a:bodyPr>
+            <a:normAutofit/>
+          </a:bodyPr>
+          <a:lstStyle/>
+          <a:p>
+            <a:r>
+              <a:rPr lang="en-US" sz="3200" dirty="0"/>
+              <a:t>Dawn Sargent </a:t>
+            </a:r>
+          </a:p>
+          <a:p>
+            <a:pPr lvl="1"/>
+            <a:r>
+              <a:rPr lang="en-US" sz="2800" dirty="0"/>
+              <a:t>dsargent@students.fairmontstate.edu</a:t>
+            </a:r>
+          </a:p>
+          <a:p>
+            <a:r>
+              <a:rPr lang="en-US" sz="3200" dirty="0"/>
+              <a:t>Mattison Johnson</a:t>
+            </a:r>
+          </a:p>
+          <a:p>
+            <a:pPr lvl="1"/>
+            <a:r>
+              <a:rPr lang="en-US" sz="2800" dirty="0"/>
+              <a:t>mjohnson57@students.fairmontstate.edu</a:t>
+            </a:r>
+          </a:p>
+        </p:txBody>
+      </p:sp>
+      <p:pic>
+        <p:nvPicPr>
+          <p:cNvPr id="5" name="Picture 4">
+            <a:extLst>
+              <a:ext uri="{FF2B5EF4-FFF2-40B4-BE49-F238E27FC236}">
+                <a16:creationId xmlns:a16="http://schemas.microsoft.com/office/drawing/2014/main" id="{93E67143-FD36-4272-85FF-A8516CBE93FC}"/>
+              </a:ext>
+            </a:extLst>
+          </p:cNvPr>
+          <p:cNvPicPr>
+            <a:picLocks noChangeAspect="1"/>
+          </p:cNvPicPr>
+          <p:nvPr/>
+        </p:nvPicPr>
+        <p:blipFill>
+          <a:blip r:embed="rId2">
+            <a:extLst>
+              <a:ext uri="{837473B0-CC2E-450A-ABE3-18F120FF3D39}">
+                <a1611:picAttrSrcUrl xmlns:a1611="http://schemas.microsoft.com/office/drawing/2016/11/main" r:id="rId3"/>
+              </a:ext>
+            </a:extLst>
+          </a:blip>
+          <a:stretch>
+            <a:fillRect/>
+          </a:stretch>
+        </p:blipFill>
+        <p:spPr>
+          <a:xfrm>
+            <a:off x="7977809" y="1664804"/>
+            <a:ext cx="3528390" cy="3528390"/>
+          </a:xfrm>
+          <a:prstGeom prst="rect">
+            <a:avLst/>
+          </a:prstGeom>
+        </p:spPr>
+      </p:pic>
+    </p:spTree>
+    <p:extLst>
+      <p:ext uri="{BB962C8B-B14F-4D97-AF65-F5344CB8AC3E}">
+        <p14:creationId xmlns:p14="http://schemas.microsoft.com/office/powerpoint/2010/main" val="2801336847"/>
+      </p:ext>
+    </p:extLst>
+  </p:cSld>
+  <p:clrMapOvr>
+    <a:masterClrMapping/>
+  </p:clrMapOvr>
+</p:sld>
+</file>
+
 <file path=ppt/slides/slide3.xml><?xml version="1.0" encoding="utf-8"?>
 <p:sld xmlns:a="http://schemas.openxmlformats.org/drawingml/2006/main" xmlns:r="http://schemas.openxmlformats.org/officeDocument/2006/relationships" xmlns:p="http://schemas.openxmlformats.org/presentationml/2006/main">
   <p:cSld>
@@ -8650,13 +9139,7 @@
           <a:p>
             <a:r>
               <a:rPr lang="en-US" sz="2400" dirty="0"/>
-              <a:t>Identifies meaningful ranges for each parameter</a:t>
-            </a:r>
-          </a:p>
-          <a:p>
-            <a:r>
-              <a:rPr lang="en-US" sz="2400" dirty="0"/>
-              <a:t>Algorithm randomly chooses from each range</a:t>
+              <a:t>After we identify meaningful ranges for each parameter, the algorithm randomly chooses from each range</a:t>
             </a:r>
           </a:p>
           <a:p>
@@ -8670,6 +9153,12 @@
             <a:r>
               <a:rPr lang="en-US" sz="2000" dirty="0"/>
               <a:t>Law of Large Numbers</a:t>
+            </a:r>
+          </a:p>
+          <a:p>
+            <a:r>
+              <a:rPr lang="en-US" sz="2200" dirty="0"/>
+              <a:t>Find needed probabilities “empirically”</a:t>
             </a:r>
           </a:p>
         </p:txBody>
@@ -10343,7 +10832,7 @@
           <a:graphicData uri="http://schemas.openxmlformats.org/presentationml/2006/ole">
             <mc:AlternateContent xmlns:mc="http://schemas.openxmlformats.org/markup-compatibility/2006">
               <mc:Choice xmlns:v="urn:schemas-microsoft-com:vml" Requires="v">
-                <p:oleObj spid="_x0000_s2122" name="Equation" r:id="rId3" imgW="2603160" imgH="1422360" progId="Equation.DSMT4">
+                <p:oleObj spid="_x0000_s2126" name="Equation" r:id="rId3" imgW="2603160" imgH="1422360" progId="Equation.DSMT4">
                   <p:embed/>
                 </p:oleObj>
               </mc:Choice>
@@ -10412,7 +10901,7 @@
           <a:graphicData uri="http://schemas.openxmlformats.org/presentationml/2006/ole">
             <mc:AlternateContent xmlns:mc="http://schemas.openxmlformats.org/markup-compatibility/2006">
               <mc:Choice xmlns:v="urn:schemas-microsoft-com:vml" Requires="v">
-                <p:oleObj spid="_x0000_s2123" name="Equation" r:id="rId5" imgW="457200" imgH="914400" progId="Equation.DSMT4">
+                <p:oleObj spid="_x0000_s2127" name="Equation" r:id="rId5" imgW="457200" imgH="914400" progId="Equation.DSMT4">
                   <p:embed/>
                 </p:oleObj>
               </mc:Choice>
@@ -12554,7 +13043,7 @@
           <p:cNvPr id="2" name="Title 1">
             <a:extLst>
               <a:ext uri="{FF2B5EF4-FFF2-40B4-BE49-F238E27FC236}">
-                <a16:creationId xmlns:a16="http://schemas.microsoft.com/office/drawing/2014/main" id="{274D1D42-6501-4EC3-B78B-C75DF9192AA9}"/>
+                <a16:creationId xmlns:a16="http://schemas.microsoft.com/office/drawing/2014/main" id="{FDE204EA-340B-46CD-81DC-2604BA069918}"/>
               </a:ext>
             </a:extLst>
           </p:cNvPr>
@@ -12572,113 +13061,67 @@
           <a:p>
             <a:r>
               <a:rPr lang="en-US" dirty="0"/>
-              <a:t>Kernel density estimate</a:t>
-            </a:r>
-          </a:p>
-        </p:txBody>
-      </p:sp>
-      <p:sp>
-        <p:nvSpPr>
-          <p:cNvPr id="3" name="Content Placeholder 2">
+              <a:t>Data analysis</a:t>
+            </a:r>
+          </a:p>
+        </p:txBody>
+      </p:sp>
+      <p:pic>
+        <p:nvPicPr>
+          <p:cNvPr id="5" name="Content Placeholder 4">
             <a:extLst>
               <a:ext uri="{FF2B5EF4-FFF2-40B4-BE49-F238E27FC236}">
-                <a16:creationId xmlns:a16="http://schemas.microsoft.com/office/drawing/2014/main" id="{EFE1BFAF-3EA6-41CF-85E2-FDA02993B865}"/>
-              </a:ext>
-            </a:extLst>
-          </p:cNvPr>
-          <p:cNvSpPr>
-            <a:spLocks noGrp="1"/>
-          </p:cNvSpPr>
-          <p:nvPr>
-            <p:ph idx="1"/>
-          </p:nvPr>
-        </p:nvSpPr>
-        <p:spPr>
-          <a:xfrm>
-            <a:off x="685801" y="1902916"/>
-            <a:ext cx="10131425" cy="3649133"/>
-          </a:xfrm>
-        </p:spPr>
-        <p:txBody>
-          <a:bodyPr anchor="t">
-            <a:normAutofit/>
-          </a:bodyPr>
-          <a:lstStyle/>
-          <a:p>
-            <a:pPr marL="0" indent="0" algn="ctr">
-              <a:buNone/>
-            </a:pPr>
-            <a:r>
-              <a:rPr lang="en-US" sz="2800" dirty="0"/>
-              <a:t>What is a kernel density estimate?</a:t>
-            </a:r>
-          </a:p>
-        </p:txBody>
-      </p:sp>
-      <p:pic>
-        <p:nvPicPr>
-          <p:cNvPr id="5" name="Picture 4" descr="A close up of a logo&#10;&#10;Description generated with very high confidence">
-            <a:extLst>
-              <a:ext uri="{FF2B5EF4-FFF2-40B4-BE49-F238E27FC236}">
-                <a16:creationId xmlns:a16="http://schemas.microsoft.com/office/drawing/2014/main" id="{0BA16F72-E4FE-4F2F-B523-86CFE32E4060}"/>
+                <a16:creationId xmlns:a16="http://schemas.microsoft.com/office/drawing/2014/main" id="{4C87D69A-C208-4517-A98C-439556DEBD86}"/>
               </a:ext>
             </a:extLst>
           </p:cNvPr>
           <p:cNvPicPr>
-            <a:picLocks noChangeAspect="1"/>
+            <a:picLocks noGrp="1" noChangeAspect="1"/>
           </p:cNvPicPr>
-          <p:nvPr/>
+          <p:nvPr>
+            <p:ph idx="1"/>
+          </p:nvPr>
         </p:nvPicPr>
         <p:blipFill>
-          <a:blip r:embed="rId2"/>
+          <a:blip r:embed="rId2">
+            <a:extLst>
+              <a:ext uri="{837473B0-CC2E-450A-ABE3-18F120FF3D39}">
+                <a1611:picAttrSrcUrl xmlns:a1611="http://schemas.microsoft.com/office/drawing/2016/11/main" r:id="rId3"/>
+              </a:ext>
+            </a:extLst>
+          </a:blip>
           <a:stretch>
             <a:fillRect/>
           </a:stretch>
         </p:blipFill>
         <p:spPr>
           <a:xfrm>
-            <a:off x="596876" y="2836984"/>
-            <a:ext cx="5473700" cy="3649133"/>
+            <a:off x="2873158" y="2065867"/>
+            <a:ext cx="6445684" cy="4182533"/>
           </a:xfrm>
           <a:prstGeom prst="rect">
             <a:avLst/>
           </a:prstGeom>
-        </p:spPr>
-      </p:pic>
-      <p:pic>
-        <p:nvPicPr>
-          <p:cNvPr id="7" name="Picture 6" descr="A close up of a map&#10;&#10;Description generated with high confidence">
-            <a:extLst>
-              <a:ext uri="{FF2B5EF4-FFF2-40B4-BE49-F238E27FC236}">
-                <a16:creationId xmlns:a16="http://schemas.microsoft.com/office/drawing/2014/main" id="{8F55BBD7-F704-4938-A869-64AC7E549476}"/>
-              </a:ext>
-            </a:extLst>
-          </p:cNvPr>
-          <p:cNvPicPr>
-            <a:picLocks noChangeAspect="1"/>
-          </p:cNvPicPr>
-          <p:nvPr/>
-        </p:nvPicPr>
-        <p:blipFill>
-          <a:blip r:embed="rId3"/>
-          <a:stretch>
-            <a:fillRect/>
-          </a:stretch>
-        </p:blipFill>
-        <p:spPr>
-          <a:xfrm>
-            <a:off x="6453199" y="2836984"/>
-            <a:ext cx="5141925" cy="3672803"/>
-          </a:xfrm>
-          <a:prstGeom prst="rect">
-            <a:avLst/>
-          </a:prstGeom>
+          <a:ln w="38100" cap="sq">
+            <a:solidFill>
+              <a:srgbClr val="000000"/>
+            </a:solidFill>
+            <a:prstDash val="solid"/>
+            <a:miter lim="800000"/>
+          </a:ln>
+          <a:effectLst>
+            <a:outerShdw blurRad="50800" dist="38100" dir="2700000" algn="tl" rotWithShape="0">
+              <a:srgbClr val="000000">
+                <a:alpha val="43000"/>
+              </a:srgbClr>
+            </a:outerShdw>
+          </a:effectLst>
         </p:spPr>
       </p:pic>
     </p:spTree>
     <p:extLst>
       <p:ext uri="{BB962C8B-B14F-4D97-AF65-F5344CB8AC3E}">
-        <p14:creationId xmlns:p14="http://schemas.microsoft.com/office/powerpoint/2010/main" val="488040668"/>
+        <p14:creationId xmlns:p14="http://schemas.microsoft.com/office/powerpoint/2010/main" val="3023206811"/>
       </p:ext>
     </p:extLst>
   </p:cSld>

--- a/Presentations/NASA/NASA presentation.pptx
+++ b/Presentations/NASA/NASA presentation.pptx
@@ -372,7 +372,7 @@
             <a:fld id="{B61BEF0D-F0BB-DE4B-95CE-6DB70DBA9567}" type="datetimeFigureOut">
               <a:rPr lang="en-US" dirty="0"/>
               <a:pPr/>
-              <a:t>5/11/2018</a:t>
+              <a:t>5/14/2018</a:t>
             </a:fld>
             <a:endParaRPr lang="en-US" dirty="0"/>
           </a:p>
@@ -703,7 +703,7 @@
             <a:fld id="{B61BEF0D-F0BB-DE4B-95CE-6DB70DBA9567}" type="datetimeFigureOut">
               <a:rPr lang="en-US" dirty="0"/>
               <a:pPr/>
-              <a:t>5/11/2018</a:t>
+              <a:t>5/14/2018</a:t>
             </a:fld>
             <a:endParaRPr lang="en-US" dirty="0"/>
           </a:p>
@@ -978,7 +978,7 @@
             <a:fld id="{B61BEF0D-F0BB-DE4B-95CE-6DB70DBA9567}" type="datetimeFigureOut">
               <a:rPr lang="en-US" dirty="0"/>
               <a:pPr/>
-              <a:t>5/11/2018</a:t>
+              <a:t>5/14/2018</a:t>
             </a:fld>
             <a:endParaRPr lang="en-US" dirty="0"/>
           </a:p>
@@ -1543,7 +1543,7 @@
             <a:fld id="{B61BEF0D-F0BB-DE4B-95CE-6DB70DBA9567}" type="datetimeFigureOut">
               <a:rPr lang="en-US" dirty="0"/>
               <a:pPr/>
-              <a:t>5/11/2018</a:t>
+              <a:t>5/14/2018</a:t>
             </a:fld>
             <a:endParaRPr lang="en-US" dirty="0"/>
           </a:p>
@@ -1818,7 +1818,7 @@
             <a:fld id="{B61BEF0D-F0BB-DE4B-95CE-6DB70DBA9567}" type="datetimeFigureOut">
               <a:rPr lang="en-US" dirty="0"/>
               <a:pPr/>
-              <a:t>5/11/2018</a:t>
+              <a:t>5/14/2018</a:t>
             </a:fld>
             <a:endParaRPr lang="en-US" dirty="0"/>
           </a:p>
@@ -2377,7 +2377,7 @@
             <a:fld id="{B61BEF0D-F0BB-DE4B-95CE-6DB70DBA9567}" type="datetimeFigureOut">
               <a:rPr lang="en-US" dirty="0"/>
               <a:pPr/>
-              <a:t>5/11/2018</a:t>
+              <a:t>5/14/2018</a:t>
             </a:fld>
             <a:endParaRPr lang="en-US" dirty="0"/>
           </a:p>
@@ -2701,7 +2701,7 @@
             <a:fld id="{B61BEF0D-F0BB-DE4B-95CE-6DB70DBA9567}" type="datetimeFigureOut">
               <a:rPr lang="en-US" dirty="0"/>
               <a:pPr/>
-              <a:t>5/11/2018</a:t>
+              <a:t>5/14/2018</a:t>
             </a:fld>
             <a:endParaRPr lang="en-US" dirty="0"/>
           </a:p>
@@ -2875,7 +2875,7 @@
             <a:fld id="{B61BEF0D-F0BB-DE4B-95CE-6DB70DBA9567}" type="datetimeFigureOut">
               <a:rPr lang="en-US" dirty="0"/>
               <a:pPr/>
-              <a:t>5/11/2018</a:t>
+              <a:t>5/14/2018</a:t>
             </a:fld>
             <a:endParaRPr lang="en-US" dirty="0"/>
           </a:p>
@@ -3110,7 +3110,7 @@
             <a:fld id="{B61BEF0D-F0BB-DE4B-95CE-6DB70DBA9567}" type="datetimeFigureOut">
               <a:rPr lang="en-US" dirty="0"/>
               <a:pPr/>
-              <a:t>5/11/2018</a:t>
+              <a:t>5/14/2018</a:t>
             </a:fld>
             <a:endParaRPr lang="en-US" dirty="0"/>
           </a:p>
@@ -3307,7 +3307,7 @@
             <a:fld id="{B61BEF0D-F0BB-DE4B-95CE-6DB70DBA9567}" type="datetimeFigureOut">
               <a:rPr lang="en-US" dirty="0"/>
               <a:pPr/>
-              <a:t>5/11/2018</a:t>
+              <a:t>5/14/2018</a:t>
             </a:fld>
             <a:endParaRPr lang="en-US" dirty="0"/>
           </a:p>
@@ -3580,7 +3580,7 @@
             <a:fld id="{B61BEF0D-F0BB-DE4B-95CE-6DB70DBA9567}" type="datetimeFigureOut">
               <a:rPr lang="en-US" dirty="0"/>
               <a:pPr/>
-              <a:t>5/11/2018</a:t>
+              <a:t>5/14/2018</a:t>
             </a:fld>
             <a:endParaRPr lang="en-US" dirty="0"/>
           </a:p>
@@ -3843,7 +3843,7 @@
             <a:fld id="{B61BEF0D-F0BB-DE4B-95CE-6DB70DBA9567}" type="datetimeFigureOut">
               <a:rPr lang="en-US" dirty="0"/>
               <a:pPr/>
-              <a:t>5/11/2018</a:t>
+              <a:t>5/14/2018</a:t>
             </a:fld>
             <a:endParaRPr lang="en-US" dirty="0"/>
           </a:p>
@@ -4214,7 +4214,7 @@
             <a:fld id="{B61BEF0D-F0BB-DE4B-95CE-6DB70DBA9567}" type="datetimeFigureOut">
               <a:rPr lang="en-US" dirty="0"/>
               <a:pPr/>
-              <a:t>5/11/2018</a:t>
+              <a:t>5/14/2018</a:t>
             </a:fld>
             <a:endParaRPr lang="en-US" dirty="0"/>
           </a:p>
@@ -4359,7 +4359,7 @@
             <a:fld id="{B61BEF0D-F0BB-DE4B-95CE-6DB70DBA9567}" type="datetimeFigureOut">
               <a:rPr lang="en-US" dirty="0"/>
               <a:pPr/>
-              <a:t>5/11/2018</a:t>
+              <a:t>5/14/2018</a:t>
             </a:fld>
             <a:endParaRPr lang="en-US" dirty="0"/>
           </a:p>
@@ -4481,7 +4481,7 @@
             <a:fld id="{B61BEF0D-F0BB-DE4B-95CE-6DB70DBA9567}" type="datetimeFigureOut">
               <a:rPr lang="en-US" dirty="0"/>
               <a:pPr/>
-              <a:t>5/11/2018</a:t>
+              <a:t>5/14/2018</a:t>
             </a:fld>
             <a:endParaRPr lang="en-US" dirty="0"/>
           </a:p>
@@ -4763,7 +4763,7 @@
             <a:fld id="{B61BEF0D-F0BB-DE4B-95CE-6DB70DBA9567}" type="datetimeFigureOut">
               <a:rPr lang="en-US" dirty="0"/>
               <a:pPr/>
-              <a:t>5/11/2018</a:t>
+              <a:t>5/14/2018</a:t>
             </a:fld>
             <a:endParaRPr lang="en-US" dirty="0"/>
           </a:p>
@@ -5084,7 +5084,7 @@
             <a:fld id="{B61BEF0D-F0BB-DE4B-95CE-6DB70DBA9567}" type="datetimeFigureOut">
               <a:rPr lang="en-US" dirty="0"/>
               <a:pPr/>
-              <a:t>5/11/2018</a:t>
+              <a:t>5/14/2018</a:t>
             </a:fld>
             <a:endParaRPr lang="en-US" dirty="0"/>
           </a:p>
@@ -5295,7 +5295,7 @@
             <a:fld id="{B61BEF0D-F0BB-DE4B-95CE-6DB70DBA9567}" type="datetimeFigureOut">
               <a:rPr lang="en-US" dirty="0"/>
               <a:pPr/>
-              <a:t>5/11/2018</a:t>
+              <a:t>5/14/2018</a:t>
             </a:fld>
             <a:endParaRPr lang="en-US" dirty="0"/>
           </a:p>
@@ -6014,12 +6014,8 @@
               <a:buNone/>
             </a:pPr>
             <a:r>
-              <a:rPr lang="en-US" sz="2800" b="1" dirty="0" err="1"/>
-              <a:t>Scikit</a:t>
-            </a:r>
-            <a:r>
               <a:rPr lang="en-US" sz="2800" b="1" dirty="0"/>
-              <a:t>-learn</a:t>
+              <a:t>Scikit-learn</a:t>
             </a:r>
           </a:p>
           <a:p>
@@ -6048,7 +6044,7 @@
           <a:blip r:embed="rId2">
             <a:extLst>
               <a:ext uri="{837473B0-CC2E-450A-ABE3-18F120FF3D39}">
-                <a1611:picAttrSrcUrl xmlns:a1611="http://schemas.microsoft.com/office/drawing/2016/11/main" r:id="rId3"/>
+                <a1611:picAttrSrcUrl xmlns:a1611="http://schemas.microsoft.com/office/drawing/2016/11/main" xmlns="" r:id="rId3"/>
               </a:ext>
             </a:extLst>
           </a:blip>
@@ -6587,7 +6583,7 @@
                 <a16:creationId xmlns:a16="http://schemas.microsoft.com/office/drawing/2014/main" id="{6AF6706C-CF07-43A1-BCC4-CBA5D33820DA}"/>
               </a:ext>
               <a:ext uri="{C183D7F6-B498-43B3-948B-1728B52AA6E4}">
-                <adec:decorative xmlns:adec="http://schemas.microsoft.com/office/drawing/2017/decorative" val="1"/>
+                <adec:decorative xmlns:adec="http://schemas.microsoft.com/office/drawing/2017/decorative" xmlns="" val="1"/>
               </a:ext>
             </a:extLst>
           </p:cNvPr>
@@ -7027,7 +7023,7 @@
       </p:sp>
       <p:pic>
         <p:nvPicPr>
-          <p:cNvPr id="15" name="Content Placeholder 14" descr="A screenshot of a cell phone&#10;&#10;Description generated with very high confidence">
+          <p:cNvPr id="15" name="Content Placeholder 14">
             <a:extLst>
               <a:ext uri="{FF2B5EF4-FFF2-40B4-BE49-F238E27FC236}">
                 <a16:creationId xmlns:a16="http://schemas.microsoft.com/office/drawing/2014/main" id="{8C74A8C6-D422-404F-AA7F-751FB8E6CDE6}"/>
@@ -7050,7 +7046,7 @@
         <p:spPr>
           <a:xfrm>
             <a:off x="1014942" y="1856936"/>
-            <a:ext cx="10162116" cy="4529796"/>
+            <a:ext cx="10162115" cy="4529796"/>
           </a:xfrm>
           <a:prstGeom prst="rect">
             <a:avLst/>
@@ -7147,28 +7143,24 @@
         </p:nvPicPr>
         <p:blipFill rotWithShape="1">
           <a:blip r:embed="rId2"/>
-          <a:srcRect t="5192" r="16020" b="14903"/>
+          <a:srcRect l="6216" t="8389" r="21700" b="18733"/>
           <a:stretch/>
         </p:blipFill>
         <p:spPr>
           <a:xfrm>
-            <a:off x="3289495" y="956602"/>
-            <a:ext cx="5882639" cy="5597178"/>
+            <a:off x="2909742" y="188592"/>
+            <a:ext cx="6410225" cy="6480816"/>
           </a:xfrm>
           <a:prstGeom prst="rect">
             <a:avLst/>
           </a:prstGeom>
-          <a:ln w="38100" cap="sq">
-            <a:solidFill>
-              <a:srgbClr val="000000"/>
-            </a:solidFill>
-            <a:prstDash val="solid"/>
-            <a:miter lim="800000"/>
+          <a:ln>
+            <a:noFill/>
           </a:ln>
           <a:effectLst>
-            <a:outerShdw blurRad="50800" dist="38100" dir="2700000" algn="tl" rotWithShape="0">
-              <a:srgbClr val="000000">
-                <a:alpha val="43000"/>
+            <a:outerShdw blurRad="292100" dist="139700" dir="2700000" algn="tl" rotWithShape="0">
+              <a:srgbClr val="333333">
+                <a:alpha val="65000"/>
               </a:srgbClr>
             </a:outerShdw>
           </a:effectLst>
@@ -8238,7 +8230,7 @@
           <a:blip r:embed="rId2">
             <a:extLst>
               <a:ext uri="{837473B0-CC2E-450A-ABE3-18F120FF3D39}">
-                <a1611:picAttrSrcUrl xmlns:a1611="http://schemas.microsoft.com/office/drawing/2016/11/main" r:id="rId3"/>
+                <a1611:picAttrSrcUrl xmlns:a1611="http://schemas.microsoft.com/office/drawing/2016/11/main" xmlns="" r:id="rId3"/>
               </a:ext>
             </a:extLst>
           </a:blip>
@@ -8766,7 +8758,7 @@
           <a:blip r:embed="rId2">
             <a:extLst>
               <a:ext uri="{837473B0-CC2E-450A-ABE3-18F120FF3D39}">
-                <a1611:picAttrSrcUrl xmlns:a1611="http://schemas.microsoft.com/office/drawing/2016/11/main" r:id="rId3"/>
+                <a1611:picAttrSrcUrl xmlns:a1611="http://schemas.microsoft.com/office/drawing/2016/11/main" xmlns="" r:id="rId3"/>
               </a:ext>
             </a:extLst>
           </a:blip>
@@ -10832,7 +10824,7 @@
           <a:graphicData uri="http://schemas.openxmlformats.org/presentationml/2006/ole">
             <mc:AlternateContent xmlns:mc="http://schemas.openxmlformats.org/markup-compatibility/2006">
               <mc:Choice xmlns:v="urn:schemas-microsoft-com:vml" Requires="v">
-                <p:oleObj spid="_x0000_s2126" name="Equation" r:id="rId3" imgW="2603160" imgH="1422360" progId="Equation.DSMT4">
+                <p:oleObj spid="_x0000_s2132" name="Equation" r:id="rId3" imgW="2603160" imgH="1422360" progId="Equation.DSMT4">
                   <p:embed/>
                 </p:oleObj>
               </mc:Choice>
@@ -10901,7 +10893,7 @@
           <a:graphicData uri="http://schemas.openxmlformats.org/presentationml/2006/ole">
             <mc:AlternateContent xmlns:mc="http://schemas.openxmlformats.org/markup-compatibility/2006">
               <mc:Choice xmlns:v="urn:schemas-microsoft-com:vml" Requires="v">
-                <p:oleObj spid="_x0000_s2127" name="Equation" r:id="rId5" imgW="457200" imgH="914400" progId="Equation.DSMT4">
+                <p:oleObj spid="_x0000_s2133" name="Equation" r:id="rId5" imgW="457200" imgH="914400" progId="Equation.DSMT4">
                   <p:embed/>
                 </p:oleObj>
               </mc:Choice>
@@ -12455,8 +12447,8 @@
           </a:p>
         </p:txBody>
       </p:sp>
-      <mc:AlternateContent xmlns:mc="http://schemas.openxmlformats.org/markup-compatibility/2006">
-        <mc:Choice xmlns:a14="http://schemas.microsoft.com/office/drawing/2010/main" Requires="a14">
+      <mc:AlternateContent xmlns:mc="http://schemas.openxmlformats.org/markup-compatibility/2006" xmlns:a14="http://schemas.microsoft.com/office/drawing/2010/main">
+        <mc:Choice Requires="a14">
           <p:sp>
             <p:nvSpPr>
               <p:cNvPr id="3" name="Content Placeholder 2">
@@ -12564,7 +12556,7 @@
             </p:txBody>
           </p:sp>
         </mc:Choice>
-        <mc:Fallback>
+        <mc:Fallback xmlns="">
           <p:sp>
             <p:nvSpPr>
               <p:cNvPr id="3" name="Content Placeholder 2">
@@ -13086,7 +13078,7 @@
           <a:blip r:embed="rId2">
             <a:extLst>
               <a:ext uri="{837473B0-CC2E-450A-ABE3-18F120FF3D39}">
-                <a1611:picAttrSrcUrl xmlns:a1611="http://schemas.microsoft.com/office/drawing/2016/11/main" r:id="rId3"/>
+                <a1611:picAttrSrcUrl xmlns:a1611="http://schemas.microsoft.com/office/drawing/2016/11/main" xmlns="" r:id="rId3"/>
               </a:ext>
             </a:extLst>
           </a:blip>

--- a/Presentations/NASA/NASA presentation.pptx
+++ b/Presentations/NASA/NASA presentation.pptx
@@ -372,7 +372,7 @@
             <a:fld id="{B61BEF0D-F0BB-DE4B-95CE-6DB70DBA9567}" type="datetimeFigureOut">
               <a:rPr lang="en-US" dirty="0"/>
               <a:pPr/>
-              <a:t>5/14/2018</a:t>
+              <a:t>5/15/2018</a:t>
             </a:fld>
             <a:endParaRPr lang="en-US" dirty="0"/>
           </a:p>
@@ -703,7 +703,7 @@
             <a:fld id="{B61BEF0D-F0BB-DE4B-95CE-6DB70DBA9567}" type="datetimeFigureOut">
               <a:rPr lang="en-US" dirty="0"/>
               <a:pPr/>
-              <a:t>5/14/2018</a:t>
+              <a:t>5/15/2018</a:t>
             </a:fld>
             <a:endParaRPr lang="en-US" dirty="0"/>
           </a:p>
@@ -978,7 +978,7 @@
             <a:fld id="{B61BEF0D-F0BB-DE4B-95CE-6DB70DBA9567}" type="datetimeFigureOut">
               <a:rPr lang="en-US" dirty="0"/>
               <a:pPr/>
-              <a:t>5/14/2018</a:t>
+              <a:t>5/15/2018</a:t>
             </a:fld>
             <a:endParaRPr lang="en-US" dirty="0"/>
           </a:p>
@@ -1543,7 +1543,7 @@
             <a:fld id="{B61BEF0D-F0BB-DE4B-95CE-6DB70DBA9567}" type="datetimeFigureOut">
               <a:rPr lang="en-US" dirty="0"/>
               <a:pPr/>
-              <a:t>5/14/2018</a:t>
+              <a:t>5/15/2018</a:t>
             </a:fld>
             <a:endParaRPr lang="en-US" dirty="0"/>
           </a:p>
@@ -1818,7 +1818,7 @@
             <a:fld id="{B61BEF0D-F0BB-DE4B-95CE-6DB70DBA9567}" type="datetimeFigureOut">
               <a:rPr lang="en-US" dirty="0"/>
               <a:pPr/>
-              <a:t>5/14/2018</a:t>
+              <a:t>5/15/2018</a:t>
             </a:fld>
             <a:endParaRPr lang="en-US" dirty="0"/>
           </a:p>
@@ -2377,7 +2377,7 @@
             <a:fld id="{B61BEF0D-F0BB-DE4B-95CE-6DB70DBA9567}" type="datetimeFigureOut">
               <a:rPr lang="en-US" dirty="0"/>
               <a:pPr/>
-              <a:t>5/14/2018</a:t>
+              <a:t>5/15/2018</a:t>
             </a:fld>
             <a:endParaRPr lang="en-US" dirty="0"/>
           </a:p>
@@ -2701,7 +2701,7 @@
             <a:fld id="{B61BEF0D-F0BB-DE4B-95CE-6DB70DBA9567}" type="datetimeFigureOut">
               <a:rPr lang="en-US" dirty="0"/>
               <a:pPr/>
-              <a:t>5/14/2018</a:t>
+              <a:t>5/15/2018</a:t>
             </a:fld>
             <a:endParaRPr lang="en-US" dirty="0"/>
           </a:p>
@@ -2875,7 +2875,7 @@
             <a:fld id="{B61BEF0D-F0BB-DE4B-95CE-6DB70DBA9567}" type="datetimeFigureOut">
               <a:rPr lang="en-US" dirty="0"/>
               <a:pPr/>
-              <a:t>5/14/2018</a:t>
+              <a:t>5/15/2018</a:t>
             </a:fld>
             <a:endParaRPr lang="en-US" dirty="0"/>
           </a:p>
@@ -3110,7 +3110,7 @@
             <a:fld id="{B61BEF0D-F0BB-DE4B-95CE-6DB70DBA9567}" type="datetimeFigureOut">
               <a:rPr lang="en-US" dirty="0"/>
               <a:pPr/>
-              <a:t>5/14/2018</a:t>
+              <a:t>5/15/2018</a:t>
             </a:fld>
             <a:endParaRPr lang="en-US" dirty="0"/>
           </a:p>
@@ -3307,7 +3307,7 @@
             <a:fld id="{B61BEF0D-F0BB-DE4B-95CE-6DB70DBA9567}" type="datetimeFigureOut">
               <a:rPr lang="en-US" dirty="0"/>
               <a:pPr/>
-              <a:t>5/14/2018</a:t>
+              <a:t>5/15/2018</a:t>
             </a:fld>
             <a:endParaRPr lang="en-US" dirty="0"/>
           </a:p>
@@ -3580,7 +3580,7 @@
             <a:fld id="{B61BEF0D-F0BB-DE4B-95CE-6DB70DBA9567}" type="datetimeFigureOut">
               <a:rPr lang="en-US" dirty="0"/>
               <a:pPr/>
-              <a:t>5/14/2018</a:t>
+              <a:t>5/15/2018</a:t>
             </a:fld>
             <a:endParaRPr lang="en-US" dirty="0"/>
           </a:p>
@@ -3843,7 +3843,7 @@
             <a:fld id="{B61BEF0D-F0BB-DE4B-95CE-6DB70DBA9567}" type="datetimeFigureOut">
               <a:rPr lang="en-US" dirty="0"/>
               <a:pPr/>
-              <a:t>5/14/2018</a:t>
+              <a:t>5/15/2018</a:t>
             </a:fld>
             <a:endParaRPr lang="en-US" dirty="0"/>
           </a:p>
@@ -4214,7 +4214,7 @@
             <a:fld id="{B61BEF0D-F0BB-DE4B-95CE-6DB70DBA9567}" type="datetimeFigureOut">
               <a:rPr lang="en-US" dirty="0"/>
               <a:pPr/>
-              <a:t>5/14/2018</a:t>
+              <a:t>5/15/2018</a:t>
             </a:fld>
             <a:endParaRPr lang="en-US" dirty="0"/>
           </a:p>
@@ -4359,7 +4359,7 @@
             <a:fld id="{B61BEF0D-F0BB-DE4B-95CE-6DB70DBA9567}" type="datetimeFigureOut">
               <a:rPr lang="en-US" dirty="0"/>
               <a:pPr/>
-              <a:t>5/14/2018</a:t>
+              <a:t>5/15/2018</a:t>
             </a:fld>
             <a:endParaRPr lang="en-US" dirty="0"/>
           </a:p>
@@ -4481,7 +4481,7 @@
             <a:fld id="{B61BEF0D-F0BB-DE4B-95CE-6DB70DBA9567}" type="datetimeFigureOut">
               <a:rPr lang="en-US" dirty="0"/>
               <a:pPr/>
-              <a:t>5/14/2018</a:t>
+              <a:t>5/15/2018</a:t>
             </a:fld>
             <a:endParaRPr lang="en-US" dirty="0"/>
           </a:p>
@@ -4763,7 +4763,7 @@
             <a:fld id="{B61BEF0D-F0BB-DE4B-95CE-6DB70DBA9567}" type="datetimeFigureOut">
               <a:rPr lang="en-US" dirty="0"/>
               <a:pPr/>
-              <a:t>5/14/2018</a:t>
+              <a:t>5/15/2018</a:t>
             </a:fld>
             <a:endParaRPr lang="en-US" dirty="0"/>
           </a:p>
@@ -5084,7 +5084,7 @@
             <a:fld id="{B61BEF0D-F0BB-DE4B-95CE-6DB70DBA9567}" type="datetimeFigureOut">
               <a:rPr lang="en-US" dirty="0"/>
               <a:pPr/>
-              <a:t>5/14/2018</a:t>
+              <a:t>5/15/2018</a:t>
             </a:fld>
             <a:endParaRPr lang="en-US" dirty="0"/>
           </a:p>
@@ -5295,7 +5295,7 @@
             <a:fld id="{B61BEF0D-F0BB-DE4B-95CE-6DB70DBA9567}" type="datetimeFigureOut">
               <a:rPr lang="en-US" dirty="0"/>
               <a:pPr/>
-              <a:t>5/14/2018</a:t>
+              <a:t>5/15/2018</a:t>
             </a:fld>
             <a:endParaRPr lang="en-US" dirty="0"/>
           </a:p>
@@ -5933,7 +5933,12 @@
             <p:ph type="title"/>
           </p:nvPr>
         </p:nvSpPr>
-        <p:spPr/>
+        <p:spPr>
+          <a:xfrm>
+            <a:off x="685801" y="609600"/>
+            <a:ext cx="10131425" cy="1456267"/>
+          </a:xfrm>
+        </p:spPr>
         <p:txBody>
           <a:bodyPr/>
           <a:lstStyle/>
@@ -5961,16 +5966,18 @@
             <p:ph idx="1"/>
           </p:nvPr>
         </p:nvSpPr>
-        <p:spPr/>
+        <p:spPr>
+          <a:xfrm>
+            <a:off x="3693905" y="1596741"/>
+            <a:ext cx="4177886" cy="4426373"/>
+          </a:xfrm>
+        </p:spPr>
         <p:txBody>
           <a:bodyPr>
-            <a:normAutofit fontScale="92500" lnSpcReduction="20000"/>
+            <a:normAutofit/>
           </a:bodyPr>
           <a:lstStyle/>
           <a:p>
-            <a:pPr marL="0" indent="0">
-              <a:buNone/>
-            </a:pPr>
             <a:r>
               <a:rPr lang="en-US" sz="2800" b="1" dirty="0"/>
               <a:t>SciPy</a:t>
@@ -5978,51 +5985,29 @@
           </a:p>
           <a:p>
             <a:r>
-              <a:rPr lang="en-US" sz="2800" dirty="0"/>
-              <a:t>	Collection of mathematical algorithms and convenience functions</a:t>
-            </a:r>
-          </a:p>
-          <a:p>
-            <a:r>
-              <a:rPr lang="en-US" sz="2800" dirty="0"/>
-              <a:t>	Supplies commands for manipulating and visualizing data</a:t>
-            </a:r>
-          </a:p>
-          <a:p>
-            <a:pPr marL="0" indent="0">
-              <a:buNone/>
-            </a:pPr>
+              <a:rPr lang="en-US" sz="2800" b="1" dirty="0"/>
+              <a:t>Scikit-learn</a:t>
+            </a:r>
+          </a:p>
+          <a:p>
             <a:r>
               <a:rPr lang="en-US" sz="2800" b="1" dirty="0"/>
               <a:t>Pandas</a:t>
             </a:r>
-          </a:p>
-          <a:p>
-            <a:r>
-              <a:rPr lang="en-US" sz="2800" dirty="0"/>
-              <a:t>Software library for data manipulation and analysis</a:t>
-            </a:r>
-          </a:p>
-          <a:p>
-            <a:r>
-              <a:rPr lang="en-US" sz="2800" dirty="0"/>
-              <a:t>Data frames</a:t>
-            </a:r>
-          </a:p>
-          <a:p>
-            <a:pPr marL="0" indent="0">
-              <a:buNone/>
-            </a:pPr>
+            <a:endParaRPr lang="en-US" sz="2800" dirty="0"/>
+          </a:p>
+          <a:p>
             <a:r>
               <a:rPr lang="en-US" sz="2800" b="1" dirty="0"/>
-              <a:t>Scikit-learn</a:t>
-            </a:r>
-          </a:p>
-          <a:p>
-            <a:r>
-              <a:rPr lang="en-US" sz="2800" dirty="0"/>
-              <a:t>Module for machine learning</a:t>
-            </a:r>
+              <a:t>NumPy</a:t>
+            </a:r>
+          </a:p>
+          <a:p>
+            <a:r>
+              <a:rPr lang="en-US" sz="2800" b="1" dirty="0"/>
+              <a:t>Matplotlib</a:t>
+            </a:r>
+            <a:endParaRPr lang="en-US" sz="2800" dirty="0"/>
           </a:p>
         </p:txBody>
       </p:sp>
@@ -6044,7 +6029,7 @@
           <a:blip r:embed="rId2">
             <a:extLst>
               <a:ext uri="{837473B0-CC2E-450A-ABE3-18F120FF3D39}">
-                <a1611:picAttrSrcUrl xmlns:a1611="http://schemas.microsoft.com/office/drawing/2016/11/main" xmlns="" r:id="rId3"/>
+                <a1611:picAttrSrcUrl xmlns:a1611="http://schemas.microsoft.com/office/drawing/2016/11/main" r:id="rId3"/>
               </a:ext>
             </a:extLst>
           </a:blip>
@@ -6054,7 +6039,7 @@
         </p:blipFill>
         <p:spPr>
           <a:xfrm>
-            <a:off x="8163479" y="4072650"/>
+            <a:off x="8163479" y="4301250"/>
             <a:ext cx="2653747" cy="2653747"/>
           </a:xfrm>
           <a:prstGeom prst="rect">
@@ -6091,22 +6076,22 @@
           <a:lstStyle/>
           <a:p>
             <a:r>
-              <a:rPr lang="en-US" sz="900">
+              <a:rPr lang="en-US" sz="900" dirty="0">
                 <a:hlinkClick r:id="rId3" tooltip="https://es.wikibooks.org/wiki/Archivo:Python.svg"/>
               </a:rPr>
               <a:t>This Photo</a:t>
             </a:r>
             <a:r>
-              <a:rPr lang="en-US" sz="900"/>
+              <a:rPr lang="en-US" sz="900" dirty="0"/>
               <a:t> by Unknown Author is licensed under </a:t>
             </a:r>
             <a:r>
-              <a:rPr lang="en-US" sz="900">
+              <a:rPr lang="en-US" sz="900" dirty="0">
                 <a:hlinkClick r:id="rId4" tooltip="https://creativecommons.org/licenses/by-sa/3.0/"/>
               </a:rPr>
               <a:t>CC BY-SA</a:t>
             </a:r>
-            <a:endParaRPr lang="en-US" sz="900"/>
+            <a:endParaRPr lang="en-US" sz="900" dirty="0"/>
           </a:p>
         </p:txBody>
       </p:sp>
@@ -6583,7 +6568,7 @@
                 <a16:creationId xmlns:a16="http://schemas.microsoft.com/office/drawing/2014/main" id="{6AF6706C-CF07-43A1-BCC4-CBA5D33820DA}"/>
               </a:ext>
               <a:ext uri="{C183D7F6-B498-43B3-948B-1728B52AA6E4}">
-                <adec:decorative xmlns:adec="http://schemas.microsoft.com/office/drawing/2017/decorative" xmlns="" val="1"/>
+                <adec:decorative xmlns:adec="http://schemas.microsoft.com/office/drawing/2017/decorative" val="1"/>
               </a:ext>
             </a:extLst>
           </p:cNvPr>
@@ -8091,7 +8076,7 @@
           <a:p>
             <a:r>
               <a:rPr lang="en-US" sz="2400" dirty="0"/>
-              <a:t>Uniform vs Distance weight methods have no discernible difference</a:t>
+              <a:t>Uniform vs Distance weight methods had no discernible difference</a:t>
             </a:r>
           </a:p>
           <a:p>
@@ -8189,13 +8174,13 @@
           <a:p>
             <a:r>
               <a:rPr lang="en-US" sz="2800" dirty="0"/>
-              <a:t>Step sizes, computation time</a:t>
+              <a:t>Step size vs computation time</a:t>
             </a:r>
           </a:p>
           <a:p>
             <a:r>
               <a:rPr lang="en-US" sz="2800" dirty="0"/>
-              <a:t>Error</a:t>
+              <a:t>Error estimate</a:t>
             </a:r>
           </a:p>
           <a:p>
@@ -8230,7 +8215,7 @@
           <a:blip r:embed="rId2">
             <a:extLst>
               <a:ext uri="{837473B0-CC2E-450A-ABE3-18F120FF3D39}">
-                <a1611:picAttrSrcUrl xmlns:a1611="http://schemas.microsoft.com/office/drawing/2016/11/main" xmlns="" r:id="rId3"/>
+                <a1611:picAttrSrcUrl xmlns:a1611="http://schemas.microsoft.com/office/drawing/2016/11/main" r:id="rId3"/>
               </a:ext>
             </a:extLst>
           </a:blip>
@@ -8758,7 +8743,7 @@
           <a:blip r:embed="rId2">
             <a:extLst>
               <a:ext uri="{837473B0-CC2E-450A-ABE3-18F120FF3D39}">
-                <a1611:picAttrSrcUrl xmlns:a1611="http://schemas.microsoft.com/office/drawing/2016/11/main" xmlns="" r:id="rId3"/>
+                <a1611:picAttrSrcUrl xmlns:a1611="http://schemas.microsoft.com/office/drawing/2016/11/main" r:id="rId3"/>
               </a:ext>
             </a:extLst>
           </a:blip>
@@ -10824,7 +10809,7 @@
           <a:graphicData uri="http://schemas.openxmlformats.org/presentationml/2006/ole">
             <mc:AlternateContent xmlns:mc="http://schemas.openxmlformats.org/markup-compatibility/2006">
               <mc:Choice xmlns:v="urn:schemas-microsoft-com:vml" Requires="v">
-                <p:oleObj spid="_x0000_s2132" name="Equation" r:id="rId3" imgW="2603160" imgH="1422360" progId="Equation.DSMT4">
+                <p:oleObj spid="_x0000_s2168" name="Equation" r:id="rId3" imgW="2603160" imgH="1422360" progId="Equation.DSMT4">
                   <p:embed/>
                 </p:oleObj>
               </mc:Choice>
@@ -10893,7 +10878,7 @@
           <a:graphicData uri="http://schemas.openxmlformats.org/presentationml/2006/ole">
             <mc:AlternateContent xmlns:mc="http://schemas.openxmlformats.org/markup-compatibility/2006">
               <mc:Choice xmlns:v="urn:schemas-microsoft-com:vml" Requires="v">
-                <p:oleObj spid="_x0000_s2133" name="Equation" r:id="rId5" imgW="457200" imgH="914400" progId="Equation.DSMT4">
+                <p:oleObj spid="_x0000_s2169" name="Equation" r:id="rId5" imgW="457200" imgH="914400" progId="Equation.DSMT4">
                   <p:embed/>
                 </p:oleObj>
               </mc:Choice>
@@ -13078,7 +13063,7 @@
           <a:blip r:embed="rId2">
             <a:extLst>
               <a:ext uri="{837473B0-CC2E-450A-ABE3-18F120FF3D39}">
-                <a1611:picAttrSrcUrl xmlns:a1611="http://schemas.microsoft.com/office/drawing/2016/11/main" xmlns="" r:id="rId3"/>
+                <a1611:picAttrSrcUrl xmlns:a1611="http://schemas.microsoft.com/office/drawing/2016/11/main" r:id="rId3"/>
               </a:ext>
             </a:extLst>
           </a:blip>

--- a/Presentations/NASA/NASA presentation.pptx
+++ b/Presentations/NASA/NASA presentation.pptx
@@ -372,7 +372,7 @@
             <a:fld id="{B61BEF0D-F0BB-DE4B-95CE-6DB70DBA9567}" type="datetimeFigureOut">
               <a:rPr lang="en-US" dirty="0"/>
               <a:pPr/>
-              <a:t>5/15/2018</a:t>
+              <a:t>5/14/2018</a:t>
             </a:fld>
             <a:endParaRPr lang="en-US" dirty="0"/>
           </a:p>
@@ -703,7 +703,7 @@
             <a:fld id="{B61BEF0D-F0BB-DE4B-95CE-6DB70DBA9567}" type="datetimeFigureOut">
               <a:rPr lang="en-US" dirty="0"/>
               <a:pPr/>
-              <a:t>5/15/2018</a:t>
+              <a:t>5/14/2018</a:t>
             </a:fld>
             <a:endParaRPr lang="en-US" dirty="0"/>
           </a:p>
@@ -978,7 +978,7 @@
             <a:fld id="{B61BEF0D-F0BB-DE4B-95CE-6DB70DBA9567}" type="datetimeFigureOut">
               <a:rPr lang="en-US" dirty="0"/>
               <a:pPr/>
-              <a:t>5/15/2018</a:t>
+              <a:t>5/14/2018</a:t>
             </a:fld>
             <a:endParaRPr lang="en-US" dirty="0"/>
           </a:p>
@@ -1543,7 +1543,7 @@
             <a:fld id="{B61BEF0D-F0BB-DE4B-95CE-6DB70DBA9567}" type="datetimeFigureOut">
               <a:rPr lang="en-US" dirty="0"/>
               <a:pPr/>
-              <a:t>5/15/2018</a:t>
+              <a:t>5/14/2018</a:t>
             </a:fld>
             <a:endParaRPr lang="en-US" dirty="0"/>
           </a:p>
@@ -1818,7 +1818,7 @@
             <a:fld id="{B61BEF0D-F0BB-DE4B-95CE-6DB70DBA9567}" type="datetimeFigureOut">
               <a:rPr lang="en-US" dirty="0"/>
               <a:pPr/>
-              <a:t>5/15/2018</a:t>
+              <a:t>5/14/2018</a:t>
             </a:fld>
             <a:endParaRPr lang="en-US" dirty="0"/>
           </a:p>
@@ -2377,7 +2377,7 @@
             <a:fld id="{B61BEF0D-F0BB-DE4B-95CE-6DB70DBA9567}" type="datetimeFigureOut">
               <a:rPr lang="en-US" dirty="0"/>
               <a:pPr/>
-              <a:t>5/15/2018</a:t>
+              <a:t>5/14/2018</a:t>
             </a:fld>
             <a:endParaRPr lang="en-US" dirty="0"/>
           </a:p>
@@ -2701,7 +2701,7 @@
             <a:fld id="{B61BEF0D-F0BB-DE4B-95CE-6DB70DBA9567}" type="datetimeFigureOut">
               <a:rPr lang="en-US" dirty="0"/>
               <a:pPr/>
-              <a:t>5/15/2018</a:t>
+              <a:t>5/14/2018</a:t>
             </a:fld>
             <a:endParaRPr lang="en-US" dirty="0"/>
           </a:p>
@@ -2875,7 +2875,7 @@
             <a:fld id="{B61BEF0D-F0BB-DE4B-95CE-6DB70DBA9567}" type="datetimeFigureOut">
               <a:rPr lang="en-US" dirty="0"/>
               <a:pPr/>
-              <a:t>5/15/2018</a:t>
+              <a:t>5/14/2018</a:t>
             </a:fld>
             <a:endParaRPr lang="en-US" dirty="0"/>
           </a:p>
@@ -3110,7 +3110,7 @@
             <a:fld id="{B61BEF0D-F0BB-DE4B-95CE-6DB70DBA9567}" type="datetimeFigureOut">
               <a:rPr lang="en-US" dirty="0"/>
               <a:pPr/>
-              <a:t>5/15/2018</a:t>
+              <a:t>5/14/2018</a:t>
             </a:fld>
             <a:endParaRPr lang="en-US" dirty="0"/>
           </a:p>
@@ -3307,7 +3307,7 @@
             <a:fld id="{B61BEF0D-F0BB-DE4B-95CE-6DB70DBA9567}" type="datetimeFigureOut">
               <a:rPr lang="en-US" dirty="0"/>
               <a:pPr/>
-              <a:t>5/15/2018</a:t>
+              <a:t>5/14/2018</a:t>
             </a:fld>
             <a:endParaRPr lang="en-US" dirty="0"/>
           </a:p>
@@ -3580,7 +3580,7 @@
             <a:fld id="{B61BEF0D-F0BB-DE4B-95CE-6DB70DBA9567}" type="datetimeFigureOut">
               <a:rPr lang="en-US" dirty="0"/>
               <a:pPr/>
-              <a:t>5/15/2018</a:t>
+              <a:t>5/14/2018</a:t>
             </a:fld>
             <a:endParaRPr lang="en-US" dirty="0"/>
           </a:p>
@@ -3843,7 +3843,7 @@
             <a:fld id="{B61BEF0D-F0BB-DE4B-95CE-6DB70DBA9567}" type="datetimeFigureOut">
               <a:rPr lang="en-US" dirty="0"/>
               <a:pPr/>
-              <a:t>5/15/2018</a:t>
+              <a:t>5/14/2018</a:t>
             </a:fld>
             <a:endParaRPr lang="en-US" dirty="0"/>
           </a:p>
@@ -4214,7 +4214,7 @@
             <a:fld id="{B61BEF0D-F0BB-DE4B-95CE-6DB70DBA9567}" type="datetimeFigureOut">
               <a:rPr lang="en-US" dirty="0"/>
               <a:pPr/>
-              <a:t>5/15/2018</a:t>
+              <a:t>5/14/2018</a:t>
             </a:fld>
             <a:endParaRPr lang="en-US" dirty="0"/>
           </a:p>
@@ -4359,7 +4359,7 @@
             <a:fld id="{B61BEF0D-F0BB-DE4B-95CE-6DB70DBA9567}" type="datetimeFigureOut">
               <a:rPr lang="en-US" dirty="0"/>
               <a:pPr/>
-              <a:t>5/15/2018</a:t>
+              <a:t>5/14/2018</a:t>
             </a:fld>
             <a:endParaRPr lang="en-US" dirty="0"/>
           </a:p>
@@ -4481,7 +4481,7 @@
             <a:fld id="{B61BEF0D-F0BB-DE4B-95CE-6DB70DBA9567}" type="datetimeFigureOut">
               <a:rPr lang="en-US" dirty="0"/>
               <a:pPr/>
-              <a:t>5/15/2018</a:t>
+              <a:t>5/14/2018</a:t>
             </a:fld>
             <a:endParaRPr lang="en-US" dirty="0"/>
           </a:p>
@@ -4763,7 +4763,7 @@
             <a:fld id="{B61BEF0D-F0BB-DE4B-95CE-6DB70DBA9567}" type="datetimeFigureOut">
               <a:rPr lang="en-US" dirty="0"/>
               <a:pPr/>
-              <a:t>5/15/2018</a:t>
+              <a:t>5/14/2018</a:t>
             </a:fld>
             <a:endParaRPr lang="en-US" dirty="0"/>
           </a:p>
@@ -5084,7 +5084,7 @@
             <a:fld id="{B61BEF0D-F0BB-DE4B-95CE-6DB70DBA9567}" type="datetimeFigureOut">
               <a:rPr lang="en-US" dirty="0"/>
               <a:pPr/>
-              <a:t>5/15/2018</a:t>
+              <a:t>5/14/2018</a:t>
             </a:fld>
             <a:endParaRPr lang="en-US" dirty="0"/>
           </a:p>
@@ -5295,7 +5295,7 @@
             <a:fld id="{B61BEF0D-F0BB-DE4B-95CE-6DB70DBA9567}" type="datetimeFigureOut">
               <a:rPr lang="en-US" dirty="0"/>
               <a:pPr/>
-              <a:t>5/15/2018</a:t>
+              <a:t>5/14/2018</a:t>
             </a:fld>
             <a:endParaRPr lang="en-US" dirty="0"/>
           </a:p>
@@ -5933,12 +5933,7 @@
             <p:ph type="title"/>
           </p:nvPr>
         </p:nvSpPr>
-        <p:spPr>
-          <a:xfrm>
-            <a:off x="685801" y="609600"/>
-            <a:ext cx="10131425" cy="1456267"/>
-          </a:xfrm>
-        </p:spPr>
+        <p:spPr/>
         <p:txBody>
           <a:bodyPr/>
           <a:lstStyle/>
@@ -5966,18 +5961,16 @@
             <p:ph idx="1"/>
           </p:nvPr>
         </p:nvSpPr>
-        <p:spPr>
-          <a:xfrm>
-            <a:off x="3693905" y="1596741"/>
-            <a:ext cx="4177886" cy="4426373"/>
-          </a:xfrm>
-        </p:spPr>
+        <p:spPr/>
         <p:txBody>
           <a:bodyPr>
-            <a:normAutofit/>
+            <a:normAutofit fontScale="92500" lnSpcReduction="20000"/>
           </a:bodyPr>
           <a:lstStyle/>
           <a:p>
+            <a:pPr marL="0" indent="0">
+              <a:buNone/>
+            </a:pPr>
             <a:r>
               <a:rPr lang="en-US" sz="2800" b="1" dirty="0"/>
               <a:t>SciPy</a:t>
@@ -5985,29 +5978,51 @@
           </a:p>
           <a:p>
             <a:r>
+              <a:rPr lang="en-US" sz="2800" dirty="0"/>
+              <a:t>	Collection of mathematical algorithms and convenience functions</a:t>
+            </a:r>
+          </a:p>
+          <a:p>
+            <a:r>
+              <a:rPr lang="en-US" sz="2800" dirty="0"/>
+              <a:t>	Supplies commands for manipulating and visualizing data</a:t>
+            </a:r>
+          </a:p>
+          <a:p>
+            <a:pPr marL="0" indent="0">
+              <a:buNone/>
+            </a:pPr>
+            <a:r>
+              <a:rPr lang="en-US" sz="2800" b="1" dirty="0"/>
+              <a:t>Pandas</a:t>
+            </a:r>
+          </a:p>
+          <a:p>
+            <a:r>
+              <a:rPr lang="en-US" sz="2800" dirty="0"/>
+              <a:t>Software library for data manipulation and analysis</a:t>
+            </a:r>
+          </a:p>
+          <a:p>
+            <a:r>
+              <a:rPr lang="en-US" sz="2800" dirty="0"/>
+              <a:t>Data frames</a:t>
+            </a:r>
+          </a:p>
+          <a:p>
+            <a:pPr marL="0" indent="0">
+              <a:buNone/>
+            </a:pPr>
+            <a:r>
               <a:rPr lang="en-US" sz="2800" b="1" dirty="0"/>
               <a:t>Scikit-learn</a:t>
             </a:r>
           </a:p>
           <a:p>
             <a:r>
-              <a:rPr lang="en-US" sz="2800" b="1" dirty="0"/>
-              <a:t>Pandas</a:t>
-            </a:r>
-            <a:endParaRPr lang="en-US" sz="2800" dirty="0"/>
-          </a:p>
-          <a:p>
-            <a:r>
-              <a:rPr lang="en-US" sz="2800" b="1" dirty="0"/>
-              <a:t>NumPy</a:t>
-            </a:r>
-          </a:p>
-          <a:p>
-            <a:r>
-              <a:rPr lang="en-US" sz="2800" b="1" dirty="0"/>
-              <a:t>Matplotlib</a:t>
-            </a:r>
-            <a:endParaRPr lang="en-US" sz="2800" dirty="0"/>
+              <a:rPr lang="en-US" sz="2800" dirty="0"/>
+              <a:t>Module for machine learning</a:t>
+            </a:r>
           </a:p>
         </p:txBody>
       </p:sp>
@@ -6029,7 +6044,7 @@
           <a:blip r:embed="rId2">
             <a:extLst>
               <a:ext uri="{837473B0-CC2E-450A-ABE3-18F120FF3D39}">
-                <a1611:picAttrSrcUrl xmlns:a1611="http://schemas.microsoft.com/office/drawing/2016/11/main" r:id="rId3"/>
+                <a1611:picAttrSrcUrl xmlns:a1611="http://schemas.microsoft.com/office/drawing/2016/11/main" xmlns="" r:id="rId3"/>
               </a:ext>
             </a:extLst>
           </a:blip>
@@ -6039,7 +6054,7 @@
         </p:blipFill>
         <p:spPr>
           <a:xfrm>
-            <a:off x="8163479" y="4301250"/>
+            <a:off x="8163479" y="4072650"/>
             <a:ext cx="2653747" cy="2653747"/>
           </a:xfrm>
           <a:prstGeom prst="rect">
@@ -6076,22 +6091,22 @@
           <a:lstStyle/>
           <a:p>
             <a:r>
-              <a:rPr lang="en-US" sz="900" dirty="0">
+              <a:rPr lang="en-US" sz="900">
                 <a:hlinkClick r:id="rId3" tooltip="https://es.wikibooks.org/wiki/Archivo:Python.svg"/>
               </a:rPr>
               <a:t>This Photo</a:t>
             </a:r>
             <a:r>
-              <a:rPr lang="en-US" sz="900" dirty="0"/>
+              <a:rPr lang="en-US" sz="900"/>
               <a:t> by Unknown Author is licensed under </a:t>
             </a:r>
             <a:r>
-              <a:rPr lang="en-US" sz="900" dirty="0">
+              <a:rPr lang="en-US" sz="900">
                 <a:hlinkClick r:id="rId4" tooltip="https://creativecommons.org/licenses/by-sa/3.0/"/>
               </a:rPr>
               <a:t>CC BY-SA</a:t>
             </a:r>
-            <a:endParaRPr lang="en-US" sz="900" dirty="0"/>
+            <a:endParaRPr lang="en-US" sz="900"/>
           </a:p>
         </p:txBody>
       </p:sp>
@@ -6568,7 +6583,7 @@
                 <a16:creationId xmlns:a16="http://schemas.microsoft.com/office/drawing/2014/main" id="{6AF6706C-CF07-43A1-BCC4-CBA5D33820DA}"/>
               </a:ext>
               <a:ext uri="{C183D7F6-B498-43B3-948B-1728B52AA6E4}">
-                <adec:decorative xmlns:adec="http://schemas.microsoft.com/office/drawing/2017/decorative" val="1"/>
+                <adec:decorative xmlns:adec="http://schemas.microsoft.com/office/drawing/2017/decorative" xmlns="" val="1"/>
               </a:ext>
             </a:extLst>
           </p:cNvPr>
@@ -8076,7 +8091,7 @@
           <a:p>
             <a:r>
               <a:rPr lang="en-US" sz="2400" dirty="0"/>
-              <a:t>Uniform vs Distance weight methods had no discernible difference</a:t>
+              <a:t>Uniform vs Distance weight methods have no discernible difference</a:t>
             </a:r>
           </a:p>
           <a:p>
@@ -8174,13 +8189,13 @@
           <a:p>
             <a:r>
               <a:rPr lang="en-US" sz="2800" dirty="0"/>
-              <a:t>Step size vs computation time</a:t>
+              <a:t>Step sizes, computation time</a:t>
             </a:r>
           </a:p>
           <a:p>
             <a:r>
               <a:rPr lang="en-US" sz="2800" dirty="0"/>
-              <a:t>Error estimate</a:t>
+              <a:t>Error</a:t>
             </a:r>
           </a:p>
           <a:p>
@@ -8215,7 +8230,7 @@
           <a:blip r:embed="rId2">
             <a:extLst>
               <a:ext uri="{837473B0-CC2E-450A-ABE3-18F120FF3D39}">
-                <a1611:picAttrSrcUrl xmlns:a1611="http://schemas.microsoft.com/office/drawing/2016/11/main" r:id="rId3"/>
+                <a1611:picAttrSrcUrl xmlns:a1611="http://schemas.microsoft.com/office/drawing/2016/11/main" xmlns="" r:id="rId3"/>
               </a:ext>
             </a:extLst>
           </a:blip>
@@ -8743,7 +8758,7 @@
           <a:blip r:embed="rId2">
             <a:extLst>
               <a:ext uri="{837473B0-CC2E-450A-ABE3-18F120FF3D39}">
-                <a1611:picAttrSrcUrl xmlns:a1611="http://schemas.microsoft.com/office/drawing/2016/11/main" r:id="rId3"/>
+                <a1611:picAttrSrcUrl xmlns:a1611="http://schemas.microsoft.com/office/drawing/2016/11/main" xmlns="" r:id="rId3"/>
               </a:ext>
             </a:extLst>
           </a:blip>
@@ -10809,7 +10824,7 @@
           <a:graphicData uri="http://schemas.openxmlformats.org/presentationml/2006/ole">
             <mc:AlternateContent xmlns:mc="http://schemas.openxmlformats.org/markup-compatibility/2006">
               <mc:Choice xmlns:v="urn:schemas-microsoft-com:vml" Requires="v">
-                <p:oleObj spid="_x0000_s2168" name="Equation" r:id="rId3" imgW="2603160" imgH="1422360" progId="Equation.DSMT4">
+                <p:oleObj spid="_x0000_s2132" name="Equation" r:id="rId3" imgW="2603160" imgH="1422360" progId="Equation.DSMT4">
                   <p:embed/>
                 </p:oleObj>
               </mc:Choice>
@@ -10878,7 +10893,7 @@
           <a:graphicData uri="http://schemas.openxmlformats.org/presentationml/2006/ole">
             <mc:AlternateContent xmlns:mc="http://schemas.openxmlformats.org/markup-compatibility/2006">
               <mc:Choice xmlns:v="urn:schemas-microsoft-com:vml" Requires="v">
-                <p:oleObj spid="_x0000_s2169" name="Equation" r:id="rId5" imgW="457200" imgH="914400" progId="Equation.DSMT4">
+                <p:oleObj spid="_x0000_s2133" name="Equation" r:id="rId5" imgW="457200" imgH="914400" progId="Equation.DSMT4">
                   <p:embed/>
                 </p:oleObj>
               </mc:Choice>
@@ -13063,7 +13078,7 @@
           <a:blip r:embed="rId2">
             <a:extLst>
               <a:ext uri="{837473B0-CC2E-450A-ABE3-18F120FF3D39}">
-                <a1611:picAttrSrcUrl xmlns:a1611="http://schemas.microsoft.com/office/drawing/2016/11/main" r:id="rId3"/>
+                <a1611:picAttrSrcUrl xmlns:a1611="http://schemas.microsoft.com/office/drawing/2016/11/main" xmlns="" r:id="rId3"/>
               </a:ext>
             </a:extLst>
           </a:blip>

--- a/Presentations/NASA/NASA presentation.pptx
+++ b/Presentations/NASA/NASA presentation.pptx
@@ -21,10 +21,11 @@
     <p:sldId id="273" r:id="rId15"/>
     <p:sldId id="274" r:id="rId16"/>
     <p:sldId id="275" r:id="rId17"/>
-    <p:sldId id="272" r:id="rId18"/>
-    <p:sldId id="277" r:id="rId19"/>
-    <p:sldId id="276" r:id="rId20"/>
-    <p:sldId id="278" r:id="rId21"/>
+    <p:sldId id="282" r:id="rId18"/>
+    <p:sldId id="272" r:id="rId19"/>
+    <p:sldId id="277" r:id="rId20"/>
+    <p:sldId id="276" r:id="rId21"/>
+    <p:sldId id="278" r:id="rId22"/>
   </p:sldIdLst>
   <p:sldSz cx="12192000" cy="6858000"/>
   <p:notesSz cx="6858000" cy="9144000"/>
@@ -372,7 +373,7 @@
             <a:fld id="{B61BEF0D-F0BB-DE4B-95CE-6DB70DBA9567}" type="datetimeFigureOut">
               <a:rPr lang="en-US" dirty="0"/>
               <a:pPr/>
-              <a:t>5/14/2018</a:t>
+              <a:t>5/15/2018</a:t>
             </a:fld>
             <a:endParaRPr lang="en-US" dirty="0"/>
           </a:p>
@@ -703,7 +704,7 @@
             <a:fld id="{B61BEF0D-F0BB-DE4B-95CE-6DB70DBA9567}" type="datetimeFigureOut">
               <a:rPr lang="en-US" dirty="0"/>
               <a:pPr/>
-              <a:t>5/14/2018</a:t>
+              <a:t>5/15/2018</a:t>
             </a:fld>
             <a:endParaRPr lang="en-US" dirty="0"/>
           </a:p>
@@ -978,7 +979,7 @@
             <a:fld id="{B61BEF0D-F0BB-DE4B-95CE-6DB70DBA9567}" type="datetimeFigureOut">
               <a:rPr lang="en-US" dirty="0"/>
               <a:pPr/>
-              <a:t>5/14/2018</a:t>
+              <a:t>5/15/2018</a:t>
             </a:fld>
             <a:endParaRPr lang="en-US" dirty="0"/>
           </a:p>
@@ -1543,7 +1544,7 @@
             <a:fld id="{B61BEF0D-F0BB-DE4B-95CE-6DB70DBA9567}" type="datetimeFigureOut">
               <a:rPr lang="en-US" dirty="0"/>
               <a:pPr/>
-              <a:t>5/14/2018</a:t>
+              <a:t>5/15/2018</a:t>
             </a:fld>
             <a:endParaRPr lang="en-US" dirty="0"/>
           </a:p>
@@ -1818,7 +1819,7 @@
             <a:fld id="{B61BEF0D-F0BB-DE4B-95CE-6DB70DBA9567}" type="datetimeFigureOut">
               <a:rPr lang="en-US" dirty="0"/>
               <a:pPr/>
-              <a:t>5/14/2018</a:t>
+              <a:t>5/15/2018</a:t>
             </a:fld>
             <a:endParaRPr lang="en-US" dirty="0"/>
           </a:p>
@@ -2377,7 +2378,7 @@
             <a:fld id="{B61BEF0D-F0BB-DE4B-95CE-6DB70DBA9567}" type="datetimeFigureOut">
               <a:rPr lang="en-US" dirty="0"/>
               <a:pPr/>
-              <a:t>5/14/2018</a:t>
+              <a:t>5/15/2018</a:t>
             </a:fld>
             <a:endParaRPr lang="en-US" dirty="0"/>
           </a:p>
@@ -2701,7 +2702,7 @@
             <a:fld id="{B61BEF0D-F0BB-DE4B-95CE-6DB70DBA9567}" type="datetimeFigureOut">
               <a:rPr lang="en-US" dirty="0"/>
               <a:pPr/>
-              <a:t>5/14/2018</a:t>
+              <a:t>5/15/2018</a:t>
             </a:fld>
             <a:endParaRPr lang="en-US" dirty="0"/>
           </a:p>
@@ -2875,7 +2876,7 @@
             <a:fld id="{B61BEF0D-F0BB-DE4B-95CE-6DB70DBA9567}" type="datetimeFigureOut">
               <a:rPr lang="en-US" dirty="0"/>
               <a:pPr/>
-              <a:t>5/14/2018</a:t>
+              <a:t>5/15/2018</a:t>
             </a:fld>
             <a:endParaRPr lang="en-US" dirty="0"/>
           </a:p>
@@ -3110,7 +3111,7 @@
             <a:fld id="{B61BEF0D-F0BB-DE4B-95CE-6DB70DBA9567}" type="datetimeFigureOut">
               <a:rPr lang="en-US" dirty="0"/>
               <a:pPr/>
-              <a:t>5/14/2018</a:t>
+              <a:t>5/15/2018</a:t>
             </a:fld>
             <a:endParaRPr lang="en-US" dirty="0"/>
           </a:p>
@@ -3307,7 +3308,7 @@
             <a:fld id="{B61BEF0D-F0BB-DE4B-95CE-6DB70DBA9567}" type="datetimeFigureOut">
               <a:rPr lang="en-US" dirty="0"/>
               <a:pPr/>
-              <a:t>5/14/2018</a:t>
+              <a:t>5/15/2018</a:t>
             </a:fld>
             <a:endParaRPr lang="en-US" dirty="0"/>
           </a:p>
@@ -3580,7 +3581,7 @@
             <a:fld id="{B61BEF0D-F0BB-DE4B-95CE-6DB70DBA9567}" type="datetimeFigureOut">
               <a:rPr lang="en-US" dirty="0"/>
               <a:pPr/>
-              <a:t>5/14/2018</a:t>
+              <a:t>5/15/2018</a:t>
             </a:fld>
             <a:endParaRPr lang="en-US" dirty="0"/>
           </a:p>
@@ -3843,7 +3844,7 @@
             <a:fld id="{B61BEF0D-F0BB-DE4B-95CE-6DB70DBA9567}" type="datetimeFigureOut">
               <a:rPr lang="en-US" dirty="0"/>
               <a:pPr/>
-              <a:t>5/14/2018</a:t>
+              <a:t>5/15/2018</a:t>
             </a:fld>
             <a:endParaRPr lang="en-US" dirty="0"/>
           </a:p>
@@ -4214,7 +4215,7 @@
             <a:fld id="{B61BEF0D-F0BB-DE4B-95CE-6DB70DBA9567}" type="datetimeFigureOut">
               <a:rPr lang="en-US" dirty="0"/>
               <a:pPr/>
-              <a:t>5/14/2018</a:t>
+              <a:t>5/15/2018</a:t>
             </a:fld>
             <a:endParaRPr lang="en-US" dirty="0"/>
           </a:p>
@@ -4359,7 +4360,7 @@
             <a:fld id="{B61BEF0D-F0BB-DE4B-95CE-6DB70DBA9567}" type="datetimeFigureOut">
               <a:rPr lang="en-US" dirty="0"/>
               <a:pPr/>
-              <a:t>5/14/2018</a:t>
+              <a:t>5/15/2018</a:t>
             </a:fld>
             <a:endParaRPr lang="en-US" dirty="0"/>
           </a:p>
@@ -4481,7 +4482,7 @@
             <a:fld id="{B61BEF0D-F0BB-DE4B-95CE-6DB70DBA9567}" type="datetimeFigureOut">
               <a:rPr lang="en-US" dirty="0"/>
               <a:pPr/>
-              <a:t>5/14/2018</a:t>
+              <a:t>5/15/2018</a:t>
             </a:fld>
             <a:endParaRPr lang="en-US" dirty="0"/>
           </a:p>
@@ -4763,7 +4764,7 @@
             <a:fld id="{B61BEF0D-F0BB-DE4B-95CE-6DB70DBA9567}" type="datetimeFigureOut">
               <a:rPr lang="en-US" dirty="0"/>
               <a:pPr/>
-              <a:t>5/14/2018</a:t>
+              <a:t>5/15/2018</a:t>
             </a:fld>
             <a:endParaRPr lang="en-US" dirty="0"/>
           </a:p>
@@ -5084,7 +5085,7 @@
             <a:fld id="{B61BEF0D-F0BB-DE4B-95CE-6DB70DBA9567}" type="datetimeFigureOut">
               <a:rPr lang="en-US" dirty="0"/>
               <a:pPr/>
-              <a:t>5/14/2018</a:t>
+              <a:t>5/15/2018</a:t>
             </a:fld>
             <a:endParaRPr lang="en-US" dirty="0"/>
           </a:p>
@@ -5295,7 +5296,7 @@
             <a:fld id="{B61BEF0D-F0BB-DE4B-95CE-6DB70DBA9567}" type="datetimeFigureOut">
               <a:rPr lang="en-US" dirty="0"/>
               <a:pPr/>
-              <a:t>5/14/2018</a:t>
+              <a:t>5/15/2018</a:t>
             </a:fld>
             <a:endParaRPr lang="en-US" dirty="0"/>
           </a:p>
@@ -5862,15 +5863,7 @@
           <a:p>
             <a:r>
               <a:rPr lang="en-US" dirty="0"/>
-              <a:t>Dawn </a:t>
-            </a:r>
-            <a:r>
-              <a:rPr lang="en-US" dirty="0" err="1"/>
-              <a:t>sargent</a:t>
-            </a:r>
-            <a:r>
-              <a:rPr lang="en-US" dirty="0"/>
-              <a:t> and Mattison Johnson</a:t>
+              <a:t>Dawn Sargent and Mattison Johnson</a:t>
             </a:r>
           </a:p>
           <a:p>
@@ -5961,37 +5954,42 @@
             <p:ph idx="1"/>
           </p:nvPr>
         </p:nvSpPr>
-        <p:spPr/>
+        <p:spPr>
+          <a:xfrm>
+            <a:off x="2281680" y="2264312"/>
+            <a:ext cx="2990653" cy="3649133"/>
+          </a:xfrm>
+        </p:spPr>
         <p:txBody>
           <a:bodyPr>
-            <a:normAutofit fontScale="92500" lnSpcReduction="20000"/>
+            <a:normAutofit/>
           </a:bodyPr>
           <a:lstStyle/>
           <a:p>
-            <a:pPr marL="0" indent="0">
-              <a:buNone/>
-            </a:pPr>
+            <a:r>
+              <a:rPr lang="en-US" sz="2800" b="1" dirty="0" err="1"/>
+              <a:t>SciPy</a:t>
+            </a:r>
+            <a:endParaRPr lang="en-US" sz="2800" b="1" dirty="0"/>
+          </a:p>
+          <a:p>
+            <a:r>
+              <a:rPr lang="en-US" sz="2800" b="1" dirty="0" err="1"/>
+              <a:t>Scikit</a:t>
+            </a:r>
             <a:r>
               <a:rPr lang="en-US" sz="2800" b="1" dirty="0"/>
-              <a:t>SciPy</a:t>
-            </a:r>
-          </a:p>
-          <a:p>
-            <a:r>
-              <a:rPr lang="en-US" sz="2800" dirty="0"/>
-              <a:t>	Collection of mathematical algorithms and convenience functions</a:t>
-            </a:r>
-          </a:p>
-          <a:p>
-            <a:r>
-              <a:rPr lang="en-US" sz="2800" dirty="0"/>
-              <a:t>	Supplies commands for manipulating and visualizing data</a:t>
-            </a:r>
-          </a:p>
-          <a:p>
-            <a:pPr marL="0" indent="0">
-              <a:buNone/>
-            </a:pPr>
+              <a:t>-learn</a:t>
+            </a:r>
+          </a:p>
+          <a:p>
+            <a:r>
+              <a:rPr lang="en-US" sz="2800" b="1" dirty="0" err="1"/>
+              <a:t>Numpy</a:t>
+            </a:r>
+            <a:endParaRPr lang="en-US" sz="2800" b="1" dirty="0"/>
+          </a:p>
+          <a:p>
             <a:r>
               <a:rPr lang="en-US" sz="2800" b="1" dirty="0"/>
               <a:t>Pandas</a:t>
@@ -5999,30 +5997,13 @@
           </a:p>
           <a:p>
             <a:r>
-              <a:rPr lang="en-US" sz="2800" dirty="0"/>
-              <a:t>Software library for data manipulation and analysis</a:t>
-            </a:r>
-          </a:p>
-          <a:p>
-            <a:r>
-              <a:rPr lang="en-US" sz="2800" dirty="0"/>
-              <a:t>Data frames</a:t>
-            </a:r>
-          </a:p>
-          <a:p>
-            <a:pPr marL="0" indent="0">
-              <a:buNone/>
-            </a:pPr>
-            <a:r>
-              <a:rPr lang="en-US" sz="2800" b="1" dirty="0"/>
-              <a:t>Scikit-learn</a:t>
-            </a:r>
-          </a:p>
-          <a:p>
-            <a:r>
-              <a:rPr lang="en-US" sz="2800" dirty="0"/>
-              <a:t>Module for machine learning</a:t>
-            </a:r>
+              <a:rPr lang="en-US" sz="2800" b="1" dirty="0" err="1"/>
+              <a:t>Matplotlib</a:t>
+            </a:r>
+            <a:endParaRPr lang="en-US" sz="2800" b="1" dirty="0"/>
+          </a:p>
+          <a:p>
+            <a:endParaRPr lang="en-US" sz="2800" dirty="0"/>
           </a:p>
         </p:txBody>
       </p:sp>
@@ -6054,7 +6035,7 @@
         </p:blipFill>
         <p:spPr>
           <a:xfrm>
-            <a:off x="8163479" y="4072650"/>
+            <a:off x="6598630" y="3808698"/>
             <a:ext cx="2653747" cy="2653747"/>
           </a:xfrm>
           <a:prstGeom prst="rect">
@@ -6993,34 +6974,6 @@
           <a:chExt cx="0" cy="0"/>
         </a:xfrm>
       </p:grpSpPr>
-      <p:sp>
-        <p:nvSpPr>
-          <p:cNvPr id="2" name="Title 1">
-            <a:extLst>
-              <a:ext uri="{FF2B5EF4-FFF2-40B4-BE49-F238E27FC236}">
-                <a16:creationId xmlns:a16="http://schemas.microsoft.com/office/drawing/2014/main" id="{1F0639FF-E7CD-4813-974F-73668F9796FF}"/>
-              </a:ext>
-            </a:extLst>
-          </p:cNvPr>
-          <p:cNvSpPr>
-            <a:spLocks noGrp="1"/>
-          </p:cNvSpPr>
-          <p:nvPr>
-            <p:ph type="title"/>
-          </p:nvPr>
-        </p:nvSpPr>
-        <p:spPr/>
-        <p:txBody>
-          <a:bodyPr/>
-          <a:lstStyle/>
-          <a:p>
-            <a:r>
-              <a:rPr lang="en-US" dirty="0"/>
-              <a:t>KNN</a:t>
-            </a:r>
-          </a:p>
-        </p:txBody>
-      </p:sp>
       <p:pic>
         <p:nvPicPr>
           <p:cNvPr id="15" name="Content Placeholder 14">
@@ -7045,8 +6998,8 @@
         </p:blipFill>
         <p:spPr>
           <a:xfrm>
-            <a:off x="1014942" y="1856936"/>
-            <a:ext cx="10162115" cy="4529796"/>
+            <a:off x="620353" y="625817"/>
+            <a:ext cx="10951294" cy="5606366"/>
           </a:xfrm>
           <a:prstGeom prst="rect">
             <a:avLst/>
@@ -7196,6 +7149,82 @@
           <a:chExt cx="0" cy="0"/>
         </a:xfrm>
       </p:grpSpPr>
+      <p:pic>
+        <p:nvPicPr>
+          <p:cNvPr id="13" name="Content Placeholder 12"/>
+          <p:cNvPicPr>
+            <a:picLocks noGrp="1" noChangeAspect="1"/>
+          </p:cNvPicPr>
+          <p:nvPr>
+            <p:ph sz="half" idx="2"/>
+          </p:nvPr>
+        </p:nvPicPr>
+        <p:blipFill>
+          <a:blip r:embed="rId2"/>
+          <a:stretch>
+            <a:fillRect/>
+          </a:stretch>
+        </p:blipFill>
+        <p:spPr>
+          <a:xfrm>
+            <a:off x="618927" y="992816"/>
+            <a:ext cx="5114417" cy="4751570"/>
+          </a:xfrm>
+        </p:spPr>
+      </p:pic>
+      <p:pic>
+        <p:nvPicPr>
+          <p:cNvPr id="14" name="Content Placeholder 13"/>
+          <p:cNvPicPr>
+            <a:picLocks noGrp="1"/>
+          </p:cNvPicPr>
+          <p:nvPr>
+            <p:ph sz="quarter" idx="4"/>
+          </p:nvPr>
+        </p:nvPicPr>
+        <p:blipFill>
+          <a:blip r:embed="rId3"/>
+          <a:stretch>
+            <a:fillRect/>
+          </a:stretch>
+        </p:blipFill>
+        <p:spPr>
+          <a:xfrm>
+            <a:off x="6412514" y="991161"/>
+            <a:ext cx="5111496" cy="4754880"/>
+          </a:xfrm>
+        </p:spPr>
+      </p:pic>
+    </p:spTree>
+    <p:extLst>
+      <p:ext uri="{BB962C8B-B14F-4D97-AF65-F5344CB8AC3E}">
+        <p14:creationId xmlns:p14="http://schemas.microsoft.com/office/powerpoint/2010/main" val="2582866730"/>
+      </p:ext>
+    </p:extLst>
+  </p:cSld>
+  <p:clrMapOvr>
+    <a:masterClrMapping/>
+  </p:clrMapOvr>
+</p:sld>
+</file>
+
+<file path=ppt/slides/slide18.xml><?xml version="1.0" encoding="utf-8"?>
+<p:sld xmlns:a="http://schemas.openxmlformats.org/drawingml/2006/main" xmlns:r="http://schemas.openxmlformats.org/officeDocument/2006/relationships" xmlns:p="http://schemas.openxmlformats.org/presentationml/2006/main">
+  <p:cSld>
+    <p:spTree>
+      <p:nvGrpSpPr>
+        <p:cNvPr id="1" name=""/>
+        <p:cNvGrpSpPr/>
+        <p:nvPr/>
+      </p:nvGrpSpPr>
+      <p:grpSpPr>
+        <a:xfrm>
+          <a:off x="0" y="0"/>
+          <a:ext cx="0" cy="0"/>
+          <a:chOff x="0" y="0"/>
+          <a:chExt cx="0" cy="0"/>
+        </a:xfrm>
+      </p:grpSpPr>
       <p:sp>
         <p:nvSpPr>
           <p:cNvPr id="2" name="Title 1">
@@ -7245,14 +7274,14 @@
             <p:ph idx="1"/>
             <p:extLst>
               <p:ext uri="{D42A27DB-BD31-4B8C-83A1-F6EECF244321}">
-                <p14:modId xmlns:p14="http://schemas.microsoft.com/office/powerpoint/2010/main" val="1104475355"/>
+                <p14:modId xmlns:p14="http://schemas.microsoft.com/office/powerpoint/2010/main" val="738586980"/>
               </p:ext>
             </p:extLst>
           </p:nvPr>
         </p:nvGraphicFramePr>
         <p:xfrm>
-          <a:off x="3341802" y="1006694"/>
-          <a:ext cx="4819421" cy="5730240"/>
+          <a:off x="3410801" y="289136"/>
+          <a:ext cx="5370398" cy="6279728"/>
         </p:xfrm>
         <a:graphic>
           <a:graphicData uri="http://schemas.openxmlformats.org/drawingml/2006/table">
@@ -7261,14 +7290,14 @@
                 <a:tableStyleId>{5C22544A-7EE6-4342-B048-85BDC9FD1C3A}</a:tableStyleId>
               </a:tblPr>
               <a:tblGrid>
-                <a:gridCol w="3113619">
+                <a:gridCol w="3469581">
                   <a:extLst>
                     <a:ext uri="{9D8B030D-6E8A-4147-A177-3AD203B41FA5}">
                       <a16:colId xmlns:a16="http://schemas.microsoft.com/office/drawing/2014/main" val="51317680"/>
                     </a:ext>
                   </a:extLst>
                 </a:gridCol>
-                <a:gridCol w="1705802">
+                <a:gridCol w="1900817">
                   <a:extLst>
                     <a:ext uri="{9D8B030D-6E8A-4147-A177-3AD203B41FA5}">
                       <a16:colId xmlns:a16="http://schemas.microsoft.com/office/drawing/2014/main" val="3707836881"/>
@@ -7276,7 +7305,7 @@
                   </a:extLst>
                 </a:gridCol>
               </a:tblGrid>
-              <a:tr h="342155">
+              <a:tr h="392483">
                 <a:tc>
                   <a:txBody>
                     <a:bodyPr/>
@@ -7311,7 +7340,7 @@
                   </a:ext>
                 </a:extLst>
               </a:tr>
-              <a:tr h="342155">
+              <a:tr h="392483">
                 <a:tc>
                   <a:txBody>
                     <a:bodyPr/>
@@ -7334,7 +7363,7 @@
                       <a:pPr algn="ctr"/>
                       <a:r>
                         <a:rPr lang="en-US" sz="1750" dirty="0"/>
-                        <a:t>86.94%</a:t>
+                        <a:t>86.88%</a:t>
                       </a:r>
                     </a:p>
                   </a:txBody>
@@ -7346,7 +7375,7 @@
                   </a:ext>
                 </a:extLst>
               </a:tr>
-              <a:tr h="342155">
+              <a:tr h="392483">
                 <a:tc>
                   <a:txBody>
                     <a:bodyPr/>
@@ -7369,7 +7398,7 @@
                       <a:pPr algn="ctr"/>
                       <a:r>
                         <a:rPr lang="en-US" sz="1750" dirty="0"/>
-                        <a:t>83.03%</a:t>
+                        <a:t>83.00%</a:t>
                       </a:r>
                     </a:p>
                   </a:txBody>
@@ -7381,7 +7410,7 @@
                   </a:ext>
                 </a:extLst>
               </a:tr>
-              <a:tr h="342155">
+              <a:tr h="392483">
                 <a:tc>
                   <a:txBody>
                     <a:bodyPr/>
@@ -7404,7 +7433,7 @@
                       <a:pPr algn="ctr"/>
                       <a:r>
                         <a:rPr lang="en-US" sz="1750" dirty="0"/>
-                        <a:t>78.70%</a:t>
+                        <a:t>78.59%</a:t>
                       </a:r>
                     </a:p>
                   </a:txBody>
@@ -7416,7 +7445,7 @@
                   </a:ext>
                 </a:extLst>
               </a:tr>
-              <a:tr h="342155">
+              <a:tr h="392483">
                 <a:tc>
                   <a:txBody>
                     <a:bodyPr/>
@@ -7439,7 +7468,7 @@
                       <a:pPr algn="ctr"/>
                       <a:r>
                         <a:rPr lang="en-US" sz="1750" dirty="0"/>
-                        <a:t>78.32%</a:t>
+                        <a:t>78.42%</a:t>
                       </a:r>
                     </a:p>
                   </a:txBody>
@@ -7451,7 +7480,7 @@
                   </a:ext>
                 </a:extLst>
               </a:tr>
-              <a:tr h="342155">
+              <a:tr h="392483">
                 <a:tc>
                   <a:txBody>
                     <a:bodyPr/>
@@ -7474,7 +7503,7 @@
                       <a:pPr algn="ctr"/>
                       <a:r>
                         <a:rPr lang="en-US" sz="1750" dirty="0"/>
-                        <a:t>78.31%</a:t>
+                        <a:t>78.41%</a:t>
                       </a:r>
                     </a:p>
                   </a:txBody>
@@ -7486,7 +7515,7 @@
                   </a:ext>
                 </a:extLst>
               </a:tr>
-              <a:tr h="342155">
+              <a:tr h="392483">
                 <a:tc>
                   <a:txBody>
                     <a:bodyPr/>
@@ -7509,7 +7538,7 @@
                       <a:pPr algn="ctr"/>
                       <a:r>
                         <a:rPr lang="en-US" sz="1750" dirty="0"/>
-                        <a:t>70.97%</a:t>
+                        <a:t>70.89%</a:t>
                       </a:r>
                     </a:p>
                   </a:txBody>
@@ -7521,7 +7550,7 @@
                   </a:ext>
                 </a:extLst>
               </a:tr>
-              <a:tr h="342155">
+              <a:tr h="392483">
                 <a:tc>
                   <a:txBody>
                     <a:bodyPr/>
@@ -7560,7 +7589,7 @@
                       <a:pPr algn="ctr"/>
                       <a:r>
                         <a:rPr lang="en-US" sz="1750" dirty="0"/>
-                        <a:t>65.95%</a:t>
+                        <a:t>66.06%</a:t>
                       </a:r>
                     </a:p>
                   </a:txBody>
@@ -7572,7 +7601,58 @@
                   </a:ext>
                 </a:extLst>
               </a:tr>
-              <a:tr h="342155">
+              <a:tr h="392483">
+                <a:tc>
+                  <a:txBody>
+                    <a:bodyPr/>
+                    <a:lstStyle/>
+                    <a:p>
+                      <a:pPr marL="0" marR="0" lvl="0" indent="0" algn="ctr" defTabSz="457200" rtl="0" eaLnBrk="1" fontAlgn="auto" latinLnBrk="0" hangingPunct="1">
+                        <a:lnSpc>
+                          <a:spcPct val="100000"/>
+                        </a:lnSpc>
+                        <a:spcBef>
+                          <a:spcPts val="0"/>
+                        </a:spcBef>
+                        <a:spcAft>
+                          <a:spcPts val="0"/>
+                        </a:spcAft>
+                        <a:buClrTx/>
+                        <a:buSzTx/>
+                        <a:buFontTx/>
+                        <a:buNone/>
+                        <a:tabLst/>
+                        <a:defRPr/>
+                      </a:pPr>
+                      <a:r>
+                        <a:rPr lang="en-US" sz="1750" dirty="0"/>
+                        <a:t>Length vs Gravity</a:t>
+                      </a:r>
+                    </a:p>
+                  </a:txBody>
+                  <a:tcPr/>
+                </a:tc>
+                <a:tc>
+                  <a:txBody>
+                    <a:bodyPr/>
+                    <a:lstStyle/>
+                    <a:p>
+                      <a:pPr algn="ctr"/>
+                      <a:r>
+                        <a:rPr lang="en-US" sz="1750" dirty="0"/>
+                        <a:t>65.97%</a:t>
+                      </a:r>
+                    </a:p>
+                  </a:txBody>
+                  <a:tcPr/>
+                </a:tc>
+                <a:extLst>
+                  <a:ext uri="{0D108BD9-81ED-4DB2-BD59-A6C34878D82A}">
+                    <a16:rowId xmlns:a16="http://schemas.microsoft.com/office/drawing/2014/main" val="2342799240"/>
+                  </a:ext>
+                </a:extLst>
+              </a:tr>
+              <a:tr h="392483">
                 <a:tc>
                   <a:txBody>
                     <a:bodyPr/>
@@ -7619,62 +7699,11 @@
                 </a:tc>
                 <a:extLst>
                   <a:ext uri="{0D108BD9-81ED-4DB2-BD59-A6C34878D82A}">
-                    <a16:rowId xmlns:a16="http://schemas.microsoft.com/office/drawing/2014/main" val="2342799240"/>
-                  </a:ext>
-                </a:extLst>
-              </a:tr>
-              <a:tr h="342155">
-                <a:tc>
-                  <a:txBody>
-                    <a:bodyPr/>
-                    <a:lstStyle/>
-                    <a:p>
-                      <a:pPr marL="0" marR="0" lvl="0" indent="0" algn="ctr" defTabSz="457200" rtl="0" eaLnBrk="1" fontAlgn="auto" latinLnBrk="0" hangingPunct="1">
-                        <a:lnSpc>
-                          <a:spcPct val="100000"/>
-                        </a:lnSpc>
-                        <a:spcBef>
-                          <a:spcPts val="0"/>
-                        </a:spcBef>
-                        <a:spcAft>
-                          <a:spcPts val="0"/>
-                        </a:spcAft>
-                        <a:buClrTx/>
-                        <a:buSzTx/>
-                        <a:buFontTx/>
-                        <a:buNone/>
-                        <a:tabLst/>
-                        <a:defRPr/>
-                      </a:pPr>
-                      <a:r>
-                        <a:rPr lang="en-US" sz="1750" dirty="0"/>
-                        <a:t>Length vs Gravity</a:t>
-                      </a:r>
-                    </a:p>
-                  </a:txBody>
-                  <a:tcPr/>
-                </a:tc>
-                <a:tc>
-                  <a:txBody>
-                    <a:bodyPr/>
-                    <a:lstStyle/>
-                    <a:p>
-                      <a:pPr algn="ctr"/>
-                      <a:r>
-                        <a:rPr lang="en-US" sz="1750" dirty="0"/>
-                        <a:t>65.81%</a:t>
-                      </a:r>
-                    </a:p>
-                  </a:txBody>
-                  <a:tcPr/>
-                </a:tc>
-                <a:extLst>
-                  <a:ext uri="{0D108BD9-81ED-4DB2-BD59-A6C34878D82A}">
                     <a16:rowId xmlns:a16="http://schemas.microsoft.com/office/drawing/2014/main" val="881969896"/>
                   </a:ext>
                 </a:extLst>
               </a:tr>
-              <a:tr h="0">
+              <a:tr h="392483">
                 <a:tc>
                   <a:txBody>
                     <a:bodyPr/>
@@ -7713,7 +7742,7 @@
                       <a:pPr algn="ctr"/>
                       <a:r>
                         <a:rPr lang="en-US" sz="1750" dirty="0"/>
-                        <a:t>65.50%</a:t>
+                        <a:t>65.38%</a:t>
                       </a:r>
                     </a:p>
                   </a:txBody>
@@ -7725,58 +7754,7 @@
                   </a:ext>
                 </a:extLst>
               </a:tr>
-              <a:tr h="342155">
-                <a:tc>
-                  <a:txBody>
-                    <a:bodyPr/>
-                    <a:lstStyle/>
-                    <a:p>
-                      <a:pPr marL="0" marR="0" lvl="0" indent="0" algn="ctr" defTabSz="457200" rtl="0" eaLnBrk="1" fontAlgn="auto" latinLnBrk="0" hangingPunct="1">
-                        <a:lnSpc>
-                          <a:spcPct val="100000"/>
-                        </a:lnSpc>
-                        <a:spcBef>
-                          <a:spcPts val="0"/>
-                        </a:spcBef>
-                        <a:spcAft>
-                          <a:spcPts val="0"/>
-                        </a:spcAft>
-                        <a:buClrTx/>
-                        <a:buSzTx/>
-                        <a:buFontTx/>
-                        <a:buNone/>
-                        <a:tabLst/>
-                        <a:defRPr/>
-                      </a:pPr>
-                      <a:r>
-                        <a:rPr lang="en-US" sz="1750" dirty="0"/>
-                        <a:t>Initial Stretch vs Spring</a:t>
-                      </a:r>
-                    </a:p>
-                  </a:txBody>
-                  <a:tcPr/>
-                </a:tc>
-                <a:tc>
-                  <a:txBody>
-                    <a:bodyPr/>
-                    <a:lstStyle/>
-                    <a:p>
-                      <a:pPr algn="ctr"/>
-                      <a:r>
-                        <a:rPr lang="en-US" sz="1750" dirty="0"/>
-                        <a:t>65.18%</a:t>
-                      </a:r>
-                    </a:p>
-                  </a:txBody>
-                  <a:tcPr/>
-                </a:tc>
-                <a:extLst>
-                  <a:ext uri="{0D108BD9-81ED-4DB2-BD59-A6C34878D82A}">
-                    <a16:rowId xmlns:a16="http://schemas.microsoft.com/office/drawing/2014/main" val="3706807908"/>
-                  </a:ext>
-                </a:extLst>
-              </a:tr>
-              <a:tr h="342155">
+              <a:tr h="392483">
                 <a:tc>
                   <a:txBody>
                     <a:bodyPr/>
@@ -7815,7 +7793,7 @@
                       <a:pPr algn="ctr"/>
                       <a:r>
                         <a:rPr lang="en-US" sz="1750" dirty="0"/>
-                        <a:t>65.11%</a:t>
+                        <a:t>65.18%</a:t>
                       </a:r>
                     </a:p>
                   </a:txBody>
@@ -7823,11 +7801,11 @@
                 </a:tc>
                 <a:extLst>
                   <a:ext uri="{0D108BD9-81ED-4DB2-BD59-A6C34878D82A}">
-                    <a16:rowId xmlns:a16="http://schemas.microsoft.com/office/drawing/2014/main" val="798478283"/>
+                    <a16:rowId xmlns:a16="http://schemas.microsoft.com/office/drawing/2014/main" val="3706807908"/>
                   </a:ext>
                 </a:extLst>
               </a:tr>
-              <a:tr h="342155">
+              <a:tr h="392483">
                 <a:tc>
                   <a:txBody>
                     <a:bodyPr/>
@@ -7852,7 +7830,7 @@
                       </a:pPr>
                       <a:r>
                         <a:rPr lang="en-US" sz="1750" dirty="0"/>
-                        <a:t>Initial Angle vs Spring</a:t>
+                        <a:t>Initial Stretch vs Spring </a:t>
                       </a:r>
                     </a:p>
                   </a:txBody>
@@ -7866,7 +7844,7 @@
                       <a:pPr algn="ctr"/>
                       <a:r>
                         <a:rPr lang="en-US" sz="1750" dirty="0"/>
-                        <a:t>58.56%</a:t>
+                        <a:t>65.09%</a:t>
                       </a:r>
                     </a:p>
                   </a:txBody>
@@ -7874,11 +7852,11 @@
                 </a:tc>
                 <a:extLst>
                   <a:ext uri="{0D108BD9-81ED-4DB2-BD59-A6C34878D82A}">
-                    <a16:rowId xmlns:a16="http://schemas.microsoft.com/office/drawing/2014/main" val="2943071027"/>
+                    <a16:rowId xmlns:a16="http://schemas.microsoft.com/office/drawing/2014/main" val="798478283"/>
                   </a:ext>
                 </a:extLst>
               </a:tr>
-              <a:tr h="342155">
+              <a:tr h="392483">
                 <a:tc>
                   <a:txBody>
                     <a:bodyPr/>
@@ -7917,8 +7895,60 @@
                       <a:pPr algn="ctr"/>
                       <a:r>
                         <a:rPr lang="en-US" sz="1750" dirty="0"/>
-                        <a:t>58.53%</a:t>
+                        <a:t>58.56%</a:t>
                       </a:r>
+                    </a:p>
+                  </a:txBody>
+                  <a:tcPr/>
+                </a:tc>
+                <a:extLst>
+                  <a:ext uri="{0D108BD9-81ED-4DB2-BD59-A6C34878D82A}">
+                    <a16:rowId xmlns:a16="http://schemas.microsoft.com/office/drawing/2014/main" val="2943071027"/>
+                  </a:ext>
+                </a:extLst>
+              </a:tr>
+              <a:tr h="392483">
+                <a:tc>
+                  <a:txBody>
+                    <a:bodyPr/>
+                    <a:lstStyle/>
+                    <a:p>
+                      <a:pPr marL="0" marR="0" lvl="0" indent="0" algn="ctr" defTabSz="457200" rtl="0" eaLnBrk="1" fontAlgn="auto" latinLnBrk="0" hangingPunct="1">
+                        <a:lnSpc>
+                          <a:spcPct val="100000"/>
+                        </a:lnSpc>
+                        <a:spcBef>
+                          <a:spcPts val="0"/>
+                        </a:spcBef>
+                        <a:spcAft>
+                          <a:spcPts val="0"/>
+                        </a:spcAft>
+                        <a:buClrTx/>
+                        <a:buSzTx/>
+                        <a:buFontTx/>
+                        <a:buNone/>
+                        <a:tabLst/>
+                        <a:defRPr/>
+                      </a:pPr>
+                      <a:r>
+                        <a:rPr lang="en-US" sz="1750" dirty="0"/>
+                        <a:t>Initial Angle vs Spring</a:t>
+                      </a:r>
+                    </a:p>
+                  </a:txBody>
+                  <a:tcPr/>
+                </a:tc>
+                <a:tc>
+                  <a:txBody>
+                    <a:bodyPr/>
+                    <a:lstStyle/>
+                    <a:p>
+                      <a:pPr algn="ctr"/>
+                      <a:r>
+                        <a:rPr lang="en-US" sz="1750"/>
+                        <a:t>58.39%</a:t>
+                      </a:r>
+                      <a:endParaRPr lang="en-US" sz="1750" dirty="0"/>
                     </a:p>
                   </a:txBody>
                   <a:tcPr/>
@@ -7929,7 +7959,7 @@
                   </a:ext>
                 </a:extLst>
               </a:tr>
-              <a:tr h="342155">
+              <a:tr h="392483">
                 <a:tc>
                   <a:txBody>
                     <a:bodyPr/>
@@ -7981,144 +8011,6 @@
 </p:sld>
 </file>
 
-<file path=ppt/slides/slide18.xml><?xml version="1.0" encoding="utf-8"?>
-<p:sld xmlns:a="http://schemas.openxmlformats.org/drawingml/2006/main" xmlns:r="http://schemas.openxmlformats.org/officeDocument/2006/relationships" xmlns:p="http://schemas.openxmlformats.org/presentationml/2006/main">
-  <p:cSld>
-    <p:spTree>
-      <p:nvGrpSpPr>
-        <p:cNvPr id="1" name=""/>
-        <p:cNvGrpSpPr/>
-        <p:nvPr/>
-      </p:nvGrpSpPr>
-      <p:grpSpPr>
-        <a:xfrm>
-          <a:off x="0" y="0"/>
-          <a:ext cx="0" cy="0"/>
-          <a:chOff x="0" y="0"/>
-          <a:chExt cx="0" cy="0"/>
-        </a:xfrm>
-      </p:grpSpPr>
-      <p:sp>
-        <p:nvSpPr>
-          <p:cNvPr id="2" name="Title 1">
-            <a:extLst>
-              <a:ext uri="{FF2B5EF4-FFF2-40B4-BE49-F238E27FC236}">
-                <a16:creationId xmlns:a16="http://schemas.microsoft.com/office/drawing/2014/main" id="{35F48B41-6578-4441-ACAD-8B6EA156C907}"/>
-              </a:ext>
-            </a:extLst>
-          </p:cNvPr>
-          <p:cNvSpPr>
-            <a:spLocks noGrp="1"/>
-          </p:cNvSpPr>
-          <p:nvPr>
-            <p:ph type="title"/>
-          </p:nvPr>
-        </p:nvSpPr>
-        <p:spPr/>
-        <p:txBody>
-          <a:bodyPr/>
-          <a:lstStyle/>
-          <a:p>
-            <a:r>
-              <a:rPr lang="en-US" dirty="0"/>
-              <a:t>Conclusion</a:t>
-            </a:r>
-          </a:p>
-        </p:txBody>
-      </p:sp>
-      <p:sp>
-        <p:nvSpPr>
-          <p:cNvPr id="3" name="Content Placeholder 2">
-            <a:extLst>
-              <a:ext uri="{FF2B5EF4-FFF2-40B4-BE49-F238E27FC236}">
-                <a16:creationId xmlns:a16="http://schemas.microsoft.com/office/drawing/2014/main" id="{7BA0C9DC-03A2-4E0A-A0B7-369DD69194AB}"/>
-              </a:ext>
-            </a:extLst>
-          </p:cNvPr>
-          <p:cNvSpPr>
-            <a:spLocks noGrp="1"/>
-          </p:cNvSpPr>
-          <p:nvPr>
-            <p:ph idx="1"/>
-          </p:nvPr>
-        </p:nvSpPr>
-        <p:spPr/>
-        <p:txBody>
-          <a:bodyPr>
-            <a:normAutofit fontScale="92500" lnSpcReduction="20000"/>
-          </a:bodyPr>
-          <a:lstStyle/>
-          <a:p>
-            <a:r>
-              <a:rPr lang="en-US" sz="2400" dirty="0"/>
-              <a:t>Able to characterize the motion of a spring pendulum using</a:t>
-            </a:r>
-            <a:endParaRPr lang="en-US" sz="2000" dirty="0"/>
-          </a:p>
-          <a:p>
-            <a:pPr lvl="1"/>
-            <a:r>
-              <a:rPr lang="en-US" sz="2000" dirty="0"/>
-              <a:t>Monte Carlo Method</a:t>
-            </a:r>
-          </a:p>
-          <a:p>
-            <a:pPr lvl="1"/>
-            <a:r>
-              <a:rPr lang="en-US" sz="2000" dirty="0"/>
-              <a:t>Data Mining</a:t>
-            </a:r>
-          </a:p>
-          <a:p>
-            <a:pPr lvl="1"/>
-            <a:r>
-              <a:rPr lang="en-US" sz="2000" dirty="0"/>
-              <a:t>Machine Learning</a:t>
-            </a:r>
-          </a:p>
-          <a:p>
-            <a:r>
-              <a:rPr lang="en-US" sz="2400" dirty="0"/>
-              <a:t>Spring pendulum behavior cannot be predicted effectively using a single parameter</a:t>
-            </a:r>
-          </a:p>
-          <a:p>
-            <a:r>
-              <a:rPr lang="en-US" sz="2400" dirty="0"/>
-              <a:t>Conclusions about spring pendulum behavior could be drawn from the KNN, but not the KDE</a:t>
-            </a:r>
-          </a:p>
-          <a:p>
-            <a:r>
-              <a:rPr lang="en-US" sz="2400" dirty="0"/>
-              <a:t>Uniform vs Distance weight methods have no discernible difference</a:t>
-            </a:r>
-          </a:p>
-          <a:p>
-            <a:r>
-              <a:rPr lang="en-US" sz="2400" dirty="0"/>
-              <a:t>Mass and Length together are the best predictors of spring pendulum behavior</a:t>
-            </a:r>
-          </a:p>
-          <a:p>
-            <a:pPr lvl="1"/>
-            <a:endParaRPr lang="en-US" sz="2000" dirty="0"/>
-          </a:p>
-        </p:txBody>
-      </p:sp>
-    </p:spTree>
-    <p:extLst>
-      <p:ext uri="{BB962C8B-B14F-4D97-AF65-F5344CB8AC3E}">
-        <p14:creationId xmlns:p14="http://schemas.microsoft.com/office/powerpoint/2010/main" val="3576590194"/>
-      </p:ext>
-    </p:extLst>
-  </p:cSld>
-  <p:clrMapOvr>
-    <a:masterClrMapping/>
-  </p:clrMapOvr>
-</p:sld>
-</file>
-
 <file path=ppt/slides/slide19.xml><?xml version="1.0" encoding="utf-8"?>
 <p:sld xmlns:a="http://schemas.openxmlformats.org/drawingml/2006/main" xmlns:r="http://schemas.openxmlformats.org/officeDocument/2006/relationships" xmlns:p="http://schemas.openxmlformats.org/presentationml/2006/main">
   <p:cSld>
@@ -8141,7 +8033,7 @@
           <p:cNvPr id="2" name="Title 1">
             <a:extLst>
               <a:ext uri="{FF2B5EF4-FFF2-40B4-BE49-F238E27FC236}">
-                <a16:creationId xmlns:a16="http://schemas.microsoft.com/office/drawing/2014/main" id="{BD772401-9176-455A-9D41-EF73C30CC773}"/>
+                <a16:creationId xmlns:a16="http://schemas.microsoft.com/office/drawing/2014/main" id="{35F48B41-6578-4441-ACAD-8B6EA156C907}"/>
               </a:ext>
             </a:extLst>
           </p:cNvPr>
@@ -8159,7 +8051,7 @@
           <a:p>
             <a:r>
               <a:rPr lang="en-US" dirty="0"/>
-              <a:t>Further investigation</a:t>
+              <a:t>Conclusion</a:t>
             </a:r>
           </a:p>
         </p:txBody>
@@ -8169,7 +8061,7 @@
           <p:cNvPr id="3" name="Content Placeholder 2">
             <a:extLst>
               <a:ext uri="{FF2B5EF4-FFF2-40B4-BE49-F238E27FC236}">
-                <a16:creationId xmlns:a16="http://schemas.microsoft.com/office/drawing/2014/main" id="{D668238F-A2C3-4FEE-BD69-8D8BEA2D1E0C}"/>
+                <a16:creationId xmlns:a16="http://schemas.microsoft.com/office/drawing/2014/main" id="{7BA0C9DC-03A2-4E0A-A0B7-369DD69194AB}"/>
               </a:ext>
             </a:extLst>
           </p:cNvPr>
@@ -8183,89 +8075,71 @@
         <p:spPr/>
         <p:txBody>
           <a:bodyPr>
-            <a:normAutofit/>
+            <a:normAutofit fontScale="92500" lnSpcReduction="20000"/>
           </a:bodyPr>
           <a:lstStyle/>
           <a:p>
             <a:r>
-              <a:rPr lang="en-US" sz="2800" dirty="0"/>
-              <a:t>Step sizes, computation time</a:t>
-            </a:r>
-          </a:p>
-          <a:p>
-            <a:r>
-              <a:rPr lang="en-US" sz="2800" dirty="0"/>
-              <a:t>Error</a:t>
-            </a:r>
-          </a:p>
-          <a:p>
-            <a:r>
-              <a:rPr lang="en-US" sz="2800" dirty="0"/>
-              <a:t>Parallel processing</a:t>
-            </a:r>
-          </a:p>
-          <a:p>
-            <a:r>
-              <a:rPr lang="en-US" sz="2800" dirty="0"/>
-              <a:t>Other machine learning methods</a:t>
-            </a:r>
-          </a:p>
-        </p:txBody>
-      </p:sp>
-      <p:pic>
-        <p:nvPicPr>
-          <p:cNvPr id="5" name="Picture 4">
-            <a:extLst>
-              <a:ext uri="{FF2B5EF4-FFF2-40B4-BE49-F238E27FC236}">
-                <a16:creationId xmlns:a16="http://schemas.microsoft.com/office/drawing/2014/main" id="{1843A86D-9DFA-4EA5-9520-1C1501520A9E}"/>
-              </a:ext>
-            </a:extLst>
-          </p:cNvPr>
-          <p:cNvPicPr>
-            <a:picLocks noChangeAspect="1"/>
-          </p:cNvPicPr>
-          <p:nvPr/>
-        </p:nvPicPr>
-        <p:blipFill>
-          <a:blip r:embed="rId2">
-            <a:extLst>
-              <a:ext uri="{837473B0-CC2E-450A-ABE3-18F120FF3D39}">
-                <a1611:picAttrSrcUrl xmlns:a1611="http://schemas.microsoft.com/office/drawing/2016/11/main" xmlns="" r:id="rId3"/>
-              </a:ext>
-            </a:extLst>
-          </a:blip>
-          <a:stretch>
-            <a:fillRect/>
-          </a:stretch>
-        </p:blipFill>
-        <p:spPr>
-          <a:xfrm>
-            <a:off x="7719530" y="2305141"/>
-            <a:ext cx="3322983" cy="3322983"/>
-          </a:xfrm>
-          <a:prstGeom prst="rect">
-            <a:avLst/>
-          </a:prstGeom>
-          <a:ln w="38100" cap="sq">
-            <a:solidFill>
-              <a:srgbClr val="000000"/>
-            </a:solidFill>
-            <a:prstDash val="solid"/>
-            <a:miter lim="800000"/>
-          </a:ln>
-          <a:effectLst>
-            <a:outerShdw blurRad="50800" dist="38100" dir="2700000" algn="tl" rotWithShape="0">
-              <a:srgbClr val="000000">
-                <a:alpha val="43000"/>
-              </a:srgbClr>
-            </a:outerShdw>
-          </a:effectLst>
-        </p:spPr>
-      </p:pic>
+              <a:rPr lang="en-US" sz="2400" dirty="0"/>
+              <a:t>Able to characterize the motion of a spring pendulum using</a:t>
+            </a:r>
+            <a:endParaRPr lang="en-US" sz="2000" dirty="0"/>
+          </a:p>
+          <a:p>
+            <a:pPr lvl="1"/>
+            <a:r>
+              <a:rPr lang="en-US" sz="2000" dirty="0"/>
+              <a:t>Monte Carlo Method</a:t>
+            </a:r>
+          </a:p>
+          <a:p>
+            <a:pPr lvl="1"/>
+            <a:r>
+              <a:rPr lang="en-US" sz="2000" dirty="0"/>
+              <a:t>Data Mining</a:t>
+            </a:r>
+          </a:p>
+          <a:p>
+            <a:pPr lvl="1"/>
+            <a:r>
+              <a:rPr lang="en-US" sz="2000" dirty="0"/>
+              <a:t>Machine Learning</a:t>
+            </a:r>
+          </a:p>
+          <a:p>
+            <a:r>
+              <a:rPr lang="en-US" sz="2400" dirty="0"/>
+              <a:t>Spring pendulum behavior cannot be predicted effectively using a single parameter</a:t>
+            </a:r>
+          </a:p>
+          <a:p>
+            <a:r>
+              <a:rPr lang="en-US" sz="2400" dirty="0"/>
+              <a:t>Conclusions about spring pendulum behavior could be drawn from the KNN, but not the KDE</a:t>
+            </a:r>
+          </a:p>
+          <a:p>
+            <a:r>
+              <a:rPr lang="en-US" sz="2400" dirty="0"/>
+              <a:t>Uniform vs Distance weight methods have no discernible difference</a:t>
+            </a:r>
+          </a:p>
+          <a:p>
+            <a:r>
+              <a:rPr lang="en-US" sz="2400" dirty="0"/>
+              <a:t>Mass and Length together are the best predictors of spring pendulum behavior</a:t>
+            </a:r>
+          </a:p>
+          <a:p>
+            <a:pPr lvl="1"/>
+            <a:endParaRPr lang="en-US" sz="2000" dirty="0"/>
+          </a:p>
+        </p:txBody>
+      </p:sp>
     </p:spTree>
     <p:extLst>
       <p:ext uri="{BB962C8B-B14F-4D97-AF65-F5344CB8AC3E}">
-        <p14:creationId xmlns:p14="http://schemas.microsoft.com/office/powerpoint/2010/main" val="4200847154"/>
+        <p14:creationId xmlns:p14="http://schemas.microsoft.com/office/powerpoint/2010/main" val="3576590194"/>
       </p:ext>
     </p:extLst>
   </p:cSld>
@@ -8662,6 +8536,162 @@
           <p:cNvPr id="2" name="Title 1">
             <a:extLst>
               <a:ext uri="{FF2B5EF4-FFF2-40B4-BE49-F238E27FC236}">
+                <a16:creationId xmlns:a16="http://schemas.microsoft.com/office/drawing/2014/main" id="{BD772401-9176-455A-9D41-EF73C30CC773}"/>
+              </a:ext>
+            </a:extLst>
+          </p:cNvPr>
+          <p:cNvSpPr>
+            <a:spLocks noGrp="1"/>
+          </p:cNvSpPr>
+          <p:nvPr>
+            <p:ph type="title"/>
+          </p:nvPr>
+        </p:nvSpPr>
+        <p:spPr/>
+        <p:txBody>
+          <a:bodyPr/>
+          <a:lstStyle/>
+          <a:p>
+            <a:r>
+              <a:rPr lang="en-US" dirty="0"/>
+              <a:t>Further investigation</a:t>
+            </a:r>
+          </a:p>
+        </p:txBody>
+      </p:sp>
+      <p:sp>
+        <p:nvSpPr>
+          <p:cNvPr id="3" name="Content Placeholder 2">
+            <a:extLst>
+              <a:ext uri="{FF2B5EF4-FFF2-40B4-BE49-F238E27FC236}">
+                <a16:creationId xmlns:a16="http://schemas.microsoft.com/office/drawing/2014/main" id="{D668238F-A2C3-4FEE-BD69-8D8BEA2D1E0C}"/>
+              </a:ext>
+            </a:extLst>
+          </p:cNvPr>
+          <p:cNvSpPr>
+            <a:spLocks noGrp="1"/>
+          </p:cNvSpPr>
+          <p:nvPr>
+            <p:ph idx="1"/>
+          </p:nvPr>
+        </p:nvSpPr>
+        <p:spPr/>
+        <p:txBody>
+          <a:bodyPr>
+            <a:normAutofit/>
+          </a:bodyPr>
+          <a:lstStyle/>
+          <a:p>
+            <a:r>
+              <a:rPr lang="en-US" sz="2800" dirty="0"/>
+              <a:t>Step sizes, computation time</a:t>
+            </a:r>
+          </a:p>
+          <a:p>
+            <a:r>
+              <a:rPr lang="en-US" sz="2800" dirty="0"/>
+              <a:t>Error</a:t>
+            </a:r>
+          </a:p>
+          <a:p>
+            <a:r>
+              <a:rPr lang="en-US" sz="2800" dirty="0"/>
+              <a:t>Parallel processing</a:t>
+            </a:r>
+          </a:p>
+          <a:p>
+            <a:r>
+              <a:rPr lang="en-US" sz="2800" dirty="0"/>
+              <a:t>Other machine learning methods</a:t>
+            </a:r>
+          </a:p>
+        </p:txBody>
+      </p:sp>
+      <p:pic>
+        <p:nvPicPr>
+          <p:cNvPr id="5" name="Picture 4">
+            <a:extLst>
+              <a:ext uri="{FF2B5EF4-FFF2-40B4-BE49-F238E27FC236}">
+                <a16:creationId xmlns:a16="http://schemas.microsoft.com/office/drawing/2014/main" id="{1843A86D-9DFA-4EA5-9520-1C1501520A9E}"/>
+              </a:ext>
+            </a:extLst>
+          </p:cNvPr>
+          <p:cNvPicPr>
+            <a:picLocks noChangeAspect="1"/>
+          </p:cNvPicPr>
+          <p:nvPr/>
+        </p:nvPicPr>
+        <p:blipFill>
+          <a:blip r:embed="rId2">
+            <a:extLst>
+              <a:ext uri="{837473B0-CC2E-450A-ABE3-18F120FF3D39}">
+                <a1611:picAttrSrcUrl xmlns:a1611="http://schemas.microsoft.com/office/drawing/2016/11/main" xmlns="" r:id="rId3"/>
+              </a:ext>
+            </a:extLst>
+          </a:blip>
+          <a:stretch>
+            <a:fillRect/>
+          </a:stretch>
+        </p:blipFill>
+        <p:spPr>
+          <a:xfrm>
+            <a:off x="7719530" y="2305141"/>
+            <a:ext cx="3322983" cy="3322983"/>
+          </a:xfrm>
+          <a:prstGeom prst="rect">
+            <a:avLst/>
+          </a:prstGeom>
+          <a:ln w="38100" cap="sq">
+            <a:solidFill>
+              <a:srgbClr val="000000"/>
+            </a:solidFill>
+            <a:prstDash val="solid"/>
+            <a:miter lim="800000"/>
+          </a:ln>
+          <a:effectLst>
+            <a:outerShdw blurRad="50800" dist="38100" dir="2700000" algn="tl" rotWithShape="0">
+              <a:srgbClr val="000000">
+                <a:alpha val="43000"/>
+              </a:srgbClr>
+            </a:outerShdw>
+          </a:effectLst>
+        </p:spPr>
+      </p:pic>
+    </p:spTree>
+    <p:extLst>
+      <p:ext uri="{BB962C8B-B14F-4D97-AF65-F5344CB8AC3E}">
+        <p14:creationId xmlns:p14="http://schemas.microsoft.com/office/powerpoint/2010/main" val="4200847154"/>
+      </p:ext>
+    </p:extLst>
+  </p:cSld>
+  <p:clrMapOvr>
+    <a:masterClrMapping/>
+  </p:clrMapOvr>
+</p:sld>
+</file>
+
+<file path=ppt/slides/slide21.xml><?xml version="1.0" encoding="utf-8"?>
+<p:sld xmlns:a="http://schemas.openxmlformats.org/drawingml/2006/main" xmlns:r="http://schemas.openxmlformats.org/officeDocument/2006/relationships" xmlns:p="http://schemas.openxmlformats.org/presentationml/2006/main">
+  <p:cSld>
+    <p:spTree>
+      <p:nvGrpSpPr>
+        <p:cNvPr id="1" name=""/>
+        <p:cNvGrpSpPr/>
+        <p:nvPr/>
+      </p:nvGrpSpPr>
+      <p:grpSpPr>
+        <a:xfrm>
+          <a:off x="0" y="0"/>
+          <a:ext cx="0" cy="0"/>
+          <a:chOff x="0" y="0"/>
+          <a:chExt cx="0" cy="0"/>
+        </a:xfrm>
+      </p:grpSpPr>
+      <p:sp>
+        <p:nvSpPr>
+          <p:cNvPr id="2" name="Title 1">
+            <a:extLst>
+              <a:ext uri="{FF2B5EF4-FFF2-40B4-BE49-F238E27FC236}">
                 <a16:creationId xmlns:a16="http://schemas.microsoft.com/office/drawing/2014/main" id="{F5E9B327-6A46-442C-93BC-F827319CC759}"/>
               </a:ext>
             </a:extLst>
@@ -9079,13 +9109,8 @@
           <a:p>
             <a:r>
               <a:rPr lang="en-US" dirty="0"/>
-              <a:t>Monte </a:t>
-            </a:r>
-            <a:r>
-              <a:rPr lang="en-US" dirty="0" err="1"/>
-              <a:t>carlo</a:t>
-            </a:r>
-            <a:endParaRPr lang="en-US" dirty="0"/>
+              <a:t>Monte Carlo</a:t>
+            </a:r>
           </a:p>
         </p:txBody>
       </p:sp>
@@ -10824,7 +10849,7 @@
           <a:graphicData uri="http://schemas.openxmlformats.org/presentationml/2006/ole">
             <mc:AlternateContent xmlns:mc="http://schemas.openxmlformats.org/markup-compatibility/2006">
               <mc:Choice xmlns:v="urn:schemas-microsoft-com:vml" Requires="v">
-                <p:oleObj spid="_x0000_s2132" name="Equation" r:id="rId3" imgW="2603160" imgH="1422360" progId="Equation.DSMT4">
+                <p:oleObj spid="_x0000_s2150" name="Equation" r:id="rId3" imgW="2603160" imgH="1422360" progId="Equation.DSMT4">
                   <p:embed/>
                 </p:oleObj>
               </mc:Choice>
@@ -10893,7 +10918,7 @@
           <a:graphicData uri="http://schemas.openxmlformats.org/presentationml/2006/ole">
             <mc:AlternateContent xmlns:mc="http://schemas.openxmlformats.org/markup-compatibility/2006">
               <mc:Choice xmlns:v="urn:schemas-microsoft-com:vml" Requires="v">
-                <p:oleObj spid="_x0000_s2133" name="Equation" r:id="rId5" imgW="457200" imgH="914400" progId="Equation.DSMT4">
+                <p:oleObj spid="_x0000_s2151" name="Equation" r:id="rId5" imgW="457200" imgH="914400" progId="Equation.DSMT4">
                   <p:embed/>
                 </p:oleObj>
               </mc:Choice>
@@ -11180,21 +11205,7 @@
                 <a:latin typeface="Arial" panose="020B0604020202020204" pitchFamily="34" charset="0"/>
                 <a:cs typeface="Arial" panose="020B0604020202020204" pitchFamily="34" charset="0"/>
               </a:rPr>
-              <a:t>dy2dt = (-k/m)*I[0] + (</a:t>
-            </a:r>
-            <a:r>
-              <a:rPr lang="en-US" sz="2000" b="1" dirty="0" err="1">
-                <a:latin typeface="Arial" panose="020B0604020202020204" pitchFamily="34" charset="0"/>
-                <a:cs typeface="Arial" panose="020B0604020202020204" pitchFamily="34" charset="0"/>
-              </a:rPr>
-              <a:t>l+I</a:t>
-            </a:r>
-            <a:r>
-              <a:rPr lang="en-US" sz="2000" b="1" dirty="0">
-                <a:latin typeface="Arial" panose="020B0604020202020204" pitchFamily="34" charset="0"/>
-                <a:cs typeface="Arial" panose="020B0604020202020204" pitchFamily="34" charset="0"/>
-              </a:rPr>
-              <a:t>[0])*(I[3])**2 + g*</a:t>
+              <a:t>dy2dt = (-k/m)*I[0] + (l+I[0])*(I[3])**2 + g*</a:t>
             </a:r>
             <a:r>
               <a:rPr lang="en-US" sz="2000" b="1" dirty="0" err="1">
@@ -11267,21 +11278,7 @@
                 <a:latin typeface="Arial" panose="020B0604020202020204" pitchFamily="34" charset="0"/>
                 <a:cs typeface="Arial" panose="020B0604020202020204" pitchFamily="34" charset="0"/>
               </a:rPr>
-              <a:t>(I[2]) - (2.0*I[1]*I[3])) / (</a:t>
-            </a:r>
-            <a:r>
-              <a:rPr lang="en-US" sz="2000" b="1" dirty="0" err="1">
-                <a:latin typeface="Arial" panose="020B0604020202020204" pitchFamily="34" charset="0"/>
-                <a:cs typeface="Arial" panose="020B0604020202020204" pitchFamily="34" charset="0"/>
-              </a:rPr>
-              <a:t>l+I</a:t>
-            </a:r>
-            <a:r>
-              <a:rPr lang="en-US" sz="2000" b="1" dirty="0">
-                <a:latin typeface="Arial" panose="020B0604020202020204" pitchFamily="34" charset="0"/>
-                <a:cs typeface="Arial" panose="020B0604020202020204" pitchFamily="34" charset="0"/>
-              </a:rPr>
-              <a:t>[0]) 						</a:t>
+              <a:t>(I[2]) - (2.0*I[1]*I[3])) / (l+I[0]) 						</a:t>
             </a:r>
             <a:r>
               <a:rPr lang="en-US" sz="2000" b="1" i="1" dirty="0">
